--- a/Presentation/Retro Fireballs.pptx
+++ b/Presentation/Retro Fireballs.pptx
@@ -47,27 +47,21 @@
     <p:sldId id="292" r:id="rId41"/>
     <p:sldId id="293" r:id="rId42"/>
     <p:sldId id="294" r:id="rId43"/>
-    <p:sldId id="295" r:id="rId44"/>
-    <p:sldId id="296" r:id="rId45"/>
-    <p:sldId id="297" r:id="rId46"/>
-    <p:sldId id="298" r:id="rId47"/>
-    <p:sldId id="299" r:id="rId48"/>
-    <p:sldId id="300" r:id="rId49"/>
   </p:sldIdLst>
   <p:sldSz cy="5143500" cx="9144000"/>
   <p:notesSz cx="6858000" cy="9144000"/>
   <p:embeddedFontLst>
     <p:embeddedFont>
       <p:font typeface="Nunito"/>
-      <p:regular r:id="rId50"/>
-      <p:bold r:id="rId51"/>
-      <p:italic r:id="rId52"/>
-      <p:boldItalic r:id="rId53"/>
+      <p:regular r:id="rId44"/>
+      <p:bold r:id="rId45"/>
+      <p:italic r:id="rId46"/>
+      <p:boldItalic r:id="rId47"/>
     </p:embeddedFont>
     <p:embeddedFont>
       <p:font typeface="Maven Pro"/>
-      <p:regular r:id="rId54"/>
-      <p:bold r:id="rId55"/>
+      <p:regular r:id="rId48"/>
+      <p:bold r:id="rId49"/>
     </p:embeddedFont>
   </p:embeddedFontLst>
   <p:defaultTextStyle>
@@ -2440,7 +2434,8 @@
               <a:buNone/>
             </a:pPr>
             <a:r>
-              <a:t/>
+              <a:rPr lang="en"/>
+              <a:t>Don’t graph them all at once!</a:t>
             </a:r>
             <a:endParaRPr/>
           </a:p>
@@ -2733,7 +2728,7 @@
             </a:pPr>
             <a:r>
               <a:rPr lang="en"/>
-              <a:t>Don’t graph them all at once!</a:t>
+              <a:t>Choosing the correct graph type is important</a:t>
             </a:r>
             <a:endParaRPr/>
           </a:p>
@@ -2832,7 +2827,7 @@
             </a:pPr>
             <a:r>
               <a:rPr lang="en"/>
-              <a:t>Choosing the correct graph type is important</a:t>
+              <a:t>Season opener episodes: polarity is generally closer to zero, but positiveish outlook to begin the season in general</a:t>
             </a:r>
             <a:endParaRPr/>
           </a:p>
@@ -2851,7 +2846,7 @@
   <p:cSld>
     <p:spTree>
       <p:nvGrpSpPr>
-        <p:cNvPr id="411" name="Shape 411"/>
+        <p:cNvPr id="412" name="Shape 412"/>
         <p:cNvGrpSpPr/>
         <p:nvPr/>
       </p:nvGrpSpPr>
@@ -2865,7 +2860,7 @@
       </p:grpSpPr>
       <p:sp>
         <p:nvSpPr>
-          <p:cNvPr id="412" name="Shape 412"/>
+          <p:cNvPr id="413" name="Shape 413"/>
           <p:cNvSpPr/>
           <p:nvPr>
             <p:ph idx="2" type="sldImg"/>
@@ -2899,7 +2894,7 @@
       </p:sp>
       <p:sp>
         <p:nvSpPr>
-          <p:cNvPr id="413" name="Shape 413"/>
+          <p:cNvPr id="414" name="Shape 414"/>
           <p:cNvSpPr txBox="1"/>
           <p:nvPr>
             <p:ph idx="1" type="body"/>
@@ -2931,7 +2926,7 @@
             </a:pPr>
             <a:r>
               <a:rPr lang="en"/>
-              <a:t>Season opener episodes: polarity is generally closer to zero, but positiveish outlook to begin the season in general</a:t>
+              <a:t>Season Finales: Tend to end more negatively, aside from season 2</a:t>
             </a:r>
             <a:endParaRPr/>
           </a:p>
@@ -2950,7 +2945,7 @@
   <p:cSld>
     <p:spTree>
       <p:nvGrpSpPr>
-        <p:cNvPr id="418" name="Shape 418"/>
+        <p:cNvPr id="420" name="Shape 420"/>
         <p:cNvGrpSpPr/>
         <p:nvPr/>
       </p:nvGrpSpPr>
@@ -2964,7 +2959,7 @@
       </p:grpSpPr>
       <p:sp>
         <p:nvSpPr>
-          <p:cNvPr id="419" name="Shape 419"/>
+          <p:cNvPr id="421" name="Shape 421"/>
           <p:cNvSpPr/>
           <p:nvPr>
             <p:ph idx="2" type="sldImg"/>
@@ -2998,7 +2993,7 @@
       </p:sp>
       <p:sp>
         <p:nvSpPr>
-          <p:cNvPr id="420" name="Shape 420"/>
+          <p:cNvPr id="422" name="Shape 422"/>
           <p:cNvSpPr txBox="1"/>
           <p:nvPr>
             <p:ph idx="1" type="body"/>
@@ -3019,7 +3014,7 @@
           </a:bodyPr>
           <a:lstStyle/>
           <a:p>
-            <a:pPr indent="0" lvl="0" marL="0">
+            <a:pPr indent="0" lvl="0" marL="0" rtl="0">
               <a:spcBef>
                 <a:spcPts val="0"/>
               </a:spcBef>
@@ -3030,7 +3025,69 @@
             </a:pPr>
             <a:r>
               <a:rPr lang="en"/>
-              <a:t>Season Finales: Tend to end more negatively, aside from season 2</a:t>
+              <a:t>Kevin:For Twitter: How do sentiments on tweets searched by #GameofThrones match with the episode air times?  Which episodes have the highest correlation between episode and twitter compound score?  Which have the lowest?</a:t>
+            </a:r>
+            <a:endParaRPr/>
+          </a:p>
+          <a:p>
+            <a:pPr indent="0" lvl="0" marL="0" rtl="0">
+              <a:spcBef>
+                <a:spcPts val="0"/>
+              </a:spcBef>
+              <a:spcAft>
+                <a:spcPts val="0"/>
+              </a:spcAft>
+              <a:buNone/>
+            </a:pPr>
+            <a:r>
+              <a:t/>
+            </a:r>
+            <a:endParaRPr/>
+          </a:p>
+          <a:p>
+            <a:pPr indent="0" lvl="0" marL="0" rtl="0">
+              <a:spcBef>
+                <a:spcPts val="0"/>
+              </a:spcBef>
+              <a:spcAft>
+                <a:spcPts val="0"/>
+              </a:spcAft>
+              <a:buNone/>
+            </a:pPr>
+            <a:r>
+              <a:rPr lang="en"/>
+              <a:t>Kevin: Episode Analysis: How do the sentiments of each episode compare with each other?  What trends, if any, are there?  Do episodes known as big downers reflect this in their sentiments?</a:t>
+            </a:r>
+            <a:endParaRPr/>
+          </a:p>
+          <a:p>
+            <a:pPr indent="0" lvl="0" marL="0" rtl="0">
+              <a:spcBef>
+                <a:spcPts val="0"/>
+              </a:spcBef>
+              <a:spcAft>
+                <a:spcPts val="0"/>
+              </a:spcAft>
+              <a:buNone/>
+            </a:pPr>
+            <a:r>
+              <a:t/>
+            </a:r>
+            <a:endParaRPr/>
+          </a:p>
+          <a:p>
+            <a:pPr indent="0" lvl="0" marL="0" rtl="0">
+              <a:spcBef>
+                <a:spcPts val="0"/>
+              </a:spcBef>
+              <a:spcAft>
+                <a:spcPts val="0"/>
+              </a:spcAft>
+              <a:buNone/>
+            </a:pPr>
+            <a:r>
+              <a:rPr lang="en"/>
+              <a:t>Jason: Does the number of deaths (of major characters) or ravens sent per episode have any effect on episode sentiment? If so how can we visualize the data to display those effects?</a:t>
             </a:r>
             <a:endParaRPr/>
           </a:p>
@@ -3049,7 +3106,7 @@
   <p:cSld>
     <p:spTree>
       <p:nvGrpSpPr>
-        <p:cNvPr id="426" name="Shape 426"/>
+        <p:cNvPr id="427" name="Shape 427"/>
         <p:cNvGrpSpPr/>
         <p:nvPr/>
       </p:nvGrpSpPr>
@@ -3063,7 +3120,7 @@
       </p:grpSpPr>
       <p:sp>
         <p:nvSpPr>
-          <p:cNvPr id="427" name="Shape 427"/>
+          <p:cNvPr id="428" name="Shape 428"/>
           <p:cNvSpPr/>
           <p:nvPr>
             <p:ph idx="2" type="sldImg"/>
@@ -3097,7 +3154,7 @@
       </p:sp>
       <p:sp>
         <p:nvSpPr>
-          <p:cNvPr id="428" name="Shape 428"/>
+          <p:cNvPr id="429" name="Shape 429"/>
           <p:cNvSpPr txBox="1"/>
           <p:nvPr>
             <p:ph idx="1" type="body"/>
@@ -3128,70 +3185,7 @@
               <a:buNone/>
             </a:pPr>
             <a:r>
-              <a:rPr lang="en"/>
-              <a:t>Kevin:For Twitter: How do sentiments on tweets searched by #GameofThrones match with the episode air times?  Which episodes have the highest correlation between episode and twitter compound score?  Which have the lowest?</a:t>
-            </a:r>
-            <a:endParaRPr/>
-          </a:p>
-          <a:p>
-            <a:pPr indent="0" lvl="0" marL="0" rtl="0">
-              <a:spcBef>
-                <a:spcPts val="0"/>
-              </a:spcBef>
-              <a:spcAft>
-                <a:spcPts val="0"/>
-              </a:spcAft>
-              <a:buNone/>
-            </a:pPr>
-            <a:r>
               <a:t/>
-            </a:r>
-            <a:endParaRPr/>
-          </a:p>
-          <a:p>
-            <a:pPr indent="0" lvl="0" marL="0" rtl="0">
-              <a:spcBef>
-                <a:spcPts val="0"/>
-              </a:spcBef>
-              <a:spcAft>
-                <a:spcPts val="0"/>
-              </a:spcAft>
-              <a:buNone/>
-            </a:pPr>
-            <a:r>
-              <a:rPr lang="en"/>
-              <a:t>Kevin: Episode Analysis: How do the sentiments of each episode compare with each other?  What trends, if any, are there?  Do episodes known as big downers reflect this in their sentiments?</a:t>
-            </a:r>
-            <a:endParaRPr/>
-          </a:p>
-          <a:p>
-            <a:pPr indent="0" lvl="0" marL="0" rtl="0">
-              <a:spcBef>
-                <a:spcPts val="0"/>
-              </a:spcBef>
-              <a:spcAft>
-                <a:spcPts val="0"/>
-              </a:spcAft>
-              <a:buNone/>
-            </a:pPr>
-            <a:r>
-              <a:t/>
-            </a:r>
-            <a:endParaRPr/>
-          </a:p>
-          <a:p>
-            <a:pPr indent="0" lvl="0" marL="0" rtl="0">
-              <a:spcBef>
-                <a:spcPts val="0"/>
-              </a:spcBef>
-              <a:spcAft>
-                <a:spcPts val="0"/>
-              </a:spcAft>
-              <a:buNone/>
-            </a:pPr>
-            <a:r>
-              <a:rPr lang="en"/>
-              <a:t>Jason: Does the number of deaths (of major characters) or ravens sent per episode have any effect on episode sentiment? If so how can we visualize the data to display those effects?</a:t>
             </a:r>
             <a:endParaRPr/>
           </a:p>
@@ -3210,7 +3204,7 @@
   <p:cSld>
     <p:spTree>
       <p:nvGrpSpPr>
-        <p:cNvPr id="433" name="Shape 433"/>
+        <p:cNvPr id="434" name="Shape 434"/>
         <p:cNvGrpSpPr/>
         <p:nvPr/>
       </p:nvGrpSpPr>
@@ -3224,7 +3218,7 @@
       </p:grpSpPr>
       <p:sp>
         <p:nvSpPr>
-          <p:cNvPr id="434" name="Shape 434"/>
+          <p:cNvPr id="435" name="Shape 435"/>
           <p:cNvSpPr/>
           <p:nvPr>
             <p:ph idx="2" type="sldImg"/>
@@ -3258,7 +3252,7 @@
       </p:sp>
       <p:sp>
         <p:nvSpPr>
-          <p:cNvPr id="435" name="Shape 435"/>
+          <p:cNvPr id="436" name="Shape 436"/>
           <p:cNvSpPr txBox="1"/>
           <p:nvPr>
             <p:ph idx="1" type="body"/>
@@ -3280,16 +3274,59 @@
           <a:lstStyle/>
           <a:p>
             <a:pPr indent="0" lvl="0" marL="0" rtl="0">
-              <a:spcBef>
-                <a:spcPts val="0"/>
-              </a:spcBef>
-              <a:spcAft>
-                <a:spcPts val="0"/>
-              </a:spcAft>
+              <a:lnSpc>
+                <a:spcPct val="150000"/>
+              </a:lnSpc>
+              <a:spcBef>
+                <a:spcPts val="0"/>
+              </a:spcBef>
+              <a:spcAft>
+                <a:spcPts val="0"/>
+              </a:spcAft>
+              <a:buClr>
+                <a:schemeClr val="dk1"/>
+              </a:buClr>
+              <a:buSzPts val="1100"/>
+              <a:buFont typeface="Arial"/>
               <a:buNone/>
             </a:pPr>
             <a:r>
-              <a:t/>
+              <a:rPr lang="en" sz="1300">
+                <a:latin typeface="Nunito"/>
+                <a:ea typeface="Nunito"/>
+                <a:cs typeface="Nunito"/>
+                <a:sym typeface="Nunito"/>
+              </a:rPr>
+              <a:t> * Discuss any problems that arose after exploring the data, and how you resolved them</a:t>
+            </a:r>
+            <a:endParaRPr sz="1300">
+              <a:latin typeface="Nunito"/>
+              <a:ea typeface="Nunito"/>
+              <a:cs typeface="Nunito"/>
+              <a:sym typeface="Nunito"/>
+            </a:endParaRPr>
+          </a:p>
+          <a:p>
+            <a:pPr indent="0" lvl="0" marL="0" rtl="0">
+              <a:lnSpc>
+                <a:spcPct val="150000"/>
+              </a:lnSpc>
+              <a:spcBef>
+                <a:spcPts val="0"/>
+              </a:spcBef>
+              <a:spcAft>
+                <a:spcPts val="0"/>
+              </a:spcAft>
+              <a:buNone/>
+            </a:pPr>
+            <a:r>
+              <a:rPr lang="en" sz="1300">
+                <a:latin typeface="Nunito"/>
+                <a:ea typeface="Nunito"/>
+                <a:cs typeface="Nunito"/>
+                <a:sym typeface="Nunito"/>
+              </a:rPr>
+              <a:t> * Present and discuss interesting figures developed during exploration, ideally with the help of Jupyter Notebook</a:t>
             </a:r>
             <a:endParaRPr/>
           </a:p>
@@ -3377,60 +3414,18 @@
           </a:bodyPr>
           <a:lstStyle/>
           <a:p>
-            <a:pPr indent="0" lvl="0" marL="0" rtl="0">
-              <a:lnSpc>
-                <a:spcPct val="150000"/>
-              </a:lnSpc>
-              <a:spcBef>
-                <a:spcPts val="0"/>
-              </a:spcBef>
-              <a:spcAft>
-                <a:spcPts val="0"/>
-              </a:spcAft>
-              <a:buClr>
-                <a:schemeClr val="dk1"/>
-              </a:buClr>
-              <a:buSzPts val="1100"/>
-              <a:buFont typeface="Arial"/>
+            <a:pPr indent="0" lvl="0" marL="0">
+              <a:spcBef>
+                <a:spcPts val="0"/>
+              </a:spcBef>
+              <a:spcAft>
+                <a:spcPts val="0"/>
+              </a:spcAft>
               <a:buNone/>
             </a:pPr>
             <a:r>
-              <a:rPr lang="en" sz="1300">
-                <a:latin typeface="Nunito"/>
-                <a:ea typeface="Nunito"/>
-                <a:cs typeface="Nunito"/>
-                <a:sym typeface="Nunito"/>
-              </a:rPr>
-              <a:t> * Discuss any problems that arose after exploring the data, and how you resolved them</a:t>
-            </a:r>
-            <a:endParaRPr sz="1300">
-              <a:latin typeface="Nunito"/>
-              <a:ea typeface="Nunito"/>
-              <a:cs typeface="Nunito"/>
-              <a:sym typeface="Nunito"/>
-            </a:endParaRPr>
-          </a:p>
-          <a:p>
-            <a:pPr indent="0" lvl="0" marL="0" rtl="0">
-              <a:lnSpc>
-                <a:spcPct val="150000"/>
-              </a:lnSpc>
-              <a:spcBef>
-                <a:spcPts val="0"/>
-              </a:spcBef>
-              <a:spcAft>
-                <a:spcPts val="0"/>
-              </a:spcAft>
-              <a:buNone/>
-            </a:pPr>
-            <a:r>
-              <a:rPr lang="en" sz="1300">
-                <a:latin typeface="Nunito"/>
-                <a:ea typeface="Nunito"/>
-                <a:cs typeface="Nunito"/>
-                <a:sym typeface="Nunito"/>
-              </a:rPr>
-              <a:t> * Present and discuss interesting figures developed during exploration, ideally with the help of Jupyter Notebook</a:t>
+              <a:rPr lang="en"/>
+              <a:t>Count of times user is mentioned by @GameofThrones account, GoT (own account) 300+, HBO nearly 200, everyone else</a:t>
             </a:r>
             <a:endParaRPr/>
           </a:p>
@@ -3528,8 +3523,7 @@
               <a:buNone/>
             </a:pPr>
             <a:r>
-              <a:rPr lang="en"/>
-              <a:t>Count of times user is mentioned by @GameofThrones account, GoT (own account) 300+, HBO nearly 200, everyone else</a:t>
+              <a:t/>
             </a:r>
             <a:endParaRPr/>
           </a:p>
@@ -3627,7 +3621,24 @@
               <a:buNone/>
             </a:pPr>
             <a:r>
-              <a:t/>
+              <a:rPr lang="en"/>
+              <a:t>Left: Search for #GameofThrones, last 1000 tweet result’s compound sentiment score</a:t>
+            </a:r>
+            <a:endParaRPr/>
+          </a:p>
+          <a:p>
+            <a:pPr indent="0" lvl="0" marL="0">
+              <a:spcBef>
+                <a:spcPts val="0"/>
+              </a:spcBef>
+              <a:spcAft>
+                <a:spcPts val="0"/>
+              </a:spcAft>
+              <a:buNone/>
+            </a:pPr>
+            <a:r>
+              <a:rPr lang="en"/>
+              <a:t>Right: @GameofThrones last 12xx tweet’s compound sentiment score</a:t>
             </a:r>
             <a:endParaRPr/>
           </a:p>
@@ -3646,7 +3657,7 @@
   <p:cSld>
     <p:spTree>
       <p:nvGrpSpPr>
-        <p:cNvPr id="458" name="Shape 458"/>
+        <p:cNvPr id="459" name="Shape 459"/>
         <p:cNvGrpSpPr/>
         <p:nvPr/>
       </p:nvGrpSpPr>
@@ -3660,7 +3671,7 @@
       </p:grpSpPr>
       <p:sp>
         <p:nvSpPr>
-          <p:cNvPr id="459" name="Shape 459"/>
+          <p:cNvPr id="460" name="Shape 460"/>
           <p:cNvSpPr/>
           <p:nvPr>
             <p:ph idx="2" type="sldImg"/>
@@ -3694,7 +3705,7 @@
       </p:sp>
       <p:sp>
         <p:nvSpPr>
-          <p:cNvPr id="460" name="Shape 460"/>
+          <p:cNvPr id="461" name="Shape 461"/>
           <p:cNvSpPr txBox="1"/>
           <p:nvPr>
             <p:ph idx="1" type="body"/>
@@ -3725,24 +3736,7 @@
               <a:buNone/>
             </a:pPr>
             <a:r>
-              <a:rPr lang="en"/>
-              <a:t>Left: Search for #GameofThrones, last 1000 tweet result’s compound sentiment score</a:t>
-            </a:r>
-            <a:endParaRPr/>
-          </a:p>
-          <a:p>
-            <a:pPr indent="0" lvl="0" marL="0">
-              <a:spcBef>
-                <a:spcPts val="0"/>
-              </a:spcBef>
-              <a:spcAft>
-                <a:spcPts val="0"/>
-              </a:spcAft>
-              <a:buNone/>
-            </a:pPr>
-            <a:r>
-              <a:rPr lang="en"/>
-              <a:t>Right: @GameofThrones last 12xx tweet’s compound sentiment score</a:t>
+              <a:t/>
             </a:r>
             <a:endParaRPr/>
           </a:p>
@@ -3938,7 +3932,8 @@
               <a:buNone/>
             </a:pPr>
             <a:r>
-              <a:t/>
+              <a:rPr lang="en"/>
+              <a:t> Does the number of deaths (of major characters) or ravens sent per episode have any effect on episode sentiment? If so how can we visualize the data to display those effects?</a:t>
             </a:r>
             <a:endParaRPr/>
           </a:p>
@@ -4037,7 +4032,7 @@
             </a:pPr>
             <a:r>
               <a:rPr lang="en"/>
-              <a:t> Does the number of deaths (of major characters) or ravens sent per episode have any effect on episode sentiment? If so how can we visualize the data to display those effects?</a:t>
+              <a:t>Keyword searches through JSON files can only take you so far. The JSON script files don’t indicate which character speaks those lines.</a:t>
             </a:r>
             <a:endParaRPr/>
           </a:p>
@@ -4056,7 +4051,7 @@
   <p:cSld>
     <p:spTree>
       <p:nvGrpSpPr>
-        <p:cNvPr id="477" name="Shape 477"/>
+        <p:cNvPr id="479" name="Shape 479"/>
         <p:cNvGrpSpPr/>
         <p:nvPr/>
       </p:nvGrpSpPr>
@@ -4070,7 +4065,7 @@
       </p:grpSpPr>
       <p:sp>
         <p:nvSpPr>
-          <p:cNvPr id="478" name="Shape 478"/>
+          <p:cNvPr id="480" name="Shape 480"/>
           <p:cNvSpPr/>
           <p:nvPr>
             <p:ph idx="2" type="sldImg"/>
@@ -4104,7 +4099,7 @@
       </p:sp>
       <p:sp>
         <p:nvSpPr>
-          <p:cNvPr id="479" name="Shape 479"/>
+          <p:cNvPr id="481" name="Shape 481"/>
           <p:cNvSpPr txBox="1"/>
           <p:nvPr>
             <p:ph idx="1" type="body"/>
@@ -4125,7 +4120,7 @@
           </a:bodyPr>
           <a:lstStyle/>
           <a:p>
-            <a:pPr indent="0" lvl="0" marL="0">
+            <a:pPr indent="0" lvl="0" marL="0" rtl="0">
               <a:spcBef>
                 <a:spcPts val="0"/>
               </a:spcBef>
@@ -4135,8 +4130,7 @@
               <a:buNone/>
             </a:pPr>
             <a:r>
-              <a:rPr lang="en"/>
-              <a:t>Keyword searches through JSON files can only take you so far. The JSON script files don’t indicate which character speaks those lines.</a:t>
+              <a:t/>
             </a:r>
             <a:endParaRPr/>
           </a:p>
@@ -4155,7 +4149,7 @@
   <p:cSld>
     <p:spTree>
       <p:nvGrpSpPr>
-        <p:cNvPr id="485" name="Shape 485"/>
+        <p:cNvPr id="486" name="Shape 486"/>
         <p:cNvGrpSpPr/>
         <p:nvPr/>
       </p:nvGrpSpPr>
@@ -4169,7 +4163,7 @@
       </p:grpSpPr>
       <p:sp>
         <p:nvSpPr>
-          <p:cNvPr id="486" name="Shape 486"/>
+          <p:cNvPr id="487" name="Shape 487"/>
           <p:cNvSpPr/>
           <p:nvPr>
             <p:ph idx="2" type="sldImg"/>
@@ -4203,7 +4197,7 @@
       </p:sp>
       <p:sp>
         <p:nvSpPr>
-          <p:cNvPr id="487" name="Shape 487"/>
+          <p:cNvPr id="488" name="Shape 488"/>
           <p:cNvSpPr txBox="1"/>
           <p:nvPr>
             <p:ph idx="1" type="body"/>
@@ -4234,7 +4228,8 @@
               <a:buNone/>
             </a:pPr>
             <a:r>
-              <a:t/>
+              <a:rPr lang="en"/>
+              <a:t>While it would have been more interesting to compare the number of deaths per episode to the twitter sentiments done through Vader, this task proved to be difficult by the constraints discovered by Kevin. So instead, I decided to see if the overall sentiment of the transcript itself had been affected by various plot devices (ravens or messages) or the deaths of major characters. In doing the analysis, I fed in three data files (deaths, ravens, and allseasons) to incorporate into pandas DataFrames to produce a scatterplot depicting the effects (if any) that the count of ravens/deaths had on the sentiment of the episode transcript.</a:t>
             </a:r>
             <a:endParaRPr/>
           </a:p>
@@ -4253,7 +4248,7 @@
   <p:cSld>
     <p:spTree>
       <p:nvGrpSpPr>
-        <p:cNvPr id="492" name="Shape 492"/>
+        <p:cNvPr id="493" name="Shape 493"/>
         <p:cNvGrpSpPr/>
         <p:nvPr/>
       </p:nvGrpSpPr>
@@ -4267,7 +4262,7 @@
       </p:grpSpPr>
       <p:sp>
         <p:nvSpPr>
-          <p:cNvPr id="493" name="Shape 493"/>
+          <p:cNvPr id="494" name="Shape 494"/>
           <p:cNvSpPr/>
           <p:nvPr>
             <p:ph idx="2" type="sldImg"/>
@@ -4301,7 +4296,7 @@
       </p:sp>
       <p:sp>
         <p:nvSpPr>
-          <p:cNvPr id="494" name="Shape 494"/>
+          <p:cNvPr id="495" name="Shape 495"/>
           <p:cNvSpPr txBox="1"/>
           <p:nvPr>
             <p:ph idx="1" type="body"/>
@@ -4332,8 +4327,7 @@
               <a:buNone/>
             </a:pPr>
             <a:r>
-              <a:rPr lang="en"/>
-              <a:t>While it would have been more interesting to compare the number of deaths per episode to the twitter sentiments done through Vader, this task proved to be difficult by the constraints discovered by Kevin. So instead, I decided to see if the overall sentiment of the transcript itself had been affected by various plot devices (ravens or messages) or the deaths of major characters. In doing the analysis, I fed in three data files (deaths, ravens, and allseasons) to incorporate into pandas DataFrames to produce a scatterplot depicting the effects (if any) that the count of ravens/deaths had on the sentiment of the episode transcript.</a:t>
+              <a:t/>
             </a:r>
             <a:endParaRPr/>
           </a:p>
@@ -4352,7 +4346,7 @@
   <p:cSld>
     <p:spTree>
       <p:nvGrpSpPr>
-        <p:cNvPr id="499" name="Shape 499"/>
+        <p:cNvPr id="501" name="Shape 501"/>
         <p:cNvGrpSpPr/>
         <p:nvPr/>
       </p:nvGrpSpPr>
@@ -4366,7 +4360,7 @@
       </p:grpSpPr>
       <p:sp>
         <p:nvSpPr>
-          <p:cNvPr id="500" name="Shape 500"/>
+          <p:cNvPr id="502" name="Shape 502"/>
           <p:cNvSpPr/>
           <p:nvPr>
             <p:ph idx="2" type="sldImg"/>
@@ -4400,7 +4394,7 @@
       </p:sp>
       <p:sp>
         <p:nvSpPr>
-          <p:cNvPr id="501" name="Shape 501"/>
+          <p:cNvPr id="503" name="Shape 503"/>
           <p:cNvSpPr txBox="1"/>
           <p:nvPr>
             <p:ph idx="1" type="body"/>
@@ -4450,7 +4444,7 @@
   <p:cSld>
     <p:spTree>
       <p:nvGrpSpPr>
-        <p:cNvPr id="507" name="Shape 507"/>
+        <p:cNvPr id="508" name="Shape 508"/>
         <p:cNvGrpSpPr/>
         <p:nvPr/>
       </p:nvGrpSpPr>
@@ -4464,7 +4458,7 @@
       </p:grpSpPr>
       <p:sp>
         <p:nvSpPr>
-          <p:cNvPr id="508" name="Shape 508"/>
+          <p:cNvPr id="509" name="Shape 509"/>
           <p:cNvSpPr/>
           <p:nvPr>
             <p:ph idx="2" type="sldImg"/>
@@ -4498,7 +4492,7 @@
       </p:sp>
       <p:sp>
         <p:nvSpPr>
-          <p:cNvPr id="509" name="Shape 509"/>
+          <p:cNvPr id="510" name="Shape 510"/>
           <p:cNvSpPr txBox="1"/>
           <p:nvPr>
             <p:ph idx="1" type="body"/>
@@ -4519,7 +4513,7 @@
           </a:bodyPr>
           <a:lstStyle/>
           <a:p>
-            <a:pPr indent="0" lvl="0" marL="0" rtl="0">
+            <a:pPr indent="0" lvl="0" marL="0">
               <a:spcBef>
                 <a:spcPts val="0"/>
               </a:spcBef>
@@ -4529,7 +4523,32 @@
               <a:buNone/>
             </a:pPr>
             <a:r>
-              <a:t/>
+              <a:rPr lang="en"/>
+              <a:t>Jason: In order to see if the occurrence of character deaths or plot developments (where ravens are used to transition between scenes) had any impact on the sentiment of the episode script, I made </a:t>
+            </a:r>
+            <a:r>
+              <a:rPr lang="en"/>
+              <a:t>scatter plots</a:t>
+            </a:r>
+            <a:r>
+              <a:rPr lang="en"/>
+              <a:t> depicting my x variable (counts of our independent variable [ravens, deaths]) against the mean compound score of that particular episode. The hypothesis was to see if there were any </a:t>
+            </a:r>
+            <a:r>
+              <a:rPr lang="en"/>
+              <a:t>discernible</a:t>
+            </a:r>
+            <a:r>
+              <a:rPr lang="en"/>
+              <a:t> relationships between our two x and y axis variables. Each plot represents the </a:t>
+            </a:r>
+            <a:r>
+              <a:rPr lang="en"/>
+              <a:t>available</a:t>
+            </a:r>
+            <a:r>
+              <a:rPr lang="en"/>
+              <a:t> episode which is grouped by the season (each episode in the same season is the same color). As you can see, the findings are inconclusive with the sentiment score varying independent of death/raven counts.</a:t>
             </a:r>
             <a:endParaRPr/>
           </a:p>
@@ -4548,7 +4567,7 @@
   <p:cSld>
     <p:spTree>
       <p:nvGrpSpPr>
-        <p:cNvPr id="514" name="Shape 514"/>
+        <p:cNvPr id="515" name="Shape 515"/>
         <p:cNvGrpSpPr/>
         <p:nvPr/>
       </p:nvGrpSpPr>
@@ -4562,7 +4581,7 @@
       </p:grpSpPr>
       <p:sp>
         <p:nvSpPr>
-          <p:cNvPr id="515" name="Shape 515"/>
+          <p:cNvPr id="516" name="Shape 516"/>
           <p:cNvSpPr/>
           <p:nvPr>
             <p:ph idx="2" type="sldImg"/>
@@ -4596,7 +4615,7 @@
       </p:sp>
       <p:sp>
         <p:nvSpPr>
-          <p:cNvPr id="516" name="Shape 516"/>
+          <p:cNvPr id="517" name="Shape 517"/>
           <p:cNvSpPr txBox="1"/>
           <p:nvPr>
             <p:ph idx="1" type="body"/>
@@ -4617,7 +4636,7 @@
           </a:bodyPr>
           <a:lstStyle/>
           <a:p>
-            <a:pPr indent="0" lvl="0" marL="0">
+            <a:pPr indent="0" lvl="0" marL="0" rtl="0">
               <a:spcBef>
                 <a:spcPts val="0"/>
               </a:spcBef>
@@ -4628,31 +4647,7 @@
             </a:pPr>
             <a:r>
               <a:rPr lang="en"/>
-              <a:t>Jason: In order to see if the occurrence of character deaths or plot developments (where ravens are used to transition between scenes) had any impact on the sentiment of the episode script, I made </a:t>
-            </a:r>
-            <a:r>
-              <a:rPr lang="en"/>
-              <a:t>scatter plots</a:t>
-            </a:r>
-            <a:r>
-              <a:rPr lang="en"/>
-              <a:t> depicting my x variable (counts of our independent variable [ravens, deaths]) against the mean compound score of that particular episode. The hypothesis was to see if there were any </a:t>
-            </a:r>
-            <a:r>
-              <a:rPr lang="en"/>
-              <a:t>discernible</a:t>
-            </a:r>
-            <a:r>
-              <a:rPr lang="en"/>
-              <a:t> relationships between our two x and y axis variables. Each plot represents the </a:t>
-            </a:r>
-            <a:r>
-              <a:rPr lang="en"/>
-              <a:t>available</a:t>
-            </a:r>
-            <a:r>
-              <a:rPr lang="en"/>
-              <a:t> episode which is grouped by the season (each episode in the same season is the same color). As you can see, the findings are inconclusive with the sentiment score varying independent of death/raven counts.</a:t>
+              <a:t>Jason: Upon performing the analysis, I found that there were little to no relationships between the count of ravens/deaths in each episode to the overall sentiment of the episode script. The script contained a minimal amount of mentions for ‘ravens’ (compared to the books, one would assume) which made it difficult to establish a conclusion; but I did take note that in episodes with more than six high profile character deaths, the overall sentiment was always negative.</a:t>
             </a:r>
             <a:endParaRPr/>
           </a:p>
@@ -4839,7 +4834,7 @@
           </a:bodyPr>
           <a:lstStyle/>
           <a:p>
-            <a:pPr indent="0" lvl="0" marL="0" rtl="0">
+            <a:pPr indent="0" lvl="0" marL="0">
               <a:spcBef>
                 <a:spcPts val="0"/>
               </a:spcBef>
@@ -4849,8 +4844,7 @@
               <a:buNone/>
             </a:pPr>
             <a:r>
-              <a:rPr lang="en"/>
-              <a:t>Jason: Upon performing the analysis, I found that there were little to no relationships between the count of ravens/deaths in each episode to the overall sentiment of the episode script. The script contained a minimal amount of mentions for ‘ravens’ (compared to the books, one would assume) which made it difficult to establish a conclusion; but I did take note that in episodes with more than six high profile character deaths, the overall sentiment was always negative.</a:t>
+              <a:t/>
             </a:r>
             <a:endParaRPr/>
           </a:p>
@@ -4949,1042 +4943,6 @@
             </a:pPr>
             <a:r>
               <a:t/>
-            </a:r>
-            <a:endParaRPr/>
-          </a:p>
-        </p:txBody>
-      </p:sp>
-    </p:spTree>
-  </p:cSld>
-  <p:clrMapOvr>
-    <a:masterClrMapping/>
-  </p:clrMapOvr>
-</p:notes>
-</file>
-
-<file path=ppt/notesSlides/notesSlide40.xml><?xml version="1.0" encoding="utf-8"?>
-<p:notes xmlns:a="http://schemas.openxmlformats.org/drawingml/2006/main" xmlns:r="http://schemas.openxmlformats.org/officeDocument/2006/relationships" xmlns:mc="http://schemas.openxmlformats.org/markup-compatibility/2006" xmlns:mv="urn:schemas-microsoft-com:mac:vml" xmlns:p="http://schemas.openxmlformats.org/presentationml/2006/main" xmlns:c="http://schemas.openxmlformats.org/drawingml/2006/chart" xmlns:dgm="http://schemas.openxmlformats.org/drawingml/2006/diagram" xmlns:o="urn:schemas-microsoft-com:office:office" xmlns:v="urn:schemas-microsoft-com:vml" xmlns:pvml="urn:schemas-microsoft-com:office:powerpoint" xmlns:com="http://schemas.openxmlformats.org/drawingml/2006/compatibility" xmlns:p14="http://schemas.microsoft.com/office/powerpoint/2010/main" xmlns:p15="http://schemas.microsoft.com/office/powerpoint/2012/main" showMasterPhAnim="0" showMasterSp="0">
-  <p:cSld>
-    <p:spTree>
-      <p:nvGrpSpPr>
-        <p:cNvPr id="533" name="Shape 533"/>
-        <p:cNvGrpSpPr/>
-        <p:nvPr/>
-      </p:nvGrpSpPr>
-      <p:grpSpPr>
-        <a:xfrm>
-          <a:off x="0" y="0"/>
-          <a:ext cx="0" cy="0"/>
-          <a:chOff x="0" y="0"/>
-          <a:chExt cx="0" cy="0"/>
-        </a:xfrm>
-      </p:grpSpPr>
-      <p:sp>
-        <p:nvSpPr>
-          <p:cNvPr id="534" name="Shape 534"/>
-          <p:cNvSpPr/>
-          <p:nvPr>
-            <p:ph idx="2" type="sldImg"/>
-          </p:nvPr>
-        </p:nvSpPr>
-        <p:spPr>
-          <a:xfrm>
-            <a:off x="381300" y="685800"/>
-            <a:ext cx="6096000" cy="3429000"/>
-          </a:xfrm>
-          <a:custGeom>
-            <a:pathLst>
-              <a:path extrusionOk="0" h="120000" w="120000">
-                <a:moveTo>
-                  <a:pt x="0" y="0"/>
-                </a:moveTo>
-                <a:lnTo>
-                  <a:pt x="120000" y="0"/>
-                </a:lnTo>
-                <a:lnTo>
-                  <a:pt x="120000" y="120000"/>
-                </a:lnTo>
-                <a:lnTo>
-                  <a:pt x="0" y="120000"/>
-                </a:lnTo>
-                <a:close/>
-              </a:path>
-            </a:pathLst>
-          </a:custGeom>
-        </p:spPr>
-      </p:sp>
-      <p:sp>
-        <p:nvSpPr>
-          <p:cNvPr id="535" name="Shape 535"/>
-          <p:cNvSpPr txBox="1"/>
-          <p:nvPr>
-            <p:ph idx="1" type="body"/>
-          </p:nvPr>
-        </p:nvSpPr>
-        <p:spPr>
-          <a:xfrm>
-            <a:off x="685800" y="4343400"/>
-            <a:ext cx="5486400" cy="4114800"/>
-          </a:xfrm>
-          <a:prstGeom prst="rect">
-            <a:avLst/>
-          </a:prstGeom>
-        </p:spPr>
-        <p:txBody>
-          <a:bodyPr anchorCtr="0" anchor="t" bIns="91425" lIns="91425" spcFirstLastPara="1" rIns="91425" wrap="square" tIns="91425">
-            <a:noAutofit/>
-          </a:bodyPr>
-          <a:lstStyle/>
-          <a:p>
-            <a:pPr indent="0" lvl="0" marL="0">
-              <a:spcBef>
-                <a:spcPts val="0"/>
-              </a:spcBef>
-              <a:spcAft>
-                <a:spcPts val="0"/>
-              </a:spcAft>
-              <a:buNone/>
-            </a:pPr>
-            <a:r>
-              <a:t/>
-            </a:r>
-            <a:endParaRPr/>
-          </a:p>
-        </p:txBody>
-      </p:sp>
-    </p:spTree>
-  </p:cSld>
-  <p:clrMapOvr>
-    <a:masterClrMapping/>
-  </p:clrMapOvr>
-</p:notes>
-</file>
-
-<file path=ppt/notesSlides/notesSlide41.xml><?xml version="1.0" encoding="utf-8"?>
-<p:notes xmlns:a="http://schemas.openxmlformats.org/drawingml/2006/main" xmlns:r="http://schemas.openxmlformats.org/officeDocument/2006/relationships" xmlns:mc="http://schemas.openxmlformats.org/markup-compatibility/2006" xmlns:mv="urn:schemas-microsoft-com:mac:vml" xmlns:p="http://schemas.openxmlformats.org/presentationml/2006/main" xmlns:c="http://schemas.openxmlformats.org/drawingml/2006/chart" xmlns:dgm="http://schemas.openxmlformats.org/drawingml/2006/diagram" xmlns:o="urn:schemas-microsoft-com:office:office" xmlns:v="urn:schemas-microsoft-com:vml" xmlns:pvml="urn:schemas-microsoft-com:office:powerpoint" xmlns:com="http://schemas.openxmlformats.org/drawingml/2006/compatibility" xmlns:p14="http://schemas.microsoft.com/office/powerpoint/2010/main" xmlns:p15="http://schemas.microsoft.com/office/powerpoint/2012/main" showMasterPhAnim="0" showMasterSp="0">
-  <p:cSld>
-    <p:spTree>
-      <p:nvGrpSpPr>
-        <p:cNvPr id="538" name="Shape 538"/>
-        <p:cNvGrpSpPr/>
-        <p:nvPr/>
-      </p:nvGrpSpPr>
-      <p:grpSpPr>
-        <a:xfrm>
-          <a:off x="0" y="0"/>
-          <a:ext cx="0" cy="0"/>
-          <a:chOff x="0" y="0"/>
-          <a:chExt cx="0" cy="0"/>
-        </a:xfrm>
-      </p:grpSpPr>
-      <p:sp>
-        <p:nvSpPr>
-          <p:cNvPr id="539" name="Shape 539"/>
-          <p:cNvSpPr/>
-          <p:nvPr>
-            <p:ph idx="2" type="sldImg"/>
-          </p:nvPr>
-        </p:nvSpPr>
-        <p:spPr>
-          <a:xfrm>
-            <a:off x="381300" y="685800"/>
-            <a:ext cx="6096000" cy="3429000"/>
-          </a:xfrm>
-          <a:custGeom>
-            <a:pathLst>
-              <a:path extrusionOk="0" h="120000" w="120000">
-                <a:moveTo>
-                  <a:pt x="0" y="0"/>
-                </a:moveTo>
-                <a:lnTo>
-                  <a:pt x="120000" y="0"/>
-                </a:lnTo>
-                <a:lnTo>
-                  <a:pt x="120000" y="120000"/>
-                </a:lnTo>
-                <a:lnTo>
-                  <a:pt x="0" y="120000"/>
-                </a:lnTo>
-                <a:close/>
-              </a:path>
-            </a:pathLst>
-          </a:custGeom>
-        </p:spPr>
-      </p:sp>
-      <p:sp>
-        <p:nvSpPr>
-          <p:cNvPr id="540" name="Shape 540"/>
-          <p:cNvSpPr txBox="1"/>
-          <p:nvPr>
-            <p:ph idx="1" type="body"/>
-          </p:nvPr>
-        </p:nvSpPr>
-        <p:spPr>
-          <a:xfrm>
-            <a:off x="685800" y="4343400"/>
-            <a:ext cx="5486400" cy="4114800"/>
-          </a:xfrm>
-          <a:prstGeom prst="rect">
-            <a:avLst/>
-          </a:prstGeom>
-        </p:spPr>
-        <p:txBody>
-          <a:bodyPr anchorCtr="0" anchor="t" bIns="91425" lIns="91425" spcFirstLastPara="1" rIns="91425" wrap="square" tIns="91425">
-            <a:noAutofit/>
-          </a:bodyPr>
-          <a:lstStyle/>
-          <a:p>
-            <a:pPr indent="0" lvl="0" marL="0">
-              <a:spcBef>
-                <a:spcPts val="0"/>
-              </a:spcBef>
-              <a:spcAft>
-                <a:spcPts val="0"/>
-              </a:spcAft>
-              <a:buNone/>
-            </a:pPr>
-            <a:r>
-              <a:rPr lang="en"/>
-              <a:t>Nikita:For looking into the IMdb: Which season was the most popular season? What episodes tended to do better? These questions are relevant in the sense that it will show how much of an impact the sentiments of twitter analysis. Of course to accomplish this, we used the IMdb api to look into how the episodes were rated.</a:t>
-            </a:r>
-            <a:endParaRPr/>
-          </a:p>
-          <a:p>
-            <a:pPr indent="0" lvl="0" marL="0">
-              <a:spcBef>
-                <a:spcPts val="0"/>
-              </a:spcBef>
-              <a:spcAft>
-                <a:spcPts val="0"/>
-              </a:spcAft>
-              <a:buNone/>
-            </a:pPr>
-            <a:r>
-              <a:t/>
-            </a:r>
-            <a:endParaRPr/>
-          </a:p>
-          <a:p>
-            <a:pPr indent="0" lvl="0" marL="0">
-              <a:spcBef>
-                <a:spcPts val="0"/>
-              </a:spcBef>
-              <a:spcAft>
-                <a:spcPts val="0"/>
-              </a:spcAft>
-              <a:buNone/>
-            </a:pPr>
-            <a:r>
-              <a:rPr lang="en"/>
-              <a:t>Kevin:For Twitter: How do sentiments on tweets searched by #GameofThrones match with the episode air times?  Which episodes have the highest correlation between episode and twitter compound score?  Which have the lowest?</a:t>
-            </a:r>
-            <a:endParaRPr/>
-          </a:p>
-          <a:p>
-            <a:pPr indent="0" lvl="0" marL="0">
-              <a:spcBef>
-                <a:spcPts val="0"/>
-              </a:spcBef>
-              <a:spcAft>
-                <a:spcPts val="0"/>
-              </a:spcAft>
-              <a:buNone/>
-            </a:pPr>
-            <a:r>
-              <a:t/>
-            </a:r>
-            <a:endParaRPr/>
-          </a:p>
-          <a:p>
-            <a:pPr indent="0" lvl="0" marL="0">
-              <a:spcBef>
-                <a:spcPts val="0"/>
-              </a:spcBef>
-              <a:spcAft>
-                <a:spcPts val="0"/>
-              </a:spcAft>
-              <a:buNone/>
-            </a:pPr>
-            <a:r>
-              <a:rPr lang="en"/>
-              <a:t>Kevin: Episode Analysis: How do the sentiments of each episode compare with each other?  What trends, if any, are there?  Do episodes known as big downers reflect this in their sentiments?</a:t>
-            </a:r>
-            <a:endParaRPr/>
-          </a:p>
-          <a:p>
-            <a:pPr indent="0" lvl="0" marL="0">
-              <a:spcBef>
-                <a:spcPts val="0"/>
-              </a:spcBef>
-              <a:spcAft>
-                <a:spcPts val="0"/>
-              </a:spcAft>
-              <a:buNone/>
-            </a:pPr>
-            <a:r>
-              <a:t/>
-            </a:r>
-            <a:endParaRPr/>
-          </a:p>
-          <a:p>
-            <a:pPr indent="0" lvl="0" marL="0">
-              <a:spcBef>
-                <a:spcPts val="0"/>
-              </a:spcBef>
-              <a:spcAft>
-                <a:spcPts val="0"/>
-              </a:spcAft>
-              <a:buNone/>
-            </a:pPr>
-            <a:r>
-              <a:rPr lang="en"/>
-              <a:t>Jason: Does the number of deaths (of major characters) or ravens sent per episode have any effect on episode sentiment? If so how can we visualize the data to display those effects?</a:t>
-            </a:r>
-            <a:endParaRPr/>
-          </a:p>
-          <a:p>
-            <a:pPr indent="0" lvl="0" marL="0">
-              <a:spcBef>
-                <a:spcPts val="0"/>
-              </a:spcBef>
-              <a:spcAft>
-                <a:spcPts val="0"/>
-              </a:spcAft>
-              <a:buNone/>
-            </a:pPr>
-            <a:r>
-              <a:t/>
-            </a:r>
-            <a:endParaRPr/>
-          </a:p>
-          <a:p>
-            <a:pPr indent="0" lvl="0" marL="0">
-              <a:spcBef>
-                <a:spcPts val="0"/>
-              </a:spcBef>
-              <a:spcAft>
-                <a:spcPts val="0"/>
-              </a:spcAft>
-              <a:buNone/>
-            </a:pPr>
-            <a:r>
-              <a:rPr lang="en"/>
-              <a:t>Jules: What were the VADER sentiment analysis scores for each season? For me, particularly season four. Did these vary wildly? Did they have any correlation with viewers’ sentiment, which was explored via tweets? For this I would need the season’s episode scripts, which Kevin found for us.</a:t>
-            </a:r>
-            <a:endParaRPr/>
-          </a:p>
-        </p:txBody>
-      </p:sp>
-    </p:spTree>
-  </p:cSld>
-  <p:clrMapOvr>
-    <a:masterClrMapping/>
-  </p:clrMapOvr>
-</p:notes>
-</file>
-
-<file path=ppt/notesSlides/notesSlide42.xml><?xml version="1.0" encoding="utf-8"?>
-<p:notes xmlns:a="http://schemas.openxmlformats.org/drawingml/2006/main" xmlns:r="http://schemas.openxmlformats.org/officeDocument/2006/relationships" xmlns:mc="http://schemas.openxmlformats.org/markup-compatibility/2006" xmlns:mv="urn:schemas-microsoft-com:mac:vml" xmlns:p="http://schemas.openxmlformats.org/presentationml/2006/main" xmlns:c="http://schemas.openxmlformats.org/drawingml/2006/chart" xmlns:dgm="http://schemas.openxmlformats.org/drawingml/2006/diagram" xmlns:o="urn:schemas-microsoft-com:office:office" xmlns:v="urn:schemas-microsoft-com:vml" xmlns:pvml="urn:schemas-microsoft-com:office:powerpoint" xmlns:com="http://schemas.openxmlformats.org/drawingml/2006/compatibility" xmlns:p14="http://schemas.microsoft.com/office/powerpoint/2010/main" xmlns:p15="http://schemas.microsoft.com/office/powerpoint/2012/main" showMasterPhAnim="0" showMasterSp="0">
-  <p:cSld>
-    <p:spTree>
-      <p:nvGrpSpPr>
-        <p:cNvPr id="544" name="Shape 544"/>
-        <p:cNvGrpSpPr/>
-        <p:nvPr/>
-      </p:nvGrpSpPr>
-      <p:grpSpPr>
-        <a:xfrm>
-          <a:off x="0" y="0"/>
-          <a:ext cx="0" cy="0"/>
-          <a:chOff x="0" y="0"/>
-          <a:chExt cx="0" cy="0"/>
-        </a:xfrm>
-      </p:grpSpPr>
-      <p:sp>
-        <p:nvSpPr>
-          <p:cNvPr id="545" name="Shape 545"/>
-          <p:cNvSpPr/>
-          <p:nvPr>
-            <p:ph idx="2" type="sldImg"/>
-          </p:nvPr>
-        </p:nvSpPr>
-        <p:spPr>
-          <a:xfrm>
-            <a:off x="381300" y="685800"/>
-            <a:ext cx="6096000" cy="3429000"/>
-          </a:xfrm>
-          <a:custGeom>
-            <a:pathLst>
-              <a:path extrusionOk="0" h="120000" w="120000">
-                <a:moveTo>
-                  <a:pt x="0" y="0"/>
-                </a:moveTo>
-                <a:lnTo>
-                  <a:pt x="120000" y="0"/>
-                </a:lnTo>
-                <a:lnTo>
-                  <a:pt x="120000" y="120000"/>
-                </a:lnTo>
-                <a:lnTo>
-                  <a:pt x="0" y="120000"/>
-                </a:lnTo>
-                <a:close/>
-              </a:path>
-            </a:pathLst>
-          </a:custGeom>
-        </p:spPr>
-      </p:sp>
-      <p:sp>
-        <p:nvSpPr>
-          <p:cNvPr id="546" name="Shape 546"/>
-          <p:cNvSpPr txBox="1"/>
-          <p:nvPr>
-            <p:ph idx="1" type="body"/>
-          </p:nvPr>
-        </p:nvSpPr>
-        <p:spPr>
-          <a:xfrm>
-            <a:off x="685800" y="4343400"/>
-            <a:ext cx="5486400" cy="4114800"/>
-          </a:xfrm>
-          <a:prstGeom prst="rect">
-            <a:avLst/>
-          </a:prstGeom>
-        </p:spPr>
-        <p:txBody>
-          <a:bodyPr anchorCtr="0" anchor="t" bIns="91425" lIns="91425" spcFirstLastPara="1" rIns="91425" wrap="square" tIns="91425">
-            <a:noAutofit/>
-          </a:bodyPr>
-          <a:lstStyle/>
-          <a:p>
-            <a:pPr indent="0" lvl="0" marL="0">
-              <a:spcBef>
-                <a:spcPts val="0"/>
-              </a:spcBef>
-              <a:spcAft>
-                <a:spcPts val="0"/>
-              </a:spcAft>
-              <a:buNone/>
-            </a:pPr>
-            <a:r>
-              <a:rPr lang="en"/>
-              <a:t>Jules: Paying money can get you access to older/more relevant/better data. Tweets </a:t>
-            </a:r>
-            <a:r>
-              <a:rPr lang="en"/>
-              <a:t>retrieval</a:t>
-            </a:r>
-            <a:r>
-              <a:rPr lang="en"/>
-              <a:t> was limited by how old the tweets were. Many helpful guides exist to help you get APIs and other data--don’t reinvent the wheel. </a:t>
-            </a:r>
-            <a:endParaRPr/>
-          </a:p>
-          <a:p>
-            <a:pPr indent="0" lvl="0" marL="0">
-              <a:spcBef>
-                <a:spcPts val="0"/>
-              </a:spcBef>
-              <a:spcAft>
-                <a:spcPts val="0"/>
-              </a:spcAft>
-              <a:buNone/>
-            </a:pPr>
-            <a:r>
-              <a:t/>
-            </a:r>
-            <a:endParaRPr/>
-          </a:p>
-          <a:p>
-            <a:pPr indent="0" lvl="0" marL="0">
-              <a:spcBef>
-                <a:spcPts val="0"/>
-              </a:spcBef>
-              <a:spcAft>
-                <a:spcPts val="0"/>
-              </a:spcAft>
-              <a:buNone/>
-            </a:pPr>
-            <a:r>
-              <a:rPr lang="en"/>
-              <a:t>Jason: Keyword searches through JSON files can only take you so far. The JSON script files don’t indicate which character speaks those lines.</a:t>
-            </a:r>
-            <a:endParaRPr/>
-          </a:p>
-        </p:txBody>
-      </p:sp>
-    </p:spTree>
-  </p:cSld>
-  <p:clrMapOvr>
-    <a:masterClrMapping/>
-  </p:clrMapOvr>
-</p:notes>
-</file>
-
-<file path=ppt/notesSlides/notesSlide43.xml><?xml version="1.0" encoding="utf-8"?>
-<p:notes xmlns:a="http://schemas.openxmlformats.org/drawingml/2006/main" xmlns:r="http://schemas.openxmlformats.org/officeDocument/2006/relationships" xmlns:mc="http://schemas.openxmlformats.org/markup-compatibility/2006" xmlns:mv="urn:schemas-microsoft-com:mac:vml" xmlns:p="http://schemas.openxmlformats.org/presentationml/2006/main" xmlns:c="http://schemas.openxmlformats.org/drawingml/2006/chart" xmlns:dgm="http://schemas.openxmlformats.org/drawingml/2006/diagram" xmlns:o="urn:schemas-microsoft-com:office:office" xmlns:v="urn:schemas-microsoft-com:vml" xmlns:pvml="urn:schemas-microsoft-com:office:powerpoint" xmlns:com="http://schemas.openxmlformats.org/drawingml/2006/compatibility" xmlns:p14="http://schemas.microsoft.com/office/powerpoint/2010/main" xmlns:p15="http://schemas.microsoft.com/office/powerpoint/2012/main" showMasterPhAnim="0" showMasterSp="0">
-  <p:cSld>
-    <p:spTree>
-      <p:nvGrpSpPr>
-        <p:cNvPr id="550" name="Shape 550"/>
-        <p:cNvGrpSpPr/>
-        <p:nvPr/>
-      </p:nvGrpSpPr>
-      <p:grpSpPr>
-        <a:xfrm>
-          <a:off x="0" y="0"/>
-          <a:ext cx="0" cy="0"/>
-          <a:chOff x="0" y="0"/>
-          <a:chExt cx="0" cy="0"/>
-        </a:xfrm>
-      </p:grpSpPr>
-      <p:sp>
-        <p:nvSpPr>
-          <p:cNvPr id="551" name="Shape 551"/>
-          <p:cNvSpPr/>
-          <p:nvPr>
-            <p:ph idx="2" type="sldImg"/>
-          </p:nvPr>
-        </p:nvSpPr>
-        <p:spPr>
-          <a:xfrm>
-            <a:off x="381300" y="685800"/>
-            <a:ext cx="6096000" cy="3429000"/>
-          </a:xfrm>
-          <a:custGeom>
-            <a:pathLst>
-              <a:path extrusionOk="0" h="120000" w="120000">
-                <a:moveTo>
-                  <a:pt x="0" y="0"/>
-                </a:moveTo>
-                <a:lnTo>
-                  <a:pt x="120000" y="0"/>
-                </a:lnTo>
-                <a:lnTo>
-                  <a:pt x="120000" y="120000"/>
-                </a:lnTo>
-                <a:lnTo>
-                  <a:pt x="0" y="120000"/>
-                </a:lnTo>
-                <a:close/>
-              </a:path>
-            </a:pathLst>
-          </a:custGeom>
-        </p:spPr>
-      </p:sp>
-      <p:sp>
-        <p:nvSpPr>
-          <p:cNvPr id="552" name="Shape 552"/>
-          <p:cNvSpPr txBox="1"/>
-          <p:nvPr>
-            <p:ph idx="1" type="body"/>
-          </p:nvPr>
-        </p:nvSpPr>
-        <p:spPr>
-          <a:xfrm>
-            <a:off x="685800" y="4343400"/>
-            <a:ext cx="5486400" cy="4114800"/>
-          </a:xfrm>
-          <a:prstGeom prst="rect">
-            <a:avLst/>
-          </a:prstGeom>
-        </p:spPr>
-        <p:txBody>
-          <a:bodyPr anchorCtr="0" anchor="t" bIns="91425" lIns="91425" spcFirstLastPara="1" rIns="91425" wrap="square" tIns="91425">
-            <a:noAutofit/>
-          </a:bodyPr>
-          <a:lstStyle/>
-          <a:p>
-            <a:pPr indent="0" lvl="0" marL="0">
-              <a:spcBef>
-                <a:spcPts val="0"/>
-              </a:spcBef>
-              <a:spcAft>
-                <a:spcPts val="0"/>
-              </a:spcAft>
-              <a:buNone/>
-            </a:pPr>
-            <a:r>
-              <a:rPr lang="en"/>
-              <a:t>Nikita: using the imdb api, I primarily pulled the imdb ratings and imdb votes to determine which seasons and episodes had the highest ratings. This led to wondering which was the most popular season. First, I organized the imdb ratings into a dataframe for each episode, in each season. I did the same thing for the imdb votes as well. After this, I plotted them into line graphs to see the trend of ratings and votes in each episode, by season. To answer which season was the most popular season, I took the average of each season’s ratings and votes and turned them into separate bar graphs.</a:t>
-            </a:r>
-            <a:endParaRPr/>
-          </a:p>
-          <a:p>
-            <a:pPr indent="0" lvl="0" marL="0">
-              <a:spcBef>
-                <a:spcPts val="0"/>
-              </a:spcBef>
-              <a:spcAft>
-                <a:spcPts val="0"/>
-              </a:spcAft>
-              <a:buNone/>
-            </a:pPr>
-            <a:r>
-              <a:t/>
-            </a:r>
-            <a:endParaRPr/>
-          </a:p>
-          <a:p>
-            <a:pPr indent="0" lvl="0" marL="0">
-              <a:spcBef>
-                <a:spcPts val="0"/>
-              </a:spcBef>
-              <a:spcAft>
-                <a:spcPts val="0"/>
-              </a:spcAft>
-              <a:buNone/>
-            </a:pPr>
-            <a:r>
-              <a:rPr lang="en"/>
-              <a:t>Jules: </a:t>
-            </a:r>
-            <a:r>
-              <a:rPr lang="en" sz="900">
-                <a:solidFill>
-                  <a:srgbClr val="454545"/>
-                </a:solidFill>
-              </a:rPr>
-              <a:t>For Season 4, I imported the season’s JSON file and put the episodes in a list. I then looped through these episodes and ran VADER analysis on each. I placed their sentiment scores into Compound, Positive, Negative, and Neutral lists. I began to create a line graph which would visualize the suspected ups and downs in sentiment over the course of season four. I created a plot, mapped the scores, added titles and labels, and adjusted the grid. [Add some Jupyter screenshots]</a:t>
-            </a:r>
-            <a:endParaRPr sz="900">
-              <a:solidFill>
-                <a:srgbClr val="454545"/>
-              </a:solidFill>
-            </a:endParaRPr>
-          </a:p>
-          <a:p>
-            <a:pPr indent="0" lvl="0" marL="0">
-              <a:spcBef>
-                <a:spcPts val="0"/>
-              </a:spcBef>
-              <a:spcAft>
-                <a:spcPts val="0"/>
-              </a:spcAft>
-              <a:buNone/>
-            </a:pPr>
-            <a:r>
-              <a:t/>
-            </a:r>
-            <a:endParaRPr sz="900">
-              <a:solidFill>
-                <a:srgbClr val="454545"/>
-              </a:solidFill>
-            </a:endParaRPr>
-          </a:p>
-          <a:p>
-            <a:pPr indent="0" lvl="0" marL="0">
-              <a:spcBef>
-                <a:spcPts val="0"/>
-              </a:spcBef>
-              <a:spcAft>
-                <a:spcPts val="0"/>
-              </a:spcAft>
-              <a:buNone/>
-            </a:pPr>
-            <a:r>
-              <a:rPr lang="en"/>
-              <a:t>Kevin: using the twitter api, I first pulled all of the tweets I could for the @GameofThrones account.  Assuming that this would pull me tweets all the way back to the account creation in 2010, the script ran and collected about 1200 tweets, dating back to December of 2016.  The official account also was lacking in tweets around the airtime of the episode, and there’s no way to search twitter for tweet time that I could find outside of using tweet IDs around the time you want to search for since_id and max_id.  The final piece of joy I discovered is that the twitter search api is extremely limited in its scope, and only goes back one week.</a:t>
-            </a:r>
-            <a:endParaRPr/>
-          </a:p>
-          <a:p>
-            <a:pPr indent="0" lvl="0" marL="0">
-              <a:spcBef>
-                <a:spcPts val="0"/>
-              </a:spcBef>
-              <a:spcAft>
-                <a:spcPts val="0"/>
-              </a:spcAft>
-              <a:buNone/>
-            </a:pPr>
-            <a:r>
-              <a:t/>
-            </a:r>
-            <a:endParaRPr/>
-          </a:p>
-          <a:p>
-            <a:pPr indent="0" lvl="0" marL="0">
-              <a:spcBef>
-                <a:spcPts val="0"/>
-              </a:spcBef>
-              <a:spcAft>
-                <a:spcPts val="0"/>
-              </a:spcAft>
-              <a:buNone/>
-            </a:pPr>
-            <a:r>
-              <a:rPr lang="en"/>
-              <a:t>Jason: While it would have been more interesting to compare the number of deaths per episode to the twitter sentiments done through Vader, this task proved to be difficult by the constraints discovered by Kevin. So instead, I decided to see if the overall sentiment of the transcript itself had been affected by various plot devices (ravens or messages) or the deaths of major characters. In doing the analysis, I fed in three data files (deaths, ravens, and allseasons) to incorporate into pandas DataFrames to produce a scatterplot depicting the effects (if any) that the count of ravens/deaths had on the sentiment of the episode transcript.</a:t>
-            </a:r>
-            <a:endParaRPr/>
-          </a:p>
-        </p:txBody>
-      </p:sp>
-    </p:spTree>
-  </p:cSld>
-  <p:clrMapOvr>
-    <a:masterClrMapping/>
-  </p:clrMapOvr>
-</p:notes>
-</file>
-
-<file path=ppt/notesSlides/notesSlide44.xml><?xml version="1.0" encoding="utf-8"?>
-<p:notes xmlns:a="http://schemas.openxmlformats.org/drawingml/2006/main" xmlns:r="http://schemas.openxmlformats.org/officeDocument/2006/relationships" xmlns:mc="http://schemas.openxmlformats.org/markup-compatibility/2006" xmlns:mv="urn:schemas-microsoft-com:mac:vml" xmlns:p="http://schemas.openxmlformats.org/presentationml/2006/main" xmlns:c="http://schemas.openxmlformats.org/drawingml/2006/chart" xmlns:dgm="http://schemas.openxmlformats.org/drawingml/2006/diagram" xmlns:o="urn:schemas-microsoft-com:office:office" xmlns:v="urn:schemas-microsoft-com:vml" xmlns:pvml="urn:schemas-microsoft-com:office:powerpoint" xmlns:com="http://schemas.openxmlformats.org/drawingml/2006/compatibility" xmlns:p14="http://schemas.microsoft.com/office/powerpoint/2010/main" xmlns:p15="http://schemas.microsoft.com/office/powerpoint/2012/main" showMasterPhAnim="0" showMasterSp="0">
-  <p:cSld>
-    <p:spTree>
-      <p:nvGrpSpPr>
-        <p:cNvPr id="556" name="Shape 556"/>
-        <p:cNvGrpSpPr/>
-        <p:nvPr/>
-      </p:nvGrpSpPr>
-      <p:grpSpPr>
-        <a:xfrm>
-          <a:off x="0" y="0"/>
-          <a:ext cx="0" cy="0"/>
-          <a:chOff x="0" y="0"/>
-          <a:chExt cx="0" cy="0"/>
-        </a:xfrm>
-      </p:grpSpPr>
-      <p:sp>
-        <p:nvSpPr>
-          <p:cNvPr id="557" name="Shape 557"/>
-          <p:cNvSpPr/>
-          <p:nvPr>
-            <p:ph idx="2" type="sldImg"/>
-          </p:nvPr>
-        </p:nvSpPr>
-        <p:spPr>
-          <a:xfrm>
-            <a:off x="381300" y="685800"/>
-            <a:ext cx="6096000" cy="3429000"/>
-          </a:xfrm>
-          <a:custGeom>
-            <a:pathLst>
-              <a:path extrusionOk="0" h="120000" w="120000">
-                <a:moveTo>
-                  <a:pt x="0" y="0"/>
-                </a:moveTo>
-                <a:lnTo>
-                  <a:pt x="120000" y="0"/>
-                </a:lnTo>
-                <a:lnTo>
-                  <a:pt x="120000" y="120000"/>
-                </a:lnTo>
-                <a:lnTo>
-                  <a:pt x="0" y="120000"/>
-                </a:lnTo>
-                <a:close/>
-              </a:path>
-            </a:pathLst>
-          </a:custGeom>
-        </p:spPr>
-      </p:sp>
-      <p:sp>
-        <p:nvSpPr>
-          <p:cNvPr id="558" name="Shape 558"/>
-          <p:cNvSpPr txBox="1"/>
-          <p:nvPr>
-            <p:ph idx="1" type="body"/>
-          </p:nvPr>
-        </p:nvSpPr>
-        <p:spPr>
-          <a:xfrm>
-            <a:off x="685800" y="4343400"/>
-            <a:ext cx="5486400" cy="4114800"/>
-          </a:xfrm>
-          <a:prstGeom prst="rect">
-            <a:avLst/>
-          </a:prstGeom>
-        </p:spPr>
-        <p:txBody>
-          <a:bodyPr anchorCtr="0" anchor="t" bIns="91425" lIns="91425" spcFirstLastPara="1" rIns="91425" wrap="square" tIns="91425">
-            <a:noAutofit/>
-          </a:bodyPr>
-          <a:lstStyle/>
-          <a:p>
-            <a:pPr indent="0" lvl="0" marL="0">
-              <a:spcBef>
-                <a:spcPts val="0"/>
-              </a:spcBef>
-              <a:spcAft>
-                <a:spcPts val="0"/>
-              </a:spcAft>
-              <a:buNone/>
-            </a:pPr>
-            <a:r>
-              <a:rPr lang="en"/>
-              <a:t>Imdb: based on the line graphs, ratings and votes tended to be higher towards the end of the season. But for the most popular season, the average number of votes was for season 4. However, the highest average rating was for season 6 because the last two episode for season 6 was honestly amazing. But crazy stuff happened during season 4! And also, when looking into the ratings in general for season 4 and season 6, season 4 had more consistent higher ratings than season 6.  So the most popular season has a lot more factors than I considered.</a:t>
-            </a:r>
-            <a:endParaRPr/>
-          </a:p>
-          <a:p>
-            <a:pPr indent="0" lvl="0" marL="0">
-              <a:spcBef>
-                <a:spcPts val="0"/>
-              </a:spcBef>
-              <a:spcAft>
-                <a:spcPts val="0"/>
-              </a:spcAft>
-              <a:buNone/>
-            </a:pPr>
-            <a:r>
-              <a:t/>
-            </a:r>
-            <a:endParaRPr/>
-          </a:p>
-          <a:p>
-            <a:pPr indent="0" lvl="0" marL="0">
-              <a:spcBef>
-                <a:spcPts val="0"/>
-              </a:spcBef>
-              <a:spcAft>
-                <a:spcPts val="0"/>
-              </a:spcAft>
-              <a:buNone/>
-            </a:pPr>
-            <a:r>
-              <a:rPr lang="en"/>
-              <a:t>Jules: As for me, what I found was all new. I don’t watch the show, so I had no idea what the sentiment was during certain episodes and seasons. VADER of the episode scripts don’t tell me what other people think, but I was able to get a feel for the sentiment of the episode. VADER analysis can be useful if you’re working with a subject you’re </a:t>
-            </a:r>
-            <a:r>
-              <a:rPr lang="en"/>
-              <a:t>unfamiliar</a:t>
-            </a:r>
-            <a:r>
-              <a:rPr lang="en"/>
-              <a:t> about. In our scenario where we’re selling </a:t>
-            </a:r>
-            <a:r>
-              <a:rPr lang="en"/>
-              <a:t>ad space</a:t>
-            </a:r>
-            <a:r>
-              <a:rPr lang="en"/>
-              <a:t>, you want to be able to tailor your ads regardless of whether or not you’re a hardcore fan or brand new to GOT.</a:t>
-            </a:r>
-            <a:endParaRPr/>
-          </a:p>
-          <a:p>
-            <a:pPr indent="0" lvl="0" marL="0">
-              <a:spcBef>
-                <a:spcPts val="0"/>
-              </a:spcBef>
-              <a:spcAft>
-                <a:spcPts val="0"/>
-              </a:spcAft>
-              <a:buNone/>
-            </a:pPr>
-            <a:r>
-              <a:t/>
-            </a:r>
-            <a:endParaRPr/>
-          </a:p>
-          <a:p>
-            <a:pPr indent="0" lvl="0" marL="0">
-              <a:spcBef>
-                <a:spcPts val="0"/>
-              </a:spcBef>
-              <a:spcAft>
-                <a:spcPts val="0"/>
-              </a:spcAft>
-              <a:buNone/>
-            </a:pPr>
-            <a:r>
-              <a:rPr lang="en"/>
-              <a:t>Kevin: I was surprised to see the sentiment scores of certain episodes I remembered with strong positive or negative feelings.  Of course, this is because we’re only looking at a single aspect of a very complicated production, as lighting, audio, weather, and so much more contribute to overall mood.  </a:t>
-            </a:r>
-            <a:endParaRPr/>
-          </a:p>
-          <a:p>
-            <a:pPr indent="0" lvl="0" marL="0">
-              <a:spcBef>
-                <a:spcPts val="0"/>
-              </a:spcBef>
-              <a:spcAft>
-                <a:spcPts val="0"/>
-              </a:spcAft>
-              <a:buNone/>
-            </a:pPr>
-            <a:r>
-              <a:t/>
-            </a:r>
-            <a:endParaRPr/>
-          </a:p>
-          <a:p>
-            <a:pPr indent="0" lvl="0" marL="0">
-              <a:spcBef>
-                <a:spcPts val="0"/>
-              </a:spcBef>
-              <a:spcAft>
-                <a:spcPts val="0"/>
-              </a:spcAft>
-              <a:buNone/>
-            </a:pPr>
-            <a:r>
-              <a:rPr lang="en"/>
-              <a:t>Jason: Upon performing the analysis, I found that there were little to no relationships between the count of ravens/deaths in each episode to the overall sentiment of the episode script. The script contained a minimal amount of mentions for ‘ravens’ (compared to the books, one would assume) which made it difficult to establish a conclusion; but I did take note that in episodes with more than six high profile character deaths, the overall sentiment was always negative.</a:t>
-            </a:r>
-            <a:endParaRPr/>
-          </a:p>
-        </p:txBody>
-      </p:sp>
-    </p:spTree>
-  </p:cSld>
-  <p:clrMapOvr>
-    <a:masterClrMapping/>
-  </p:clrMapOvr>
-</p:notes>
-</file>
-
-<file path=ppt/notesSlides/notesSlide45.xml><?xml version="1.0" encoding="utf-8"?>
-<p:notes xmlns:a="http://schemas.openxmlformats.org/drawingml/2006/main" xmlns:r="http://schemas.openxmlformats.org/officeDocument/2006/relationships" xmlns:mc="http://schemas.openxmlformats.org/markup-compatibility/2006" xmlns:mv="urn:schemas-microsoft-com:mac:vml" xmlns:p="http://schemas.openxmlformats.org/presentationml/2006/main" xmlns:c="http://schemas.openxmlformats.org/drawingml/2006/chart" xmlns:dgm="http://schemas.openxmlformats.org/drawingml/2006/diagram" xmlns:o="urn:schemas-microsoft-com:office:office" xmlns:v="urn:schemas-microsoft-com:vml" xmlns:pvml="urn:schemas-microsoft-com:office:powerpoint" xmlns:com="http://schemas.openxmlformats.org/drawingml/2006/compatibility" xmlns:p14="http://schemas.microsoft.com/office/powerpoint/2010/main" xmlns:p15="http://schemas.microsoft.com/office/powerpoint/2012/main" showMasterPhAnim="0" showMasterSp="0">
-  <p:cSld>
-    <p:spTree>
-      <p:nvGrpSpPr>
-        <p:cNvPr id="562" name="Shape 562"/>
-        <p:cNvGrpSpPr/>
-        <p:nvPr/>
-      </p:nvGrpSpPr>
-      <p:grpSpPr>
-        <a:xfrm>
-          <a:off x="0" y="0"/>
-          <a:ext cx="0" cy="0"/>
-          <a:chOff x="0" y="0"/>
-          <a:chExt cx="0" cy="0"/>
-        </a:xfrm>
-      </p:grpSpPr>
-      <p:sp>
-        <p:nvSpPr>
-          <p:cNvPr id="563" name="Shape 563"/>
-          <p:cNvSpPr/>
-          <p:nvPr>
-            <p:ph idx="2" type="sldImg"/>
-          </p:nvPr>
-        </p:nvSpPr>
-        <p:spPr>
-          <a:xfrm>
-            <a:off x="381300" y="685800"/>
-            <a:ext cx="6096000" cy="3429000"/>
-          </a:xfrm>
-          <a:custGeom>
-            <a:pathLst>
-              <a:path extrusionOk="0" h="120000" w="120000">
-                <a:moveTo>
-                  <a:pt x="0" y="0"/>
-                </a:moveTo>
-                <a:lnTo>
-                  <a:pt x="120000" y="0"/>
-                </a:lnTo>
-                <a:lnTo>
-                  <a:pt x="120000" y="120000"/>
-                </a:lnTo>
-                <a:lnTo>
-                  <a:pt x="0" y="120000"/>
-                </a:lnTo>
-                <a:close/>
-              </a:path>
-            </a:pathLst>
-          </a:custGeom>
-        </p:spPr>
-      </p:sp>
-      <p:sp>
-        <p:nvSpPr>
-          <p:cNvPr id="564" name="Shape 564"/>
-          <p:cNvSpPr txBox="1"/>
-          <p:nvPr>
-            <p:ph idx="1" type="body"/>
-          </p:nvPr>
-        </p:nvSpPr>
-        <p:spPr>
-          <a:xfrm>
-            <a:off x="685800" y="4343400"/>
-            <a:ext cx="5486400" cy="4114800"/>
-          </a:xfrm>
-          <a:prstGeom prst="rect">
-            <a:avLst/>
-          </a:prstGeom>
-        </p:spPr>
-        <p:txBody>
-          <a:bodyPr anchorCtr="0" anchor="t" bIns="91425" lIns="91425" spcFirstLastPara="1" rIns="91425" wrap="square" tIns="91425">
-            <a:noAutofit/>
-          </a:bodyPr>
-          <a:lstStyle/>
-          <a:p>
-            <a:pPr indent="0" lvl="0" marL="0" rtl="0">
-              <a:spcBef>
-                <a:spcPts val="0"/>
-              </a:spcBef>
-              <a:spcAft>
-                <a:spcPts val="0"/>
-              </a:spcAft>
-              <a:buNone/>
-            </a:pPr>
-            <a:r>
-              <a:rPr lang="en"/>
-              <a:t>Imdb: how do I truly know which one is the most popular season? After I recapped the plots for season 4 and season 6, season 6 received the high ratings towards the end because the last two episodes were absolutely amazing. Also, does the season progression follow the same trend as the episode trends that we see? That’s what I would look into if I had more time. Also, the number of votes can truly impact the data.</a:t>
-            </a:r>
-            <a:endParaRPr/>
-          </a:p>
-          <a:p>
-            <a:pPr indent="0" lvl="0" marL="0" rtl="0">
-              <a:spcBef>
-                <a:spcPts val="0"/>
-              </a:spcBef>
-              <a:spcAft>
-                <a:spcPts val="0"/>
-              </a:spcAft>
-              <a:buNone/>
-            </a:pPr>
-            <a:r>
-              <a:t/>
-            </a:r>
-            <a:endParaRPr/>
-          </a:p>
-          <a:p>
-            <a:pPr indent="0" lvl="0" marL="0" rtl="0">
-              <a:spcBef>
-                <a:spcPts val="0"/>
-              </a:spcBef>
-              <a:spcAft>
-                <a:spcPts val="0"/>
-              </a:spcAft>
-              <a:buNone/>
-            </a:pPr>
-            <a:r>
-              <a:rPr lang="en"/>
-              <a:t>Kevin: Twitter: welp.  In an effort to try to scrape something together, I came across some interesting questions about twitter I might want to look into later, for example if there is a superior tweeting pattern or reasoning behind number of times mentioning other users or...</a:t>
-            </a:r>
-            <a:endParaRPr/>
-          </a:p>
-          <a:p>
-            <a:pPr indent="0" lvl="0" marL="0" rtl="0">
-              <a:spcBef>
-                <a:spcPts val="0"/>
-              </a:spcBef>
-              <a:spcAft>
-                <a:spcPts val="0"/>
-              </a:spcAft>
-              <a:buNone/>
-            </a:pPr>
-            <a:r>
-              <a:t/>
-            </a:r>
-            <a:endParaRPr/>
-          </a:p>
-          <a:p>
-            <a:pPr indent="0" lvl="0" marL="0" rtl="0">
-              <a:spcBef>
-                <a:spcPts val="0"/>
-              </a:spcBef>
-              <a:spcAft>
-                <a:spcPts val="0"/>
-              </a:spcAft>
-              <a:buNone/>
-            </a:pPr>
-            <a:r>
-              <a:rPr lang="en"/>
-              <a:t>Jason: See if there is a way to incorporate a gui (i.e. a map of all the ravens being sent to and from different locations) and make it interactive.</a:t>
             </a:r>
             <a:endParaRPr/>
           </a:p>
@@ -22879,192 +21837,40 @@
             </a:pPr>
             <a:r>
               <a:rPr lang="en"/>
-              <a:t>Kevin’s Stuff</a:t>
+              <a:t>A Plot of Every Episode’s Sentiments</a:t>
             </a:r>
             <a:endParaRPr/>
           </a:p>
         </p:txBody>
       </p:sp>
-      <p:sp>
-        <p:nvSpPr>
+      <p:pic>
+        <p:nvPicPr>
           <p:cNvPr id="398" name="Shape 398"/>
-          <p:cNvSpPr txBox="1"/>
-          <p:nvPr>
-            <p:ph idx="1" type="body"/>
-          </p:nvPr>
-        </p:nvSpPr>
+          <p:cNvPicPr preferRelativeResize="0"/>
+          <p:nvPr/>
+        </p:nvPicPr>
+        <p:blipFill>
+          <a:blip r:embed="rId3">
+            <a:alphaModFix/>
+          </a:blip>
+          <a:stretch>
+            <a:fillRect/>
+          </a:stretch>
+        </p:blipFill>
         <p:spPr>
           <a:xfrm>
-            <a:off x="1303800" y="1990050"/>
-            <a:ext cx="7030500" cy="2541600"/>
+            <a:off x="152400" y="1750275"/>
+            <a:ext cx="8839200" cy="2946400"/>
           </a:xfrm>
           <a:prstGeom prst="rect">
             <a:avLst/>
           </a:prstGeom>
+          <a:noFill/>
+          <a:ln>
+            <a:noFill/>
+          </a:ln>
         </p:spPr>
-        <p:txBody>
-          <a:bodyPr anchorCtr="0" anchor="t" bIns="91425" lIns="91425" spcFirstLastPara="1" rIns="91425" wrap="square" tIns="91425">
-            <a:noAutofit/>
-          </a:bodyPr>
-          <a:lstStyle/>
-          <a:p>
-            <a:pPr indent="-311150" lvl="0" marL="457200" rtl="0">
-              <a:spcBef>
-                <a:spcPts val="0"/>
-              </a:spcBef>
-              <a:spcAft>
-                <a:spcPts val="0"/>
-              </a:spcAft>
-              <a:buSzPts val="1300"/>
-              <a:buChar char="●"/>
-            </a:pPr>
-            <a:r>
-              <a:rPr b="1" lang="en"/>
-              <a:t>Season Script Analysis</a:t>
-            </a:r>
-            <a:endParaRPr b="1"/>
-          </a:p>
-          <a:p>
-            <a:pPr indent="-311150" lvl="0" marL="457200" rtl="0">
-              <a:spcBef>
-                <a:spcPts val="0"/>
-              </a:spcBef>
-              <a:spcAft>
-                <a:spcPts val="0"/>
-              </a:spcAft>
-              <a:buSzPts val="1300"/>
-              <a:buChar char="●"/>
-            </a:pPr>
-            <a:r>
-              <a:rPr b="1" lang="en"/>
-              <a:t>Twitter Adventures</a:t>
-            </a:r>
-            <a:endParaRPr b="1"/>
-          </a:p>
-          <a:p>
-            <a:pPr indent="-298450" lvl="1" marL="914400" rtl="0">
-              <a:spcBef>
-                <a:spcPts val="0"/>
-              </a:spcBef>
-              <a:spcAft>
-                <a:spcPts val="0"/>
-              </a:spcAft>
-              <a:buSzPts val="1100"/>
-              <a:buChar char="○"/>
-            </a:pPr>
-            <a:r>
-              <a:rPr b="1" lang="en"/>
-              <a:t>Initial questions -&gt; the issues -&gt; what to do -&gt; what I ended up with</a:t>
-            </a:r>
-            <a:endParaRPr b="1"/>
-          </a:p>
-          <a:p>
-            <a:pPr indent="-311150" lvl="0" marL="457200" rtl="0">
-              <a:spcBef>
-                <a:spcPts val="0"/>
-              </a:spcBef>
-              <a:spcAft>
-                <a:spcPts val="0"/>
-              </a:spcAft>
-              <a:buSzPts val="1300"/>
-              <a:buChar char="●"/>
-            </a:pPr>
-            <a:r>
-              <a:rPr b="1" lang="en"/>
-              <a:t>Things to show:</a:t>
-            </a:r>
-            <a:endParaRPr b="1"/>
-          </a:p>
-          <a:p>
-            <a:pPr indent="-298450" lvl="1" marL="914400" rtl="0">
-              <a:spcBef>
-                <a:spcPts val="0"/>
-              </a:spcBef>
-              <a:spcAft>
-                <a:spcPts val="0"/>
-              </a:spcAft>
-              <a:buSzPts val="1100"/>
-              <a:buChar char="○"/>
-            </a:pPr>
-            <a:r>
-              <a:rPr lang="en" u="sng">
-                <a:solidFill>
-                  <a:schemeClr val="hlink"/>
-                </a:solidFill>
-                <a:hlinkClick r:id="rId3"/>
-              </a:rPr>
-              <a:t>https://github.com/totopi/Retro-Fireballs/blob/kevin/analysis/analysis.ipynb</a:t>
-            </a:r>
-            <a:endParaRPr/>
-          </a:p>
-          <a:p>
-            <a:pPr indent="-298450" lvl="1" marL="914400" rtl="0">
-              <a:spcBef>
-                <a:spcPts val="0"/>
-              </a:spcBef>
-              <a:spcAft>
-                <a:spcPts val="0"/>
-              </a:spcAft>
-              <a:buSzPts val="1100"/>
-              <a:buChar char="○"/>
-            </a:pPr>
-            <a:r>
-              <a:rPr lang="en" u="sng">
-                <a:solidFill>
-                  <a:schemeClr val="hlink"/>
-                </a:solidFill>
-                <a:hlinkClick r:id="rId4"/>
-              </a:rPr>
-              <a:t>https://github.com/totopi/Retro-Fireballs/blob/kevin/analysis/Tweepy.ipynb</a:t>
-            </a:r>
-            <a:endParaRPr/>
-          </a:p>
-          <a:p>
-            <a:pPr indent="-298450" lvl="1" marL="914400" rtl="0">
-              <a:spcBef>
-                <a:spcPts val="0"/>
-              </a:spcBef>
-              <a:spcAft>
-                <a:spcPts val="0"/>
-              </a:spcAft>
-              <a:buSzPts val="1100"/>
-              <a:buChar char="○"/>
-            </a:pPr>
-            <a:r>
-              <a:rPr lang="en" u="sng">
-                <a:solidFill>
-                  <a:schemeClr val="hlink"/>
-                </a:solidFill>
-                <a:hlinkClick r:id="rId5"/>
-              </a:rPr>
-              <a:t>https://github.com/totopi/Retro-Fireballs/blob/kevin/analysis/officialtwitter.ipynb</a:t>
-            </a:r>
-            <a:endParaRPr/>
-          </a:p>
-          <a:p>
-            <a:pPr indent="-298450" lvl="1" marL="914400" rtl="0">
-              <a:spcBef>
-                <a:spcPts val="0"/>
-              </a:spcBef>
-              <a:spcAft>
-                <a:spcPts val="0"/>
-              </a:spcAft>
-              <a:buSzPts val="1100"/>
-              <a:buChar char="○"/>
-            </a:pPr>
-            <a:r>
-              <a:rPr lang="en" u="sng">
-                <a:solidFill>
-                  <a:schemeClr val="accent5"/>
-                </a:solidFill>
-                <a:hlinkClick r:id="rId6"/>
-              </a:rPr>
-              <a:t>https://github.com/totopi/Retro-Fireballs/blob/kevin/analysis/TweepyGoTNetwork.ipynb</a:t>
-            </a:r>
-            <a:endParaRPr/>
-          </a:p>
-        </p:txBody>
-      </p:sp>
+      </p:pic>
     </p:spTree>
   </p:cSld>
   <p:clrMapOvr>
@@ -23276,8 +22082,7 @@
               <a:buNone/>
             </a:pPr>
             <a:r>
-              <a:rPr lang="en"/>
-              <a:t>A Plot of Every Episode’s Sentiments</a:t>
+              <a:t/>
             </a:r>
             <a:endParaRPr/>
           </a:p>
@@ -23299,8 +22104,8 @@
         </p:blipFill>
         <p:spPr>
           <a:xfrm>
-            <a:off x="152400" y="1750275"/>
-            <a:ext cx="8839200" cy="2946400"/>
+            <a:off x="0" y="261915"/>
+            <a:ext cx="9144001" cy="4619670"/>
           </a:xfrm>
           <a:prstGeom prst="rect">
             <a:avLst/>
@@ -23391,98 +22196,6 @@
         </p:blipFill>
         <p:spPr>
           <a:xfrm>
-            <a:off x="0" y="261915"/>
-            <a:ext cx="9144001" cy="4619670"/>
-          </a:xfrm>
-          <a:prstGeom prst="rect">
-            <a:avLst/>
-          </a:prstGeom>
-          <a:noFill/>
-          <a:ln>
-            <a:noFill/>
-          </a:ln>
-        </p:spPr>
-      </p:pic>
-    </p:spTree>
-  </p:cSld>
-  <p:clrMapOvr>
-    <a:masterClrMapping/>
-  </p:clrMapOvr>
-</p:sld>
-</file>
-
-<file path=ppt/slides/slide22.xml><?xml version="1.0" encoding="utf-8"?>
-<p:sld xmlns:a="http://schemas.openxmlformats.org/drawingml/2006/main" xmlns:r="http://schemas.openxmlformats.org/officeDocument/2006/relationships" xmlns:mc="http://schemas.openxmlformats.org/markup-compatibility/2006" xmlns:mv="urn:schemas-microsoft-com:mac:vml" xmlns:p="http://schemas.openxmlformats.org/presentationml/2006/main" xmlns:c="http://schemas.openxmlformats.org/drawingml/2006/chart" xmlns:dgm="http://schemas.openxmlformats.org/drawingml/2006/diagram" xmlns:o="urn:schemas-microsoft-com:office:office" xmlns:v="urn:schemas-microsoft-com:vml" xmlns:pvml="urn:schemas-microsoft-com:office:powerpoint" xmlns:com="http://schemas.openxmlformats.org/drawingml/2006/compatibility" xmlns:p14="http://schemas.microsoft.com/office/powerpoint/2010/main" xmlns:p15="http://schemas.microsoft.com/office/powerpoint/2012/main">
-  <p:cSld>
-    <p:spTree>
-      <p:nvGrpSpPr>
-        <p:cNvPr id="414" name="Shape 414"/>
-        <p:cNvGrpSpPr/>
-        <p:nvPr/>
-      </p:nvGrpSpPr>
-      <p:grpSpPr>
-        <a:xfrm>
-          <a:off x="0" y="0"/>
-          <a:ext cx="0" cy="0"/>
-          <a:chOff x="0" y="0"/>
-          <a:chExt cx="0" cy="0"/>
-        </a:xfrm>
-      </p:grpSpPr>
-      <p:sp>
-        <p:nvSpPr>
-          <p:cNvPr id="415" name="Shape 415"/>
-          <p:cNvSpPr txBox="1"/>
-          <p:nvPr>
-            <p:ph type="title"/>
-          </p:nvPr>
-        </p:nvSpPr>
-        <p:spPr>
-          <a:xfrm>
-            <a:off x="1303800" y="598575"/>
-            <a:ext cx="7030500" cy="999300"/>
-          </a:xfrm>
-          <a:prstGeom prst="rect">
-            <a:avLst/>
-          </a:prstGeom>
-        </p:spPr>
-        <p:txBody>
-          <a:bodyPr anchorCtr="0" anchor="t" bIns="91425" lIns="91425" spcFirstLastPara="1" rIns="91425" wrap="square" tIns="91425">
-            <a:noAutofit/>
-          </a:bodyPr>
-          <a:lstStyle/>
-          <a:p>
-            <a:pPr indent="0" lvl="0" marL="0">
-              <a:spcBef>
-                <a:spcPts val="0"/>
-              </a:spcBef>
-              <a:spcAft>
-                <a:spcPts val="0"/>
-              </a:spcAft>
-              <a:buNone/>
-            </a:pPr>
-            <a:r>
-              <a:t/>
-            </a:r>
-            <a:endParaRPr/>
-          </a:p>
-        </p:txBody>
-      </p:sp>
-      <p:pic>
-        <p:nvPicPr>
-          <p:cNvPr id="416" name="Shape 416"/>
-          <p:cNvPicPr preferRelativeResize="0"/>
-          <p:nvPr/>
-        </p:nvPicPr>
-        <p:blipFill>
-          <a:blip r:embed="rId3">
-            <a:alphaModFix/>
-          </a:blip>
-          <a:stretch>
-            <a:fillRect/>
-          </a:stretch>
-        </p:blipFill>
-        <p:spPr>
-          <a:xfrm>
             <a:off x="1638312" y="2635463"/>
             <a:ext cx="5867375" cy="2738111"/>
           </a:xfrm>
@@ -23497,7 +22210,7 @@
       </p:pic>
       <p:pic>
         <p:nvPicPr>
-          <p:cNvPr id="417" name="Shape 417"/>
+          <p:cNvPr id="411" name="Shape 411"/>
           <p:cNvPicPr preferRelativeResize="0"/>
           <p:nvPr/>
         </p:nvPicPr>
@@ -23531,12 +22244,12 @@
 </p:sld>
 </file>
 
-<file path=ppt/slides/slide23.xml><?xml version="1.0" encoding="utf-8"?>
+<file path=ppt/slides/slide22.xml><?xml version="1.0" encoding="utf-8"?>
 <p:sld xmlns:a="http://schemas.openxmlformats.org/drawingml/2006/main" xmlns:r="http://schemas.openxmlformats.org/officeDocument/2006/relationships" xmlns:mc="http://schemas.openxmlformats.org/markup-compatibility/2006" xmlns:mv="urn:schemas-microsoft-com:mac:vml" xmlns:p="http://schemas.openxmlformats.org/presentationml/2006/main" xmlns:c="http://schemas.openxmlformats.org/drawingml/2006/chart" xmlns:dgm="http://schemas.openxmlformats.org/drawingml/2006/diagram" xmlns:o="urn:schemas-microsoft-com:office:office" xmlns:v="urn:schemas-microsoft-com:vml" xmlns:pvml="urn:schemas-microsoft-com:office:powerpoint" xmlns:com="http://schemas.openxmlformats.org/drawingml/2006/compatibility" xmlns:p14="http://schemas.microsoft.com/office/powerpoint/2010/main" xmlns:p15="http://schemas.microsoft.com/office/powerpoint/2012/main">
   <p:cSld>
     <p:spTree>
       <p:nvGrpSpPr>
-        <p:cNvPr id="421" name="Shape 421"/>
+        <p:cNvPr id="415" name="Shape 415"/>
         <p:cNvGrpSpPr/>
         <p:nvPr/>
       </p:nvGrpSpPr>
@@ -23550,7 +22263,7 @@
       </p:grpSpPr>
       <p:pic>
         <p:nvPicPr>
-          <p:cNvPr id="422" name="Shape 422"/>
+          <p:cNvPr id="416" name="Shape 416"/>
           <p:cNvPicPr preferRelativeResize="0"/>
           <p:nvPr/>
         </p:nvPicPr>
@@ -23578,7 +22291,7 @@
       </p:pic>
       <p:sp>
         <p:nvSpPr>
-          <p:cNvPr id="423" name="Shape 423"/>
+          <p:cNvPr id="417" name="Shape 417"/>
           <p:cNvSpPr txBox="1"/>
           <p:nvPr>
             <p:ph type="title"/>
@@ -23617,7 +22330,7 @@
       </p:sp>
       <p:pic>
         <p:nvPicPr>
-          <p:cNvPr id="424" name="Shape 424"/>
+          <p:cNvPr id="418" name="Shape 418"/>
           <p:cNvPicPr preferRelativeResize="0"/>
           <p:nvPr/>
         </p:nvPicPr>
@@ -23645,7 +22358,7 @@
       </p:pic>
       <p:pic>
         <p:nvPicPr>
-          <p:cNvPr id="425" name="Shape 425"/>
+          <p:cNvPr id="419" name="Shape 419"/>
           <p:cNvPicPr preferRelativeResize="0"/>
           <p:nvPr/>
         </p:nvPicPr>
@@ -23679,12 +22392,12 @@
 </p:sld>
 </file>
 
-<file path=ppt/slides/slide24.xml><?xml version="1.0" encoding="utf-8"?>
+<file path=ppt/slides/slide23.xml><?xml version="1.0" encoding="utf-8"?>
 <p:sld xmlns:a="http://schemas.openxmlformats.org/drawingml/2006/main" xmlns:r="http://schemas.openxmlformats.org/officeDocument/2006/relationships" xmlns:mc="http://schemas.openxmlformats.org/markup-compatibility/2006" xmlns:mv="urn:schemas-microsoft-com:mac:vml" xmlns:p="http://schemas.openxmlformats.org/presentationml/2006/main" xmlns:c="http://schemas.openxmlformats.org/drawingml/2006/chart" xmlns:dgm="http://schemas.openxmlformats.org/drawingml/2006/diagram" xmlns:o="urn:schemas-microsoft-com:office:office" xmlns:v="urn:schemas-microsoft-com:vml" xmlns:pvml="urn:schemas-microsoft-com:office:powerpoint" xmlns:com="http://schemas.openxmlformats.org/drawingml/2006/compatibility" xmlns:p14="http://schemas.microsoft.com/office/powerpoint/2010/main" xmlns:p15="http://schemas.microsoft.com/office/powerpoint/2012/main">
   <p:cSld>
     <p:spTree>
       <p:nvGrpSpPr>
-        <p:cNvPr id="429" name="Shape 429"/>
+        <p:cNvPr id="423" name="Shape 423"/>
         <p:cNvGrpSpPr/>
         <p:nvPr/>
       </p:nvGrpSpPr>
@@ -23698,7 +22411,7 @@
       </p:grpSpPr>
       <p:sp>
         <p:nvSpPr>
-          <p:cNvPr id="430" name="Shape 430"/>
+          <p:cNvPr id="424" name="Shape 424"/>
           <p:cNvSpPr txBox="1"/>
           <p:nvPr>
             <p:ph type="title"/>
@@ -23738,7 +22451,7 @@
       </p:sp>
       <p:sp>
         <p:nvSpPr>
-          <p:cNvPr id="431" name="Shape 431"/>
+          <p:cNvPr id="425" name="Shape 425"/>
           <p:cNvSpPr txBox="1"/>
           <p:nvPr>
             <p:ph idx="1" type="body"/>
@@ -23995,7 +22708,7 @@
       </p:sp>
       <p:sp>
         <p:nvSpPr>
-          <p:cNvPr id="432" name="Shape 432"/>
+          <p:cNvPr id="426" name="Shape 426"/>
           <p:cNvSpPr txBox="1"/>
           <p:nvPr/>
         </p:nvSpPr>
@@ -24086,7 +22799,7 @@
                                           </p:stCondLst>
                                         </p:cTn>
                                         <p:tgtEl>
-                                          <p:spTgt spid="432"/>
+                                          <p:spTgt spid="426"/>
                                         </p:tgtEl>
                                         <p:attrNameLst>
                                           <p:attrName>style.visibility</p:attrName>
@@ -24100,7 +22813,7 @@
                                       <p:cBhvr>
                                         <p:cTn dur="1000"/>
                                         <p:tgtEl>
-                                          <p:spTgt spid="432"/>
+                                          <p:spTgt spid="426"/>
                                         </p:tgtEl>
                                       </p:cBhvr>
                                     </p:animEffect>
@@ -24138,12 +22851,12 @@
 </p:sld>
 </file>
 
-<file path=ppt/slides/slide25.xml><?xml version="1.0" encoding="utf-8"?>
+<file path=ppt/slides/slide24.xml><?xml version="1.0" encoding="utf-8"?>
 <p:sld xmlns:a="http://schemas.openxmlformats.org/drawingml/2006/main" xmlns:r="http://schemas.openxmlformats.org/officeDocument/2006/relationships" xmlns:mc="http://schemas.openxmlformats.org/markup-compatibility/2006" xmlns:mv="urn:schemas-microsoft-com:mac:vml" xmlns:p="http://schemas.openxmlformats.org/presentationml/2006/main" xmlns:c="http://schemas.openxmlformats.org/drawingml/2006/chart" xmlns:dgm="http://schemas.openxmlformats.org/drawingml/2006/diagram" xmlns:o="urn:schemas-microsoft-com:office:office" xmlns:v="urn:schemas-microsoft-com:vml" xmlns:pvml="urn:schemas-microsoft-com:office:powerpoint" xmlns:com="http://schemas.openxmlformats.org/drawingml/2006/compatibility" xmlns:p14="http://schemas.microsoft.com/office/powerpoint/2010/main" xmlns:p15="http://schemas.microsoft.com/office/powerpoint/2012/main">
   <p:cSld>
     <p:spTree>
       <p:nvGrpSpPr>
-        <p:cNvPr id="436" name="Shape 436"/>
+        <p:cNvPr id="430" name="Shape 430"/>
         <p:cNvGrpSpPr/>
         <p:nvPr/>
       </p:nvGrpSpPr>
@@ -24157,7 +22870,7 @@
       </p:grpSpPr>
       <p:sp>
         <p:nvSpPr>
-          <p:cNvPr id="437" name="Shape 437"/>
+          <p:cNvPr id="431" name="Shape 431"/>
           <p:cNvSpPr txBox="1"/>
           <p:nvPr>
             <p:ph type="title"/>
@@ -24197,7 +22910,7 @@
       </p:sp>
       <p:sp>
         <p:nvSpPr>
-          <p:cNvPr id="438" name="Shape 438"/>
+          <p:cNvPr id="432" name="Shape 432"/>
           <p:cNvSpPr txBox="1"/>
           <p:nvPr>
             <p:ph idx="1" type="body"/>
@@ -24394,7 +23107,7 @@
       </p:sp>
       <p:pic>
         <p:nvPicPr>
-          <p:cNvPr id="439" name="Shape 439"/>
+          <p:cNvPr id="433" name="Shape 433"/>
           <p:cNvPicPr preferRelativeResize="0"/>
           <p:nvPr/>
         </p:nvPicPr>
@@ -24459,7 +23172,7 @@
                                           </p:stCondLst>
                                         </p:cTn>
                                         <p:tgtEl>
-                                          <p:spTgt spid="439"/>
+                                          <p:spTgt spid="433"/>
                                         </p:tgtEl>
                                         <p:attrNameLst>
                                           <p:attrName>style.visibility</p:attrName>
@@ -24473,7 +23186,7 @@
                                       <p:cBhvr>
                                         <p:cTn dur="1000"/>
                                         <p:tgtEl>
-                                          <p:spTgt spid="439"/>
+                                          <p:spTgt spid="433"/>
                                         </p:tgtEl>
                                       </p:cBhvr>
                                     </p:animEffect>
@@ -24508,6 +23221,339 @@
       </p:par>
     </p:tnLst>
   </p:timing>
+</p:sld>
+</file>
+
+<file path=ppt/slides/slide25.xml><?xml version="1.0" encoding="utf-8"?>
+<p:sld xmlns:a="http://schemas.openxmlformats.org/drawingml/2006/main" xmlns:r="http://schemas.openxmlformats.org/officeDocument/2006/relationships" xmlns:mc="http://schemas.openxmlformats.org/markup-compatibility/2006" xmlns:mv="urn:schemas-microsoft-com:mac:vml" xmlns:p="http://schemas.openxmlformats.org/presentationml/2006/main" xmlns:c="http://schemas.openxmlformats.org/drawingml/2006/chart" xmlns:dgm="http://schemas.openxmlformats.org/drawingml/2006/diagram" xmlns:o="urn:schemas-microsoft-com:office:office" xmlns:v="urn:schemas-microsoft-com:vml" xmlns:pvml="urn:schemas-microsoft-com:office:powerpoint" xmlns:com="http://schemas.openxmlformats.org/drawingml/2006/compatibility" xmlns:p14="http://schemas.microsoft.com/office/powerpoint/2010/main" xmlns:p15="http://schemas.microsoft.com/office/powerpoint/2012/main">
+  <p:cSld>
+    <p:spTree>
+      <p:nvGrpSpPr>
+        <p:cNvPr id="437" name="Shape 437"/>
+        <p:cNvGrpSpPr/>
+        <p:nvPr/>
+      </p:nvGrpSpPr>
+      <p:grpSpPr>
+        <a:xfrm>
+          <a:off x="0" y="0"/>
+          <a:ext cx="0" cy="0"/>
+          <a:chOff x="0" y="0"/>
+          <a:chExt cx="0" cy="0"/>
+        </a:xfrm>
+      </p:grpSpPr>
+      <p:sp>
+        <p:nvSpPr>
+          <p:cNvPr id="438" name="Shape 438"/>
+          <p:cNvSpPr txBox="1"/>
+          <p:nvPr>
+            <p:ph type="title"/>
+          </p:nvPr>
+        </p:nvSpPr>
+        <p:spPr>
+          <a:xfrm>
+            <a:off x="1303800" y="598575"/>
+            <a:ext cx="7030500" cy="999300"/>
+          </a:xfrm>
+          <a:prstGeom prst="rect">
+            <a:avLst/>
+          </a:prstGeom>
+        </p:spPr>
+        <p:txBody>
+          <a:bodyPr anchorCtr="0" anchor="t" bIns="91425" lIns="91425" spcFirstLastPara="1" rIns="91425" wrap="square" tIns="91425">
+            <a:noAutofit/>
+          </a:bodyPr>
+          <a:lstStyle/>
+          <a:p>
+            <a:pPr indent="0" lvl="0" marL="0" rtl="0">
+              <a:spcBef>
+                <a:spcPts val="0"/>
+              </a:spcBef>
+              <a:spcAft>
+                <a:spcPts val="0"/>
+              </a:spcAft>
+              <a:buNone/>
+            </a:pPr>
+            <a:r>
+              <a:rPr lang="en"/>
+              <a:t>Data Cleanup, Exploration, Analysis</a:t>
+            </a:r>
+            <a:endParaRPr/>
+          </a:p>
+        </p:txBody>
+      </p:sp>
+      <p:sp>
+        <p:nvSpPr>
+          <p:cNvPr id="439" name="Shape 439"/>
+          <p:cNvSpPr txBox="1"/>
+          <p:nvPr>
+            <p:ph idx="1" type="body"/>
+          </p:nvPr>
+        </p:nvSpPr>
+        <p:spPr>
+          <a:xfrm>
+            <a:off x="1303800" y="1837650"/>
+            <a:ext cx="7030500" cy="2541600"/>
+          </a:xfrm>
+          <a:prstGeom prst="rect">
+            <a:avLst/>
+          </a:prstGeom>
+        </p:spPr>
+        <p:txBody>
+          <a:bodyPr anchorCtr="0" anchor="t" bIns="91425" lIns="91425" spcFirstLastPara="1" rIns="91425" wrap="square" tIns="91425">
+            <a:noAutofit/>
+          </a:bodyPr>
+          <a:lstStyle/>
+          <a:p>
+            <a:pPr indent="-311150" lvl="0" marL="457200" rtl="0">
+              <a:spcBef>
+                <a:spcPts val="0"/>
+              </a:spcBef>
+              <a:spcAft>
+                <a:spcPts val="0"/>
+              </a:spcAft>
+              <a:buSzPts val="1300"/>
+              <a:buChar char="❖"/>
+            </a:pPr>
+            <a:r>
+              <a:rPr lang="en" sz="1100" u="sng">
+                <a:solidFill>
+                  <a:schemeClr val="accent5"/>
+                </a:solidFill>
+                <a:hlinkClick r:id="rId3"/>
+              </a:rPr>
+              <a:t>https://github.com/totopi/Retro-Fireballs/blob/master/Kevin/analysis.ipynb</a:t>
+            </a:r>
+            <a:endParaRPr/>
+          </a:p>
+          <a:p>
+            <a:pPr indent="-311150" lvl="0" marL="457200" rtl="0">
+              <a:spcBef>
+                <a:spcPts val="0"/>
+              </a:spcBef>
+              <a:spcAft>
+                <a:spcPts val="0"/>
+              </a:spcAft>
+              <a:buSzPts val="1300"/>
+              <a:buChar char="❖"/>
+            </a:pPr>
+            <a:r>
+              <a:rPr lang="en" u="sng">
+                <a:solidFill>
+                  <a:schemeClr val="hlink"/>
+                </a:solidFill>
+                <a:hlinkClick r:id="rId4"/>
+              </a:rPr>
+              <a:t>https://github.com/totopi/Retro-Fireballs/blob/master/Presentation/</a:t>
+            </a:r>
+            <a:r>
+              <a:rPr lang="en" u="sng">
+                <a:solidFill>
+                  <a:schemeClr val="hlink"/>
+                </a:solidFill>
+                <a:hlinkClick r:id="rId5"/>
+              </a:rPr>
+              <a:t>officialtwitter.ipynb</a:t>
+            </a:r>
+            <a:endParaRPr>
+              <a:solidFill>
+                <a:srgbClr val="000000"/>
+              </a:solidFill>
+            </a:endParaRPr>
+          </a:p>
+          <a:p>
+            <a:pPr indent="-311150" lvl="0" marL="457200" rtl="0">
+              <a:spcBef>
+                <a:spcPts val="0"/>
+              </a:spcBef>
+              <a:spcAft>
+                <a:spcPts val="0"/>
+              </a:spcAft>
+              <a:buSzPts val="1300"/>
+              <a:buChar char="❖"/>
+            </a:pPr>
+            <a:r>
+              <a:rPr lang="en" u="sng">
+                <a:solidFill>
+                  <a:schemeClr val="hlink"/>
+                </a:solidFill>
+                <a:hlinkClick r:id="rId6"/>
+              </a:rPr>
+              <a:t>https://github.com/totopi/Retro-Fireballs/blob/master/Presentation/</a:t>
+            </a:r>
+            <a:r>
+              <a:rPr lang="en" u="sng">
+                <a:solidFill>
+                  <a:schemeClr val="hlink"/>
+                </a:solidFill>
+                <a:hlinkClick r:id="rId7"/>
+              </a:rPr>
+              <a:t>TweepyGoTNetwork.ipynb</a:t>
+            </a:r>
+            <a:endParaRPr>
+              <a:solidFill>
+                <a:srgbClr val="000000"/>
+              </a:solidFill>
+            </a:endParaRPr>
+          </a:p>
+          <a:p>
+            <a:pPr indent="0" lvl="0" marL="0" rtl="0">
+              <a:lnSpc>
+                <a:spcPct val="150000"/>
+              </a:lnSpc>
+              <a:spcBef>
+                <a:spcPts val="1600"/>
+              </a:spcBef>
+              <a:spcAft>
+                <a:spcPts val="0"/>
+              </a:spcAft>
+              <a:buNone/>
+            </a:pPr>
+            <a:r>
+              <a:rPr lang="en">
+                <a:solidFill>
+                  <a:srgbClr val="000000"/>
+                </a:solidFill>
+              </a:rPr>
+              <a:t>https://github.com/totopi/Retro-Fireballs/blob/master/Presentation/Graphs.ipynb</a:t>
+            </a:r>
+            <a:endParaRPr>
+              <a:solidFill>
+                <a:srgbClr val="000000"/>
+              </a:solidFill>
+            </a:endParaRPr>
+          </a:p>
+          <a:p>
+            <a:pPr indent="-311150" lvl="0" marL="457200" marR="0" rtl="0" algn="l">
+              <a:lnSpc>
+                <a:spcPct val="150000"/>
+              </a:lnSpc>
+              <a:spcBef>
+                <a:spcPts val="0"/>
+              </a:spcBef>
+              <a:spcAft>
+                <a:spcPts val="0"/>
+              </a:spcAft>
+              <a:buClr>
+                <a:srgbClr val="000000"/>
+              </a:buClr>
+              <a:buSzPts val="1300"/>
+              <a:buFont typeface="Nunito"/>
+              <a:buChar char="●"/>
+            </a:pPr>
+            <a:r>
+              <a:rPr lang="en">
+                <a:solidFill>
+                  <a:srgbClr val="000000"/>
+                </a:solidFill>
+              </a:rPr>
+              <a:t>What can I do?</a:t>
+            </a:r>
+            <a:endParaRPr>
+              <a:solidFill>
+                <a:srgbClr val="000000"/>
+              </a:solidFill>
+            </a:endParaRPr>
+          </a:p>
+          <a:p>
+            <a:pPr indent="-298450" lvl="1" marL="914400" marR="0" rtl="0" algn="l">
+              <a:lnSpc>
+                <a:spcPct val="150000"/>
+              </a:lnSpc>
+              <a:spcBef>
+                <a:spcPts val="0"/>
+              </a:spcBef>
+              <a:spcAft>
+                <a:spcPts val="0"/>
+              </a:spcAft>
+              <a:buClr>
+                <a:srgbClr val="000000"/>
+              </a:buClr>
+              <a:buSzPts val="1100"/>
+              <a:buChar char="○"/>
+            </a:pPr>
+            <a:r>
+              <a:rPr lang="en">
+                <a:solidFill>
+                  <a:srgbClr val="000000"/>
+                </a:solidFill>
+              </a:rPr>
+              <a:t>Find new questions, Do what I can with the data</a:t>
+            </a:r>
+            <a:endParaRPr>
+              <a:solidFill>
+                <a:srgbClr val="000000"/>
+              </a:solidFill>
+            </a:endParaRPr>
+          </a:p>
+          <a:p>
+            <a:pPr indent="-298450" lvl="1" marL="914400" marR="0" rtl="0" algn="l">
+              <a:lnSpc>
+                <a:spcPct val="150000"/>
+              </a:lnSpc>
+              <a:spcBef>
+                <a:spcPts val="0"/>
+              </a:spcBef>
+              <a:spcAft>
+                <a:spcPts val="0"/>
+              </a:spcAft>
+              <a:buClr>
+                <a:srgbClr val="000000"/>
+              </a:buClr>
+              <a:buSzPts val="1100"/>
+              <a:buChar char="○"/>
+            </a:pPr>
+            <a:r>
+              <a:rPr lang="en">
+                <a:solidFill>
+                  <a:srgbClr val="000000"/>
+                </a:solidFill>
+              </a:rPr>
+              <a:t>What does a popular programs social network look like?</a:t>
+            </a:r>
+            <a:endParaRPr>
+              <a:solidFill>
+                <a:srgbClr val="000000"/>
+              </a:solidFill>
+            </a:endParaRPr>
+          </a:p>
+          <a:p>
+            <a:pPr indent="-298450" lvl="1" marL="914400" marR="0" rtl="0" algn="l">
+              <a:lnSpc>
+                <a:spcPct val="150000"/>
+              </a:lnSpc>
+              <a:spcBef>
+                <a:spcPts val="0"/>
+              </a:spcBef>
+              <a:spcAft>
+                <a:spcPts val="0"/>
+              </a:spcAft>
+              <a:buClr>
+                <a:srgbClr val="000000"/>
+              </a:buClr>
+              <a:buSzPts val="1100"/>
+              <a:buChar char="○"/>
+            </a:pPr>
+            <a:r>
+              <a:rPr lang="en">
+                <a:solidFill>
+                  <a:srgbClr val="000000"/>
+                </a:solidFill>
+              </a:rPr>
+              <a:t>How do sentiments vary between Official Twitter accounts and the general twittering populace?</a:t>
+            </a:r>
+            <a:endParaRPr>
+              <a:solidFill>
+                <a:srgbClr val="000000"/>
+              </a:solidFill>
+            </a:endParaRPr>
+          </a:p>
+        </p:txBody>
+      </p:sp>
+    </p:spTree>
+  </p:cSld>
+  <p:clrMapOvr>
+    <a:masterClrMapping/>
+  </p:clrMapOvr>
 </p:sld>
 </file>
 
@@ -24551,7 +23597,7 @@
           </a:bodyPr>
           <a:lstStyle/>
           <a:p>
-            <a:pPr indent="0" lvl="0" marL="0" rtl="0">
+            <a:pPr indent="0" lvl="0" marL="0">
               <a:spcBef>
                 <a:spcPts val="0"/>
               </a:spcBef>
@@ -24561,259 +23607,40 @@
               <a:buNone/>
             </a:pPr>
             <a:r>
-              <a:rPr lang="en"/>
-              <a:t>Data Cleanup, Exploration, Analysis</a:t>
+              <a:t/>
             </a:r>
             <a:endParaRPr/>
           </a:p>
         </p:txBody>
       </p:sp>
-      <p:sp>
-        <p:nvSpPr>
+      <p:pic>
+        <p:nvPicPr>
           <p:cNvPr id="445" name="Shape 445"/>
-          <p:cNvSpPr txBox="1"/>
-          <p:nvPr>
-            <p:ph idx="1" type="body"/>
-          </p:nvPr>
-        </p:nvSpPr>
+          <p:cNvPicPr preferRelativeResize="0"/>
+          <p:nvPr/>
+        </p:nvPicPr>
+        <p:blipFill>
+          <a:blip r:embed="rId3">
+            <a:alphaModFix/>
+          </a:blip>
+          <a:stretch>
+            <a:fillRect/>
+          </a:stretch>
+        </p:blipFill>
         <p:spPr>
           <a:xfrm>
-            <a:off x="1303800" y="1990050"/>
-            <a:ext cx="7030500" cy="2541600"/>
+            <a:off x="667479" y="-62550"/>
+            <a:ext cx="7809043" cy="5206050"/>
           </a:xfrm>
           <a:prstGeom prst="rect">
             <a:avLst/>
           </a:prstGeom>
+          <a:noFill/>
+          <a:ln>
+            <a:noFill/>
+          </a:ln>
         </p:spPr>
-        <p:txBody>
-          <a:bodyPr anchorCtr="0" anchor="t" bIns="91425" lIns="91425" spcFirstLastPara="1" rIns="91425" wrap="square" tIns="91425">
-            <a:noAutofit/>
-          </a:bodyPr>
-          <a:lstStyle/>
-          <a:p>
-            <a:pPr indent="-311150" lvl="0" marL="457200" rtl="0">
-              <a:spcBef>
-                <a:spcPts val="0"/>
-              </a:spcBef>
-              <a:spcAft>
-                <a:spcPts val="0"/>
-              </a:spcAft>
-              <a:buSzPts val="1300"/>
-              <a:buChar char="❖"/>
-            </a:pPr>
-            <a:r>
-              <a:rPr lang="en" u="sng">
-                <a:solidFill>
-                  <a:schemeClr val="hlink"/>
-                </a:solidFill>
-                <a:hlinkClick r:id="rId3"/>
-              </a:rPr>
-              <a:t>https://github.com/totopi/Retro-Fireballs/blob/master/Presentation/</a:t>
-            </a:r>
-            <a:r>
-              <a:rPr lang="en" u="sng">
-                <a:solidFill>
-                  <a:schemeClr val="hlink"/>
-                </a:solidFill>
-                <a:hlinkClick r:id="rId4"/>
-              </a:rPr>
-              <a:t>officialtwitter.ipynb</a:t>
-            </a:r>
-            <a:endParaRPr>
-              <a:solidFill>
-                <a:srgbClr val="000000"/>
-              </a:solidFill>
-            </a:endParaRPr>
-          </a:p>
-          <a:p>
-            <a:pPr indent="-311150" lvl="0" marL="457200" rtl="0">
-              <a:spcBef>
-                <a:spcPts val="0"/>
-              </a:spcBef>
-              <a:spcAft>
-                <a:spcPts val="0"/>
-              </a:spcAft>
-              <a:buSzPts val="1300"/>
-              <a:buChar char="❖"/>
-            </a:pPr>
-            <a:r>
-              <a:rPr lang="en" u="sng">
-                <a:solidFill>
-                  <a:schemeClr val="hlink"/>
-                </a:solidFill>
-                <a:hlinkClick r:id="rId5"/>
-              </a:rPr>
-              <a:t>https://github.com/totopi/Retro-Fireballs/blob/master/Presentation/</a:t>
-            </a:r>
-            <a:r>
-              <a:rPr lang="en" u="sng">
-                <a:solidFill>
-                  <a:schemeClr val="hlink"/>
-                </a:solidFill>
-                <a:hlinkClick r:id="rId6"/>
-              </a:rPr>
-              <a:t>TweepyGoTNetwork.ipynb</a:t>
-            </a:r>
-            <a:endParaRPr>
-              <a:solidFill>
-                <a:srgbClr val="000000"/>
-              </a:solidFill>
-            </a:endParaRPr>
-          </a:p>
-          <a:p>
-            <a:pPr indent="0" lvl="0" marL="0" rtl="0">
-              <a:lnSpc>
-                <a:spcPct val="150000"/>
-              </a:lnSpc>
-              <a:spcBef>
-                <a:spcPts val="1600"/>
-              </a:spcBef>
-              <a:spcAft>
-                <a:spcPts val="0"/>
-              </a:spcAft>
-              <a:buNone/>
-            </a:pPr>
-            <a:r>
-              <a:rPr lang="en">
-                <a:solidFill>
-                  <a:srgbClr val="000000"/>
-                </a:solidFill>
-              </a:rPr>
-              <a:t>https://github.com/totopi/Retro-Fireballs/blob/master/Presentation/Graphs.ipynb</a:t>
-            </a:r>
-            <a:endParaRPr>
-              <a:solidFill>
-                <a:srgbClr val="000000"/>
-              </a:solidFill>
-            </a:endParaRPr>
-          </a:p>
-          <a:p>
-            <a:pPr indent="-311150" lvl="0" marL="457200" marR="0" rtl="0" algn="l">
-              <a:lnSpc>
-                <a:spcPct val="150000"/>
-              </a:lnSpc>
-              <a:spcBef>
-                <a:spcPts val="0"/>
-              </a:spcBef>
-              <a:spcAft>
-                <a:spcPts val="0"/>
-              </a:spcAft>
-              <a:buClr>
-                <a:srgbClr val="000000"/>
-              </a:buClr>
-              <a:buSzPts val="1300"/>
-              <a:buFont typeface="Nunito"/>
-              <a:buChar char="●"/>
-            </a:pPr>
-            <a:r>
-              <a:rPr lang="en">
-                <a:solidFill>
-                  <a:srgbClr val="000000"/>
-                </a:solidFill>
-              </a:rPr>
-              <a:t>What can I do?</a:t>
-            </a:r>
-            <a:endParaRPr>
-              <a:solidFill>
-                <a:srgbClr val="000000"/>
-              </a:solidFill>
-            </a:endParaRPr>
-          </a:p>
-          <a:p>
-            <a:pPr indent="-298450" lvl="1" marL="914400" marR="0" rtl="0" algn="l">
-              <a:lnSpc>
-                <a:spcPct val="150000"/>
-              </a:lnSpc>
-              <a:spcBef>
-                <a:spcPts val="0"/>
-              </a:spcBef>
-              <a:spcAft>
-                <a:spcPts val="0"/>
-              </a:spcAft>
-              <a:buClr>
-                <a:srgbClr val="000000"/>
-              </a:buClr>
-              <a:buSzPts val="1100"/>
-              <a:buChar char="○"/>
-            </a:pPr>
-            <a:r>
-              <a:rPr lang="en">
-                <a:solidFill>
-                  <a:srgbClr val="000000"/>
-                </a:solidFill>
-              </a:rPr>
-              <a:t>Find new questions, Do what I can with the data</a:t>
-            </a:r>
-            <a:endParaRPr>
-              <a:solidFill>
-                <a:srgbClr val="000000"/>
-              </a:solidFill>
-            </a:endParaRPr>
-          </a:p>
-          <a:p>
-            <a:pPr indent="-298450" lvl="1" marL="914400" marR="0" rtl="0" algn="l">
-              <a:lnSpc>
-                <a:spcPct val="150000"/>
-              </a:lnSpc>
-              <a:spcBef>
-                <a:spcPts val="0"/>
-              </a:spcBef>
-              <a:spcAft>
-                <a:spcPts val="0"/>
-              </a:spcAft>
-              <a:buClr>
-                <a:srgbClr val="000000"/>
-              </a:buClr>
-              <a:buSzPts val="1100"/>
-              <a:buChar char="○"/>
-            </a:pPr>
-            <a:r>
-              <a:rPr lang="en">
-                <a:solidFill>
-                  <a:srgbClr val="000000"/>
-                </a:solidFill>
-              </a:rPr>
-              <a:t>What does a popular programs social network look like?</a:t>
-            </a:r>
-            <a:endParaRPr>
-              <a:solidFill>
-                <a:srgbClr val="000000"/>
-              </a:solidFill>
-            </a:endParaRPr>
-          </a:p>
-          <a:p>
-            <a:pPr indent="-298450" lvl="1" marL="914400" marR="0" rtl="0" algn="l">
-              <a:lnSpc>
-                <a:spcPct val="150000"/>
-              </a:lnSpc>
-              <a:spcBef>
-                <a:spcPts val="0"/>
-              </a:spcBef>
-              <a:spcAft>
-                <a:spcPts val="0"/>
-              </a:spcAft>
-              <a:buClr>
-                <a:srgbClr val="000000"/>
-              </a:buClr>
-              <a:buSzPts val="1100"/>
-              <a:buChar char="○"/>
-            </a:pPr>
-            <a:r>
-              <a:rPr lang="en">
-                <a:solidFill>
-                  <a:srgbClr val="000000"/>
-                </a:solidFill>
-              </a:rPr>
-              <a:t>How do sentiments vary between Official Twitter accounts and the general twittering populace?</a:t>
-            </a:r>
-            <a:endParaRPr>
-              <a:solidFill>
-                <a:srgbClr val="000000"/>
-              </a:solidFill>
-            </a:endParaRPr>
-          </a:p>
-        </p:txBody>
-      </p:sp>
+      </p:pic>
     </p:spTree>
   </p:cSld>
   <p:clrMapOvr>
@@ -24894,8 +23721,8 @@
         </p:blipFill>
         <p:spPr>
           <a:xfrm>
-            <a:off x="667479" y="-62550"/>
-            <a:ext cx="7809043" cy="5206050"/>
+            <a:off x="152400" y="1473388"/>
+            <a:ext cx="8839200" cy="2196724"/>
           </a:xfrm>
           <a:prstGeom prst="rect">
             <a:avLst/>
@@ -24954,7 +23781,7 @@
           </a:bodyPr>
           <a:lstStyle/>
           <a:p>
-            <a:pPr indent="0" lvl="0" marL="0">
+            <a:pPr indent="0" lvl="0" marL="0" rtl="0">
               <a:spcBef>
                 <a:spcPts val="0"/>
               </a:spcBef>
@@ -24964,108 +23791,16 @@
               <a:buNone/>
             </a:pPr>
             <a:r>
-              <a:t/>
-            </a:r>
-            <a:endParaRPr/>
+              <a:rPr lang="en" sz="2600"/>
+              <a:t>General Twitter Users vs Official Accounts</a:t>
+            </a:r>
+            <a:endParaRPr sz="2600"/>
           </a:p>
         </p:txBody>
       </p:sp>
       <p:pic>
         <p:nvPicPr>
           <p:cNvPr id="457" name="Shape 457"/>
-          <p:cNvPicPr preferRelativeResize="0"/>
-          <p:nvPr/>
-        </p:nvPicPr>
-        <p:blipFill>
-          <a:blip r:embed="rId3">
-            <a:alphaModFix/>
-          </a:blip>
-          <a:stretch>
-            <a:fillRect/>
-          </a:stretch>
-        </p:blipFill>
-        <p:spPr>
-          <a:xfrm>
-            <a:off x="152400" y="1473388"/>
-            <a:ext cx="8839200" cy="2196724"/>
-          </a:xfrm>
-          <a:prstGeom prst="rect">
-            <a:avLst/>
-          </a:prstGeom>
-          <a:noFill/>
-          <a:ln>
-            <a:noFill/>
-          </a:ln>
-        </p:spPr>
-      </p:pic>
-    </p:spTree>
-  </p:cSld>
-  <p:clrMapOvr>
-    <a:masterClrMapping/>
-  </p:clrMapOvr>
-</p:sld>
-</file>
-
-<file path=ppt/slides/slide29.xml><?xml version="1.0" encoding="utf-8"?>
-<p:sld xmlns:a="http://schemas.openxmlformats.org/drawingml/2006/main" xmlns:r="http://schemas.openxmlformats.org/officeDocument/2006/relationships" xmlns:mc="http://schemas.openxmlformats.org/markup-compatibility/2006" xmlns:mv="urn:schemas-microsoft-com:mac:vml" xmlns:p="http://schemas.openxmlformats.org/presentationml/2006/main" xmlns:c="http://schemas.openxmlformats.org/drawingml/2006/chart" xmlns:dgm="http://schemas.openxmlformats.org/drawingml/2006/diagram" xmlns:o="urn:schemas-microsoft-com:office:office" xmlns:v="urn:schemas-microsoft-com:vml" xmlns:pvml="urn:schemas-microsoft-com:office:powerpoint" xmlns:com="http://schemas.openxmlformats.org/drawingml/2006/compatibility" xmlns:p14="http://schemas.microsoft.com/office/powerpoint/2010/main" xmlns:p15="http://schemas.microsoft.com/office/powerpoint/2012/main">
-  <p:cSld>
-    <p:spTree>
-      <p:nvGrpSpPr>
-        <p:cNvPr id="461" name="Shape 461"/>
-        <p:cNvGrpSpPr/>
-        <p:nvPr/>
-      </p:nvGrpSpPr>
-      <p:grpSpPr>
-        <a:xfrm>
-          <a:off x="0" y="0"/>
-          <a:ext cx="0" cy="0"/>
-          <a:chOff x="0" y="0"/>
-          <a:chExt cx="0" cy="0"/>
-        </a:xfrm>
-      </p:grpSpPr>
-      <p:sp>
-        <p:nvSpPr>
-          <p:cNvPr id="462" name="Shape 462"/>
-          <p:cNvSpPr txBox="1"/>
-          <p:nvPr>
-            <p:ph type="title"/>
-          </p:nvPr>
-        </p:nvSpPr>
-        <p:spPr>
-          <a:xfrm>
-            <a:off x="1303800" y="598575"/>
-            <a:ext cx="7030500" cy="999300"/>
-          </a:xfrm>
-          <a:prstGeom prst="rect">
-            <a:avLst/>
-          </a:prstGeom>
-        </p:spPr>
-        <p:txBody>
-          <a:bodyPr anchorCtr="0" anchor="t" bIns="91425" lIns="91425" spcFirstLastPara="1" rIns="91425" wrap="square" tIns="91425">
-            <a:noAutofit/>
-          </a:bodyPr>
-          <a:lstStyle/>
-          <a:p>
-            <a:pPr indent="0" lvl="0" marL="0" rtl="0">
-              <a:spcBef>
-                <a:spcPts val="0"/>
-              </a:spcBef>
-              <a:spcAft>
-                <a:spcPts val="0"/>
-              </a:spcAft>
-              <a:buNone/>
-            </a:pPr>
-            <a:r>
-              <a:rPr lang="en" sz="2600"/>
-              <a:t>General Twitter Users vs Official Accounts</a:t>
-            </a:r>
-            <a:endParaRPr sz="2600"/>
-          </a:p>
-        </p:txBody>
-      </p:sp>
-      <p:pic>
-        <p:nvPicPr>
-          <p:cNvPr id="463" name="Shape 463"/>
           <p:cNvPicPr preferRelativeResize="0"/>
           <p:nvPr/>
         </p:nvPicPr>
@@ -25093,7 +23828,7 @@
       </p:pic>
       <p:pic>
         <p:nvPicPr>
-          <p:cNvPr id="464" name="Shape 464"/>
+          <p:cNvPr id="458" name="Shape 458"/>
           <p:cNvPicPr preferRelativeResize="0"/>
           <p:nvPr/>
         </p:nvPicPr>
@@ -25109,6 +23844,98 @@
           <a:xfrm>
             <a:off x="4275725" y="1371600"/>
             <a:ext cx="4988274" cy="3325500"/>
+          </a:xfrm>
+          <a:prstGeom prst="rect">
+            <a:avLst/>
+          </a:prstGeom>
+          <a:noFill/>
+          <a:ln>
+            <a:noFill/>
+          </a:ln>
+        </p:spPr>
+      </p:pic>
+    </p:spTree>
+  </p:cSld>
+  <p:clrMapOvr>
+    <a:masterClrMapping/>
+  </p:clrMapOvr>
+</p:sld>
+</file>
+
+<file path=ppt/slides/slide29.xml><?xml version="1.0" encoding="utf-8"?>
+<p:sld xmlns:a="http://schemas.openxmlformats.org/drawingml/2006/main" xmlns:r="http://schemas.openxmlformats.org/officeDocument/2006/relationships" xmlns:mc="http://schemas.openxmlformats.org/markup-compatibility/2006" xmlns:mv="urn:schemas-microsoft-com:mac:vml" xmlns:p="http://schemas.openxmlformats.org/presentationml/2006/main" xmlns:c="http://schemas.openxmlformats.org/drawingml/2006/chart" xmlns:dgm="http://schemas.openxmlformats.org/drawingml/2006/diagram" xmlns:o="urn:schemas-microsoft-com:office:office" xmlns:v="urn:schemas-microsoft-com:vml" xmlns:pvml="urn:schemas-microsoft-com:office:powerpoint" xmlns:com="http://schemas.openxmlformats.org/drawingml/2006/compatibility" xmlns:p14="http://schemas.microsoft.com/office/powerpoint/2010/main" xmlns:p15="http://schemas.microsoft.com/office/powerpoint/2012/main">
+  <p:cSld>
+    <p:spTree>
+      <p:nvGrpSpPr>
+        <p:cNvPr id="462" name="Shape 462"/>
+        <p:cNvGrpSpPr/>
+        <p:nvPr/>
+      </p:nvGrpSpPr>
+      <p:grpSpPr>
+        <a:xfrm>
+          <a:off x="0" y="0"/>
+          <a:ext cx="0" cy="0"/>
+          <a:chOff x="0" y="0"/>
+          <a:chExt cx="0" cy="0"/>
+        </a:xfrm>
+      </p:grpSpPr>
+      <p:sp>
+        <p:nvSpPr>
+          <p:cNvPr id="463" name="Shape 463"/>
+          <p:cNvSpPr txBox="1"/>
+          <p:nvPr>
+            <p:ph type="title"/>
+          </p:nvPr>
+        </p:nvSpPr>
+        <p:spPr>
+          <a:xfrm>
+            <a:off x="1303800" y="598575"/>
+            <a:ext cx="7030500" cy="999300"/>
+          </a:xfrm>
+          <a:prstGeom prst="rect">
+            <a:avLst/>
+          </a:prstGeom>
+        </p:spPr>
+        <p:txBody>
+          <a:bodyPr anchorCtr="0" anchor="t" bIns="91425" lIns="91425" spcFirstLastPara="1" rIns="91425" wrap="square" tIns="91425">
+            <a:noAutofit/>
+          </a:bodyPr>
+          <a:lstStyle/>
+          <a:p>
+            <a:pPr indent="0" lvl="0" marL="0">
+              <a:spcBef>
+                <a:spcPts val="0"/>
+              </a:spcBef>
+              <a:spcAft>
+                <a:spcPts val="0"/>
+              </a:spcAft>
+              <a:buNone/>
+            </a:pPr>
+            <a:r>
+              <a:t/>
+            </a:r>
+            <a:endParaRPr/>
+          </a:p>
+        </p:txBody>
+      </p:sp>
+      <p:pic>
+        <p:nvPicPr>
+          <p:cNvPr id="464" name="Shape 464"/>
+          <p:cNvPicPr preferRelativeResize="0"/>
+          <p:nvPr/>
+        </p:nvPicPr>
+        <p:blipFill>
+          <a:blip r:embed="rId3">
+            <a:alphaModFix/>
+          </a:blip>
+          <a:stretch>
+            <a:fillRect/>
+          </a:stretch>
+        </p:blipFill>
+        <p:spPr>
+          <a:xfrm>
+            <a:off x="0" y="1455065"/>
+            <a:ext cx="9143999" cy="2233369"/>
           </a:xfrm>
           <a:prstGeom prst="rect">
             <a:avLst/>
@@ -25418,7 +24245,7 @@
         <p:spPr>
           <a:xfrm>
             <a:off x="1303800" y="598575"/>
-            <a:ext cx="7030500" cy="999300"/>
+            <a:ext cx="7030500" cy="592200"/>
           </a:xfrm>
           <a:prstGeom prst="rect">
             <a:avLst/>
@@ -25440,30 +24267,23 @@
               <a:buNone/>
             </a:pPr>
             <a:r>
-              <a:t/>
+              <a:rPr lang="en"/>
+              <a:t>Ravens &amp; Deaths</a:t>
             </a:r>
             <a:endParaRPr/>
           </a:p>
         </p:txBody>
       </p:sp>
-      <p:pic>
-        <p:nvPicPr>
+      <p:sp>
+        <p:nvSpPr>
           <p:cNvPr id="470" name="Shape 470"/>
-          <p:cNvPicPr preferRelativeResize="0"/>
+          <p:cNvSpPr txBox="1"/>
           <p:nvPr/>
-        </p:nvPicPr>
-        <p:blipFill>
-          <a:blip r:embed="rId3">
-            <a:alphaModFix/>
-          </a:blip>
-          <a:stretch>
-            <a:fillRect/>
-          </a:stretch>
-        </p:blipFill>
+        </p:nvSpPr>
         <p:spPr>
           <a:xfrm>
-            <a:off x="0" y="1455065"/>
-            <a:ext cx="9143999" cy="2233369"/>
+            <a:off x="1303800" y="1652775"/>
+            <a:ext cx="7030500" cy="2513100"/>
           </a:xfrm>
           <a:prstGeom prst="rect">
             <a:avLst/>
@@ -25473,7 +24293,103 @@
             <a:noFill/>
           </a:ln>
         </p:spPr>
-      </p:pic>
+        <p:txBody>
+          <a:bodyPr anchorCtr="0" anchor="t" bIns="91425" lIns="91425" spcFirstLastPara="1" rIns="91425" wrap="square" tIns="91425">
+            <a:noAutofit/>
+          </a:bodyPr>
+          <a:lstStyle/>
+          <a:p>
+            <a:pPr indent="0" lvl="0" marL="0">
+              <a:spcBef>
+                <a:spcPts val="0"/>
+              </a:spcBef>
+              <a:spcAft>
+                <a:spcPts val="0"/>
+              </a:spcAft>
+              <a:buNone/>
+            </a:pPr>
+            <a:r>
+              <a:rPr b="1" lang="en" sz="1800"/>
+              <a:t>Motivation &amp; Questions</a:t>
+            </a:r>
+            <a:endParaRPr b="1" sz="1800"/>
+          </a:p>
+          <a:p>
+            <a:pPr indent="-317500" lvl="0" marL="457200" rtl="0">
+              <a:spcBef>
+                <a:spcPts val="0"/>
+              </a:spcBef>
+              <a:spcAft>
+                <a:spcPts val="0"/>
+              </a:spcAft>
+              <a:buSzPts val="1400"/>
+              <a:buChar char="●"/>
+            </a:pPr>
+            <a:r>
+              <a:rPr lang="en"/>
+              <a:t>Explore the ways in which the episode sentiment (Vader) had been affected by the occurrence of certain story developments.</a:t>
+            </a:r>
+            <a:endParaRPr/>
+          </a:p>
+          <a:p>
+            <a:pPr indent="-317500" lvl="1" marL="914400" rtl="0">
+              <a:spcBef>
+                <a:spcPts val="0"/>
+              </a:spcBef>
+              <a:spcAft>
+                <a:spcPts val="0"/>
+              </a:spcAft>
+              <a:buSzPts val="1400"/>
+              <a:buChar char="○"/>
+            </a:pPr>
+            <a:r>
+              <a:rPr b="1" lang="en"/>
+              <a:t>Ravens-</a:t>
+            </a:r>
+            <a:r>
+              <a:rPr lang="en"/>
+              <a:t> GoT uses ravens to communicate messages from character to character; for the writers, these plot devices serve as transition place-keepers to move the main story along. For the purposes of analysis, in the event a raven is sent, does this have an impact on overall episode sentiment (good/bad news)?</a:t>
+            </a:r>
+            <a:endParaRPr/>
+          </a:p>
+          <a:p>
+            <a:pPr indent="-317500" lvl="1" marL="914400" rtl="0">
+              <a:spcBef>
+                <a:spcPts val="0"/>
+              </a:spcBef>
+              <a:spcAft>
+                <a:spcPts val="0"/>
+              </a:spcAft>
+              <a:buSzPts val="1400"/>
+              <a:buChar char="○"/>
+            </a:pPr>
+            <a:r>
+              <a:rPr b="1" lang="en"/>
+              <a:t>Deaths-</a:t>
+            </a:r>
+            <a:r>
+              <a:rPr lang="en"/>
+              <a:t> GoT is infamous for its gratuitous violence, how will the deaths of the main characters affect the overall sentiment for each episode?</a:t>
+            </a:r>
+            <a:endParaRPr/>
+          </a:p>
+          <a:p>
+            <a:pPr indent="0" lvl="0" marL="0">
+              <a:spcBef>
+                <a:spcPts val="0"/>
+              </a:spcBef>
+              <a:spcAft>
+                <a:spcPts val="0"/>
+              </a:spcAft>
+              <a:buNone/>
+            </a:pPr>
+            <a:r>
+              <a:t/>
+            </a:r>
+            <a:endParaRPr/>
+          </a:p>
+        </p:txBody>
+      </p:sp>
     </p:spTree>
   </p:cSld>
   <p:clrMapOvr>
@@ -25510,187 +24426,6 @@
         <p:spPr>
           <a:xfrm>
             <a:off x="1303800" y="598575"/>
-            <a:ext cx="7030500" cy="592200"/>
-          </a:xfrm>
-          <a:prstGeom prst="rect">
-            <a:avLst/>
-          </a:prstGeom>
-        </p:spPr>
-        <p:txBody>
-          <a:bodyPr anchorCtr="0" anchor="t" bIns="91425" lIns="91425" spcFirstLastPara="1" rIns="91425" wrap="square" tIns="91425">
-            <a:noAutofit/>
-          </a:bodyPr>
-          <a:lstStyle/>
-          <a:p>
-            <a:pPr indent="0" lvl="0" marL="0">
-              <a:spcBef>
-                <a:spcPts val="0"/>
-              </a:spcBef>
-              <a:spcAft>
-                <a:spcPts val="0"/>
-              </a:spcAft>
-              <a:buNone/>
-            </a:pPr>
-            <a:r>
-              <a:rPr lang="en"/>
-              <a:t>Ravens &amp; Deaths</a:t>
-            </a:r>
-            <a:endParaRPr/>
-          </a:p>
-        </p:txBody>
-      </p:sp>
-      <p:sp>
-        <p:nvSpPr>
-          <p:cNvPr id="476" name="Shape 476"/>
-          <p:cNvSpPr txBox="1"/>
-          <p:nvPr/>
-        </p:nvSpPr>
-        <p:spPr>
-          <a:xfrm>
-            <a:off x="1303675" y="1671950"/>
-            <a:ext cx="7030500" cy="2513100"/>
-          </a:xfrm>
-          <a:prstGeom prst="rect">
-            <a:avLst/>
-          </a:prstGeom>
-          <a:noFill/>
-          <a:ln>
-            <a:noFill/>
-          </a:ln>
-        </p:spPr>
-        <p:txBody>
-          <a:bodyPr anchorCtr="0" anchor="t" bIns="91425" lIns="91425" spcFirstLastPara="1" rIns="91425" wrap="square" tIns="91425">
-            <a:noAutofit/>
-          </a:bodyPr>
-          <a:lstStyle/>
-          <a:p>
-            <a:pPr indent="0" lvl="0" marL="0">
-              <a:spcBef>
-                <a:spcPts val="0"/>
-              </a:spcBef>
-              <a:spcAft>
-                <a:spcPts val="0"/>
-              </a:spcAft>
-              <a:buNone/>
-            </a:pPr>
-            <a:r>
-              <a:rPr b="1" lang="en" sz="1800"/>
-              <a:t>Motivation &amp; Questions</a:t>
-            </a:r>
-            <a:endParaRPr b="1" sz="1800"/>
-          </a:p>
-          <a:p>
-            <a:pPr indent="-317500" lvl="0" marL="457200" rtl="0">
-              <a:spcBef>
-                <a:spcPts val="0"/>
-              </a:spcBef>
-              <a:spcAft>
-                <a:spcPts val="0"/>
-              </a:spcAft>
-              <a:buSzPts val="1400"/>
-              <a:buChar char="●"/>
-            </a:pPr>
-            <a:r>
-              <a:rPr lang="en"/>
-              <a:t>Explore the ways in which the episode sentiment (Vader) had been affected by the occurrence of certain story developments.</a:t>
-            </a:r>
-            <a:endParaRPr/>
-          </a:p>
-          <a:p>
-            <a:pPr indent="-317500" lvl="1" marL="914400" rtl="0">
-              <a:spcBef>
-                <a:spcPts val="0"/>
-              </a:spcBef>
-              <a:spcAft>
-                <a:spcPts val="0"/>
-              </a:spcAft>
-              <a:buSzPts val="1400"/>
-              <a:buChar char="○"/>
-            </a:pPr>
-            <a:r>
-              <a:rPr b="1" lang="en"/>
-              <a:t>Ravens-</a:t>
-            </a:r>
-            <a:r>
-              <a:rPr lang="en"/>
-              <a:t> GoT uses ravens to communicate messages from character to character; for the writers, these plot devices serve as transition place-keepers to move the main story along. For the purposes of analysis, in the event a raven is sent, does this have an impact on overall episode sentiment (good/bad news)?</a:t>
-            </a:r>
-            <a:endParaRPr/>
-          </a:p>
-          <a:p>
-            <a:pPr indent="-317500" lvl="1" marL="914400" rtl="0">
-              <a:spcBef>
-                <a:spcPts val="0"/>
-              </a:spcBef>
-              <a:spcAft>
-                <a:spcPts val="0"/>
-              </a:spcAft>
-              <a:buSzPts val="1400"/>
-              <a:buChar char="○"/>
-            </a:pPr>
-            <a:r>
-              <a:rPr b="1" lang="en"/>
-              <a:t>Deaths-</a:t>
-            </a:r>
-            <a:r>
-              <a:rPr lang="en"/>
-              <a:t> GoT is infamous for its gratuitous violence, how will the deaths of the main characters affect the overall sentiment for each episode?</a:t>
-            </a:r>
-            <a:endParaRPr/>
-          </a:p>
-          <a:p>
-            <a:pPr indent="0" lvl="0" marL="0">
-              <a:spcBef>
-                <a:spcPts val="0"/>
-              </a:spcBef>
-              <a:spcAft>
-                <a:spcPts val="0"/>
-              </a:spcAft>
-              <a:buNone/>
-            </a:pPr>
-            <a:r>
-              <a:t/>
-            </a:r>
-            <a:endParaRPr/>
-          </a:p>
-        </p:txBody>
-      </p:sp>
-    </p:spTree>
-  </p:cSld>
-  <p:clrMapOvr>
-    <a:masterClrMapping/>
-  </p:clrMapOvr>
-</p:sld>
-</file>
-
-<file path=ppt/slides/slide32.xml><?xml version="1.0" encoding="utf-8"?>
-<p:sld xmlns:a="http://schemas.openxmlformats.org/drawingml/2006/main" xmlns:r="http://schemas.openxmlformats.org/officeDocument/2006/relationships" xmlns:mc="http://schemas.openxmlformats.org/markup-compatibility/2006" xmlns:mv="urn:schemas-microsoft-com:mac:vml" xmlns:p="http://schemas.openxmlformats.org/presentationml/2006/main" xmlns:c="http://schemas.openxmlformats.org/drawingml/2006/chart" xmlns:dgm="http://schemas.openxmlformats.org/drawingml/2006/diagram" xmlns:o="urn:schemas-microsoft-com:office:office" xmlns:v="urn:schemas-microsoft-com:vml" xmlns:pvml="urn:schemas-microsoft-com:office:powerpoint" xmlns:com="http://schemas.openxmlformats.org/drawingml/2006/compatibility" xmlns:p14="http://schemas.microsoft.com/office/powerpoint/2010/main" xmlns:p15="http://schemas.microsoft.com/office/powerpoint/2012/main">
-  <p:cSld>
-    <p:spTree>
-      <p:nvGrpSpPr>
-        <p:cNvPr id="480" name="Shape 480"/>
-        <p:cNvGrpSpPr/>
-        <p:nvPr/>
-      </p:nvGrpSpPr>
-      <p:grpSpPr>
-        <a:xfrm>
-          <a:off x="0" y="0"/>
-          <a:ext cx="0" cy="0"/>
-          <a:chOff x="0" y="0"/>
-          <a:chExt cx="0" cy="0"/>
-        </a:xfrm>
-      </p:grpSpPr>
-      <p:sp>
-        <p:nvSpPr>
-          <p:cNvPr id="481" name="Shape 481"/>
-          <p:cNvSpPr txBox="1"/>
-          <p:nvPr>
-            <p:ph type="title"/>
-          </p:nvPr>
-        </p:nvSpPr>
-        <p:spPr>
-          <a:xfrm>
-            <a:off x="1303800" y="598575"/>
             <a:ext cx="7030500" cy="570300"/>
           </a:xfrm>
           <a:prstGeom prst="rect">
@@ -25722,7 +24457,7 @@
       </p:sp>
       <p:sp>
         <p:nvSpPr>
-          <p:cNvPr id="482" name="Shape 482"/>
+          <p:cNvPr id="476" name="Shape 476"/>
           <p:cNvSpPr txBox="1"/>
           <p:nvPr/>
         </p:nvSpPr>
@@ -25763,7 +24498,7 @@
       </p:sp>
       <p:sp>
         <p:nvSpPr>
-          <p:cNvPr id="483" name="Shape 483"/>
+          <p:cNvPr id="477" name="Shape 477"/>
           <p:cNvSpPr txBox="1"/>
           <p:nvPr/>
         </p:nvSpPr>
@@ -25904,7 +24639,7 @@
       </p:sp>
       <p:pic>
         <p:nvPicPr>
-          <p:cNvPr id="484" name="Shape 484"/>
+          <p:cNvPr id="478" name="Shape 478"/>
           <p:cNvPicPr preferRelativeResize="0"/>
           <p:nvPr/>
         </p:nvPicPr>
@@ -25938,12 +24673,12 @@
 </p:sld>
 </file>
 
-<file path=ppt/slides/slide33.xml><?xml version="1.0" encoding="utf-8"?>
+<file path=ppt/slides/slide32.xml><?xml version="1.0" encoding="utf-8"?>
 <p:sld xmlns:a="http://schemas.openxmlformats.org/drawingml/2006/main" xmlns:r="http://schemas.openxmlformats.org/officeDocument/2006/relationships" xmlns:mc="http://schemas.openxmlformats.org/markup-compatibility/2006" xmlns:mv="urn:schemas-microsoft-com:mac:vml" xmlns:p="http://schemas.openxmlformats.org/presentationml/2006/main" xmlns:c="http://schemas.openxmlformats.org/drawingml/2006/chart" xmlns:dgm="http://schemas.openxmlformats.org/drawingml/2006/diagram" xmlns:o="urn:schemas-microsoft-com:office:office" xmlns:v="urn:schemas-microsoft-com:vml" xmlns:pvml="urn:schemas-microsoft-com:office:powerpoint" xmlns:com="http://schemas.openxmlformats.org/drawingml/2006/compatibility" xmlns:p14="http://schemas.microsoft.com/office/powerpoint/2010/main" xmlns:p15="http://schemas.microsoft.com/office/powerpoint/2012/main">
   <p:cSld>
     <p:spTree>
       <p:nvGrpSpPr>
-        <p:cNvPr id="488" name="Shape 488"/>
+        <p:cNvPr id="482" name="Shape 482"/>
         <p:cNvGrpSpPr/>
         <p:nvPr/>
       </p:nvGrpSpPr>
@@ -25957,7 +24692,7 @@
       </p:grpSpPr>
       <p:sp>
         <p:nvSpPr>
-          <p:cNvPr id="489" name="Shape 489"/>
+          <p:cNvPr id="483" name="Shape 483"/>
           <p:cNvSpPr txBox="1"/>
           <p:nvPr>
             <p:ph type="title"/>
@@ -25997,7 +24732,7 @@
       </p:sp>
       <p:sp>
         <p:nvSpPr>
-          <p:cNvPr id="490" name="Shape 490"/>
+          <p:cNvPr id="484" name="Shape 484"/>
           <p:cNvSpPr txBox="1"/>
           <p:nvPr/>
         </p:nvSpPr>
@@ -26337,7 +25072,7 @@
       </p:sp>
       <p:pic>
         <p:nvPicPr>
-          <p:cNvPr id="491" name="Shape 491"/>
+          <p:cNvPr id="485" name="Shape 485"/>
           <p:cNvPicPr preferRelativeResize="0"/>
           <p:nvPr/>
         </p:nvPicPr>
@@ -26371,12 +25106,12 @@
 </p:sld>
 </file>
 
-<file path=ppt/slides/slide34.xml><?xml version="1.0" encoding="utf-8"?>
+<file path=ppt/slides/slide33.xml><?xml version="1.0" encoding="utf-8"?>
 <p:sld xmlns:a="http://schemas.openxmlformats.org/drawingml/2006/main" xmlns:r="http://schemas.openxmlformats.org/officeDocument/2006/relationships" xmlns:mc="http://schemas.openxmlformats.org/markup-compatibility/2006" xmlns:mv="urn:schemas-microsoft-com:mac:vml" xmlns:p="http://schemas.openxmlformats.org/presentationml/2006/main" xmlns:c="http://schemas.openxmlformats.org/drawingml/2006/chart" xmlns:dgm="http://schemas.openxmlformats.org/drawingml/2006/diagram" xmlns:o="urn:schemas-microsoft-com:office:office" xmlns:v="urn:schemas-microsoft-com:vml" xmlns:pvml="urn:schemas-microsoft-com:office:powerpoint" xmlns:com="http://schemas.openxmlformats.org/drawingml/2006/compatibility" xmlns:p14="http://schemas.microsoft.com/office/powerpoint/2010/main" xmlns:p15="http://schemas.microsoft.com/office/powerpoint/2012/main">
   <p:cSld>
     <p:spTree>
       <p:nvGrpSpPr>
-        <p:cNvPr id="495" name="Shape 495"/>
+        <p:cNvPr id="489" name="Shape 489"/>
         <p:cNvGrpSpPr/>
         <p:nvPr/>
       </p:nvGrpSpPr>
@@ -26390,7 +25125,7 @@
       </p:grpSpPr>
       <p:sp>
         <p:nvSpPr>
-          <p:cNvPr id="496" name="Shape 496"/>
+          <p:cNvPr id="490" name="Shape 490"/>
           <p:cNvSpPr txBox="1"/>
           <p:nvPr>
             <p:ph type="title"/>
@@ -26434,7 +25169,7 @@
       </p:sp>
       <p:sp>
         <p:nvSpPr>
-          <p:cNvPr id="497" name="Shape 497"/>
+          <p:cNvPr id="491" name="Shape 491"/>
           <p:cNvSpPr txBox="1"/>
           <p:nvPr/>
         </p:nvSpPr>
@@ -26491,7 +25226,7 @@
       </p:sp>
       <p:pic>
         <p:nvPicPr>
-          <p:cNvPr id="498" name="Shape 498"/>
+          <p:cNvPr id="492" name="Shape 492"/>
           <p:cNvPicPr preferRelativeResize="0"/>
           <p:nvPr/>
         </p:nvPicPr>
@@ -26525,12 +25260,12 @@
 </p:sld>
 </file>
 
-<file path=ppt/slides/slide35.xml><?xml version="1.0" encoding="utf-8"?>
+<file path=ppt/slides/slide34.xml><?xml version="1.0" encoding="utf-8"?>
 <p:sld xmlns:a="http://schemas.openxmlformats.org/drawingml/2006/main" xmlns:r="http://schemas.openxmlformats.org/officeDocument/2006/relationships" xmlns:mc="http://schemas.openxmlformats.org/markup-compatibility/2006" xmlns:mv="urn:schemas-microsoft-com:mac:vml" xmlns:p="http://schemas.openxmlformats.org/presentationml/2006/main" xmlns:c="http://schemas.openxmlformats.org/drawingml/2006/chart" xmlns:dgm="http://schemas.openxmlformats.org/drawingml/2006/diagram" xmlns:o="urn:schemas-microsoft-com:office:office" xmlns:v="urn:schemas-microsoft-com:vml" xmlns:pvml="urn:schemas-microsoft-com:office:powerpoint" xmlns:com="http://schemas.openxmlformats.org/drawingml/2006/compatibility" xmlns:p14="http://schemas.microsoft.com/office/powerpoint/2010/main" xmlns:p15="http://schemas.microsoft.com/office/powerpoint/2012/main">
   <p:cSld>
     <p:spTree>
       <p:nvGrpSpPr>
-        <p:cNvPr id="502" name="Shape 502"/>
+        <p:cNvPr id="496" name="Shape 496"/>
         <p:cNvGrpSpPr/>
         <p:nvPr/>
       </p:nvGrpSpPr>
@@ -26544,7 +25279,7 @@
       </p:grpSpPr>
       <p:sp>
         <p:nvSpPr>
-          <p:cNvPr id="503" name="Shape 503"/>
+          <p:cNvPr id="497" name="Shape 497"/>
           <p:cNvSpPr txBox="1"/>
           <p:nvPr>
             <p:ph type="title"/>
@@ -26584,7 +25319,7 @@
       </p:sp>
       <p:sp>
         <p:nvSpPr>
-          <p:cNvPr id="504" name="Shape 504"/>
+          <p:cNvPr id="498" name="Shape 498"/>
           <p:cNvSpPr txBox="1"/>
           <p:nvPr/>
         </p:nvSpPr>
@@ -26732,7 +25467,7 @@
       </p:sp>
       <p:pic>
         <p:nvPicPr>
-          <p:cNvPr id="505" name="Shape 505"/>
+          <p:cNvPr id="499" name="Shape 499"/>
           <p:cNvPicPr preferRelativeResize="0"/>
           <p:nvPr/>
         </p:nvPicPr>
@@ -26760,7 +25495,7 @@
       </p:pic>
       <p:pic>
         <p:nvPicPr>
-          <p:cNvPr id="506" name="Shape 506"/>
+          <p:cNvPr id="500" name="Shape 500"/>
           <p:cNvPicPr preferRelativeResize="0"/>
           <p:nvPr/>
         </p:nvPicPr>
@@ -26794,12 +25529,12 @@
 </p:sld>
 </file>
 
-<file path=ppt/slides/slide36.xml><?xml version="1.0" encoding="utf-8"?>
+<file path=ppt/slides/slide35.xml><?xml version="1.0" encoding="utf-8"?>
 <p:sld xmlns:a="http://schemas.openxmlformats.org/drawingml/2006/main" xmlns:r="http://schemas.openxmlformats.org/officeDocument/2006/relationships" xmlns:mc="http://schemas.openxmlformats.org/markup-compatibility/2006" xmlns:mv="urn:schemas-microsoft-com:mac:vml" xmlns:p="http://schemas.openxmlformats.org/presentationml/2006/main" xmlns:c="http://schemas.openxmlformats.org/drawingml/2006/chart" xmlns:dgm="http://schemas.openxmlformats.org/drawingml/2006/diagram" xmlns:o="urn:schemas-microsoft-com:office:office" xmlns:v="urn:schemas-microsoft-com:vml" xmlns:pvml="urn:schemas-microsoft-com:office:powerpoint" xmlns:com="http://schemas.openxmlformats.org/drawingml/2006/compatibility" xmlns:p14="http://schemas.microsoft.com/office/powerpoint/2010/main" xmlns:p15="http://schemas.microsoft.com/office/powerpoint/2012/main">
   <p:cSld>
     <p:spTree>
       <p:nvGrpSpPr>
-        <p:cNvPr id="510" name="Shape 510"/>
+        <p:cNvPr id="504" name="Shape 504"/>
         <p:cNvGrpSpPr/>
         <p:nvPr/>
       </p:nvGrpSpPr>
@@ -26813,7 +25548,7 @@
       </p:grpSpPr>
       <p:sp>
         <p:nvSpPr>
-          <p:cNvPr id="511" name="Shape 511"/>
+          <p:cNvPr id="505" name="Shape 505"/>
           <p:cNvSpPr txBox="1"/>
           <p:nvPr>
             <p:ph type="title"/>
@@ -26853,7 +25588,7 @@
       </p:sp>
       <p:sp>
         <p:nvSpPr>
-          <p:cNvPr id="512" name="Shape 512"/>
+          <p:cNvPr id="506" name="Shape 506"/>
           <p:cNvSpPr txBox="1"/>
           <p:nvPr/>
         </p:nvSpPr>
@@ -26926,7 +25661,7 @@
       </p:sp>
       <p:pic>
         <p:nvPicPr>
-          <p:cNvPr id="513" name="Shape 513"/>
+          <p:cNvPr id="507" name="Shape 507"/>
           <p:cNvPicPr preferRelativeResize="0"/>
           <p:nvPr/>
         </p:nvPicPr>
@@ -26960,12 +25695,12 @@
 </p:sld>
 </file>
 
-<file path=ppt/slides/slide37.xml><?xml version="1.0" encoding="utf-8"?>
+<file path=ppt/slides/slide36.xml><?xml version="1.0" encoding="utf-8"?>
 <p:sld xmlns:a="http://schemas.openxmlformats.org/drawingml/2006/main" xmlns:r="http://schemas.openxmlformats.org/officeDocument/2006/relationships" xmlns:mc="http://schemas.openxmlformats.org/markup-compatibility/2006" xmlns:mv="urn:schemas-microsoft-com:mac:vml" xmlns:p="http://schemas.openxmlformats.org/presentationml/2006/main" xmlns:c="http://schemas.openxmlformats.org/drawingml/2006/chart" xmlns:dgm="http://schemas.openxmlformats.org/drawingml/2006/diagram" xmlns:o="urn:schemas-microsoft-com:office:office" xmlns:v="urn:schemas-microsoft-com:vml" xmlns:pvml="urn:schemas-microsoft-com:office:powerpoint" xmlns:com="http://schemas.openxmlformats.org/drawingml/2006/compatibility" xmlns:p14="http://schemas.microsoft.com/office/powerpoint/2010/main" xmlns:p15="http://schemas.microsoft.com/office/powerpoint/2012/main">
   <p:cSld>
     <p:spTree>
       <p:nvGrpSpPr>
-        <p:cNvPr id="517" name="Shape 517"/>
+        <p:cNvPr id="511" name="Shape 511"/>
         <p:cNvGrpSpPr/>
         <p:nvPr/>
       </p:nvGrpSpPr>
@@ -26979,7 +25714,7 @@
       </p:grpSpPr>
       <p:sp>
         <p:nvSpPr>
-          <p:cNvPr id="518" name="Shape 518"/>
+          <p:cNvPr id="512" name="Shape 512"/>
           <p:cNvSpPr txBox="1"/>
           <p:nvPr>
             <p:ph type="title"/>
@@ -27019,7 +25754,7 @@
       </p:sp>
       <p:pic>
         <p:nvPicPr>
-          <p:cNvPr id="519" name="Shape 519"/>
+          <p:cNvPr id="513" name="Shape 513"/>
           <p:cNvPicPr preferRelativeResize="0"/>
           <p:nvPr/>
         </p:nvPicPr>
@@ -27047,7 +25782,7 @@
       </p:pic>
       <p:pic>
         <p:nvPicPr>
-          <p:cNvPr id="520" name="Shape 520"/>
+          <p:cNvPr id="514" name="Shape 514"/>
           <p:cNvPicPr preferRelativeResize="0"/>
           <p:nvPr/>
         </p:nvPicPr>
@@ -27073,6 +25808,237 @@
           </a:ln>
         </p:spPr>
       </p:pic>
+    </p:spTree>
+  </p:cSld>
+  <p:clrMapOvr>
+    <a:masterClrMapping/>
+  </p:clrMapOvr>
+</p:sld>
+</file>
+
+<file path=ppt/slides/slide37.xml><?xml version="1.0" encoding="utf-8"?>
+<p:sld xmlns:a="http://schemas.openxmlformats.org/drawingml/2006/main" xmlns:r="http://schemas.openxmlformats.org/officeDocument/2006/relationships" xmlns:mc="http://schemas.openxmlformats.org/markup-compatibility/2006" xmlns:mv="urn:schemas-microsoft-com:mac:vml" xmlns:p="http://schemas.openxmlformats.org/presentationml/2006/main" xmlns:c="http://schemas.openxmlformats.org/drawingml/2006/chart" xmlns:dgm="http://schemas.openxmlformats.org/drawingml/2006/diagram" xmlns:o="urn:schemas-microsoft-com:office:office" xmlns:v="urn:schemas-microsoft-com:vml" xmlns:pvml="urn:schemas-microsoft-com:office:powerpoint" xmlns:com="http://schemas.openxmlformats.org/drawingml/2006/compatibility" xmlns:p14="http://schemas.microsoft.com/office/powerpoint/2010/main" xmlns:p15="http://schemas.microsoft.com/office/powerpoint/2012/main">
+  <p:cSld>
+    <p:spTree>
+      <p:nvGrpSpPr>
+        <p:cNvPr id="518" name="Shape 518"/>
+        <p:cNvGrpSpPr/>
+        <p:nvPr/>
+      </p:nvGrpSpPr>
+      <p:grpSpPr>
+        <a:xfrm>
+          <a:off x="0" y="0"/>
+          <a:ext cx="0" cy="0"/>
+          <a:chOff x="0" y="0"/>
+          <a:chExt cx="0" cy="0"/>
+        </a:xfrm>
+      </p:grpSpPr>
+      <p:sp>
+        <p:nvSpPr>
+          <p:cNvPr id="519" name="Shape 519"/>
+          <p:cNvSpPr txBox="1"/>
+          <p:nvPr>
+            <p:ph type="title"/>
+          </p:nvPr>
+        </p:nvSpPr>
+        <p:spPr>
+          <a:xfrm>
+            <a:off x="1303800" y="598575"/>
+            <a:ext cx="7030500" cy="570300"/>
+          </a:xfrm>
+          <a:prstGeom prst="rect">
+            <a:avLst/>
+          </a:prstGeom>
+        </p:spPr>
+        <p:txBody>
+          <a:bodyPr anchorCtr="0" anchor="t" bIns="91425" lIns="91425" spcFirstLastPara="1" rIns="91425" wrap="square" tIns="91425">
+            <a:noAutofit/>
+          </a:bodyPr>
+          <a:lstStyle/>
+          <a:p>
+            <a:pPr indent="0" lvl="0" marL="0" rtl="0">
+              <a:spcBef>
+                <a:spcPts val="0"/>
+              </a:spcBef>
+              <a:spcAft>
+                <a:spcPts val="0"/>
+              </a:spcAft>
+              <a:buNone/>
+            </a:pPr>
+            <a:r>
+              <a:rPr lang="en"/>
+              <a:t>Ravens &amp; Deaths</a:t>
+            </a:r>
+            <a:endParaRPr/>
+          </a:p>
+        </p:txBody>
+      </p:sp>
+      <p:sp>
+        <p:nvSpPr>
+          <p:cNvPr id="520" name="Shape 520"/>
+          <p:cNvSpPr txBox="1"/>
+          <p:nvPr/>
+        </p:nvSpPr>
+        <p:spPr>
+          <a:xfrm flipH="1">
+            <a:off x="1225900" y="1351050"/>
+            <a:ext cx="7113000" cy="3157200"/>
+          </a:xfrm>
+          <a:prstGeom prst="rect">
+            <a:avLst/>
+          </a:prstGeom>
+          <a:noFill/>
+          <a:ln>
+            <a:noFill/>
+          </a:ln>
+        </p:spPr>
+        <p:txBody>
+          <a:bodyPr anchorCtr="0" anchor="t" bIns="91425" lIns="91425" spcFirstLastPara="1" rIns="91425" wrap="square" tIns="91425">
+            <a:noAutofit/>
+          </a:bodyPr>
+          <a:lstStyle/>
+          <a:p>
+            <a:pPr indent="0" lvl="0" marL="0">
+              <a:spcBef>
+                <a:spcPts val="0"/>
+              </a:spcBef>
+              <a:spcAft>
+                <a:spcPts val="0"/>
+              </a:spcAft>
+              <a:buNone/>
+            </a:pPr>
+            <a:r>
+              <a:rPr b="1" lang="en"/>
+              <a:t>Summary (Findings)</a:t>
+            </a:r>
+            <a:endParaRPr b="1"/>
+          </a:p>
+          <a:p>
+            <a:pPr indent="0" lvl="0" marL="0">
+              <a:spcBef>
+                <a:spcPts val="0"/>
+              </a:spcBef>
+              <a:spcAft>
+                <a:spcPts val="0"/>
+              </a:spcAft>
+              <a:buNone/>
+            </a:pPr>
+            <a:r>
+              <a:t/>
+            </a:r>
+            <a:endParaRPr/>
+          </a:p>
+          <a:p>
+            <a:pPr indent="0" lvl="0" marL="0">
+              <a:spcBef>
+                <a:spcPts val="0"/>
+              </a:spcBef>
+              <a:spcAft>
+                <a:spcPts val="0"/>
+              </a:spcAft>
+              <a:buNone/>
+            </a:pPr>
+            <a:r>
+              <a:rPr i="1" lang="en"/>
+              <a:t>Does the frequency of ravens sent per episode have an impact on the episode sentiment? </a:t>
+            </a:r>
+            <a:endParaRPr i="1"/>
+          </a:p>
+          <a:p>
+            <a:pPr indent="0" lvl="0" marL="0">
+              <a:spcBef>
+                <a:spcPts val="0"/>
+              </a:spcBef>
+              <a:spcAft>
+                <a:spcPts val="0"/>
+              </a:spcAft>
+              <a:buNone/>
+            </a:pPr>
+            <a:r>
+              <a:t/>
+            </a:r>
+            <a:endParaRPr/>
+          </a:p>
+          <a:p>
+            <a:pPr indent="0" lvl="0" marL="0">
+              <a:spcBef>
+                <a:spcPts val="0"/>
+              </a:spcBef>
+              <a:spcAft>
+                <a:spcPts val="0"/>
+              </a:spcAft>
+              <a:buNone/>
+            </a:pPr>
+            <a:r>
+              <a:rPr lang="en"/>
+              <a:t>Not really. The outlier from S01E06 (Tyrion’s incarceration in the Vale).</a:t>
+            </a:r>
+            <a:endParaRPr/>
+          </a:p>
+          <a:p>
+            <a:pPr indent="0" lvl="0" marL="0">
+              <a:spcBef>
+                <a:spcPts val="0"/>
+              </a:spcBef>
+              <a:spcAft>
+                <a:spcPts val="0"/>
+              </a:spcAft>
+              <a:buNone/>
+            </a:pPr>
+            <a:r>
+              <a:t/>
+            </a:r>
+            <a:endParaRPr i="1"/>
+          </a:p>
+          <a:p>
+            <a:pPr indent="0" lvl="0" marL="0">
+              <a:spcBef>
+                <a:spcPts val="0"/>
+              </a:spcBef>
+              <a:spcAft>
+                <a:spcPts val="0"/>
+              </a:spcAft>
+              <a:buNone/>
+            </a:pPr>
+            <a:r>
+              <a:rPr i="1" lang="en"/>
+              <a:t>Does the frequency of deaths (to significant characters) have an impact on episode sentiment?</a:t>
+            </a:r>
+            <a:endParaRPr i="1"/>
+          </a:p>
+          <a:p>
+            <a:pPr indent="0" lvl="0" marL="0">
+              <a:spcBef>
+                <a:spcPts val="0"/>
+              </a:spcBef>
+              <a:spcAft>
+                <a:spcPts val="0"/>
+              </a:spcAft>
+              <a:buNone/>
+            </a:pPr>
+            <a:r>
+              <a:t/>
+            </a:r>
+            <a:endParaRPr/>
+          </a:p>
+          <a:p>
+            <a:pPr indent="0" lvl="0" marL="0" rtl="0">
+              <a:spcBef>
+                <a:spcPts val="0"/>
+              </a:spcBef>
+              <a:spcAft>
+                <a:spcPts val="0"/>
+              </a:spcAft>
+              <a:buNone/>
+            </a:pPr>
+            <a:r>
+              <a:rPr lang="en"/>
+              <a:t>Again difficult to say. However note that for episodes with more than six character deaths, the sentiment is negative. Season six is very brutal to our characters.</a:t>
+            </a:r>
+            <a:endParaRPr/>
+          </a:p>
+        </p:txBody>
+      </p:sp>
     </p:spTree>
   </p:cSld>
   <p:clrMapOvr>
@@ -27174,7 +26140,7 @@
             </a:pPr>
             <a:r>
               <a:rPr b="1" lang="en"/>
-              <a:t>Summary (Findings)</a:t>
+              <a:t>Post-Mortem</a:t>
             </a:r>
             <a:endParaRPr b="1"/>
           </a:p>
@@ -27191,6 +26157,22 @@
             <a:r>
               <a:t/>
             </a:r>
+            <a:endParaRPr b="1"/>
+          </a:p>
+          <a:p>
+            <a:pPr indent="0" lvl="0" marL="0">
+              <a:spcBef>
+                <a:spcPts val="0"/>
+              </a:spcBef>
+              <a:spcAft>
+                <a:spcPts val="0"/>
+              </a:spcAft>
+              <a:buNone/>
+            </a:pPr>
+            <a:r>
+              <a:rPr lang="en"/>
+              <a:t>Data Cleanup: (most difficult step), the JSON script did not indicate which character speaks the lines so in order to find the [Sender,Recipient,Origin,Destination,Description]</a:t>
+            </a:r>
             <a:endParaRPr/>
           </a:p>
           <a:p>
@@ -27204,23 +26186,12 @@
               <a:buNone/>
             </a:pPr>
             <a:r>
-              <a:rPr i="1" lang="en"/>
-              <a:t>Does the frequency of ravens sent per episode have an impact on the episode sentiment? </a:t>
-            </a:r>
-            <a:endParaRPr i="1"/>
-          </a:p>
-          <a:p>
-            <a:pPr indent="0" lvl="0" marL="0">
-              <a:spcBef>
-                <a:spcPts val="0"/>
-              </a:spcBef>
-              <a:spcAft>
-                <a:spcPts val="0"/>
-              </a:spcAft>
-              <a:buNone/>
-            </a:pPr>
-            <a:r>
-              <a:t/>
+              <a:rPr lang="en"/>
+              <a:t>e</a:t>
+            </a:r>
+            <a:r>
+              <a:rPr lang="en"/>
+              <a:t>ntries, I had to read (quite literally) between the lines to populate the entries.</a:t>
             </a:r>
             <a:endParaRPr/>
           </a:p>
@@ -27235,8 +26206,7 @@
               <a:buNone/>
             </a:pPr>
             <a:r>
-              <a:rPr lang="en"/>
-              <a:t>Not really. The outlier from S01E06 (Tyrion’s incarceration in the Vale).</a:t>
+              <a:t/>
             </a:r>
             <a:endParaRPr/>
           </a:p>
@@ -27251,9 +26221,10 @@
               <a:buNone/>
             </a:pPr>
             <a:r>
-              <a:t/>
-            </a:r>
-            <a:endParaRPr i="1"/>
+              <a:rPr lang="en"/>
+              <a:t>If there was more time to analyse the data, I would have like to find out:</a:t>
+            </a:r>
+            <a:endParaRPr/>
           </a:p>
           <a:p>
             <a:pPr indent="0" lvl="0" marL="0">
@@ -27266,10 +26237,10 @@
               <a:buNone/>
             </a:pPr>
             <a:r>
-              <a:rPr i="1" lang="en"/>
-              <a:t>Does the frequency of deaths (to significant characters) have an impact on episode sentiment?</a:t>
-            </a:r>
-            <a:endParaRPr i="1"/>
+              <a:rPr lang="en"/>
+              <a:t>Which characters sent the most ravens and for what purpose?</a:t>
+            </a:r>
+            <a:endParaRPr/>
           </a:p>
           <a:p>
             <a:pPr indent="0" lvl="0" marL="0">
@@ -27282,7 +26253,8 @@
               <a:buNone/>
             </a:pPr>
             <a:r>
-              <a:t/>
+              <a:rPr lang="en"/>
+              <a:t>How do characters die in GoT; what is the leading cause of death?</a:t>
             </a:r>
             <a:endParaRPr/>
           </a:p>
@@ -27298,7 +26270,37 @@
             </a:pPr>
             <a:r>
               <a:rPr lang="en"/>
-              <a:t>Again difficult to say. However note that for episodes with more than six character deaths, the sentiment is negative. Season six is very brutal to our characters.</a:t>
+              <a:t>Is there an API for the novels? Can I do the analysis on that data to find the differences between the book and the tv drama?</a:t>
+            </a:r>
+            <a:endParaRPr/>
+          </a:p>
+          <a:p>
+            <a:pPr indent="0" lvl="0" marL="0" rtl="0">
+              <a:spcBef>
+                <a:spcPts val="0"/>
+              </a:spcBef>
+              <a:spcAft>
+                <a:spcPts val="0"/>
+              </a:spcAft>
+              <a:buNone/>
+            </a:pPr>
+            <a:r>
+              <a:t/>
+            </a:r>
+            <a:endParaRPr/>
+          </a:p>
+          <a:p>
+            <a:pPr indent="0" lvl="0" marL="0" rtl="0">
+              <a:spcBef>
+                <a:spcPts val="0"/>
+              </a:spcBef>
+              <a:spcAft>
+                <a:spcPts val="0"/>
+              </a:spcAft>
+              <a:buNone/>
+            </a:pPr>
+            <a:r>
+              <a:t/>
             </a:r>
             <a:endParaRPr/>
           </a:p>
@@ -27340,7 +26342,7 @@
         <p:spPr>
           <a:xfrm>
             <a:off x="1303800" y="598575"/>
-            <a:ext cx="7030500" cy="570300"/>
+            <a:ext cx="7030500" cy="999300"/>
           </a:xfrm>
           <a:prstGeom prst="rect">
             <a:avLst/>
@@ -27352,7 +26354,7 @@
           </a:bodyPr>
           <a:lstStyle/>
           <a:p>
-            <a:pPr indent="0" lvl="0" marL="0" rtl="0">
+            <a:pPr indent="0" lvl="0" marL="0">
               <a:spcBef>
                 <a:spcPts val="0"/>
               </a:spcBef>
@@ -27363,209 +26365,7 @@
             </a:pPr>
             <a:r>
               <a:rPr lang="en"/>
-              <a:t>Ravens &amp; Deaths</a:t>
-            </a:r>
-            <a:endParaRPr/>
-          </a:p>
-        </p:txBody>
-      </p:sp>
-      <p:sp>
-        <p:nvSpPr>
-          <p:cNvPr id="532" name="Shape 532"/>
-          <p:cNvSpPr txBox="1"/>
-          <p:nvPr/>
-        </p:nvSpPr>
-        <p:spPr>
-          <a:xfrm flipH="1">
-            <a:off x="1225900" y="1351050"/>
-            <a:ext cx="7113000" cy="3157200"/>
-          </a:xfrm>
-          <a:prstGeom prst="rect">
-            <a:avLst/>
-          </a:prstGeom>
-          <a:noFill/>
-          <a:ln>
-            <a:noFill/>
-          </a:ln>
-        </p:spPr>
-        <p:txBody>
-          <a:bodyPr anchorCtr="0" anchor="t" bIns="91425" lIns="91425" spcFirstLastPara="1" rIns="91425" wrap="square" tIns="91425">
-            <a:noAutofit/>
-          </a:bodyPr>
-          <a:lstStyle/>
-          <a:p>
-            <a:pPr indent="0" lvl="0" marL="0">
-              <a:spcBef>
-                <a:spcPts val="0"/>
-              </a:spcBef>
-              <a:spcAft>
-                <a:spcPts val="0"/>
-              </a:spcAft>
-              <a:buNone/>
-            </a:pPr>
-            <a:r>
-              <a:rPr b="1" lang="en"/>
-              <a:t>Post-Mortem</a:t>
-            </a:r>
-            <a:endParaRPr b="1"/>
-          </a:p>
-          <a:p>
-            <a:pPr indent="0" lvl="0" marL="0">
-              <a:spcBef>
-                <a:spcPts val="0"/>
-              </a:spcBef>
-              <a:spcAft>
-                <a:spcPts val="0"/>
-              </a:spcAft>
-              <a:buNone/>
-            </a:pPr>
-            <a:r>
-              <a:t/>
-            </a:r>
-            <a:endParaRPr b="1"/>
-          </a:p>
-          <a:p>
-            <a:pPr indent="0" lvl="0" marL="0">
-              <a:spcBef>
-                <a:spcPts val="0"/>
-              </a:spcBef>
-              <a:spcAft>
-                <a:spcPts val="0"/>
-              </a:spcAft>
-              <a:buNone/>
-            </a:pPr>
-            <a:r>
-              <a:rPr lang="en"/>
-              <a:t>Data Cleanup: (most difficult step), the JSON script did not indicate which character speaks the lines so in order to find the [Sender,Recipient,Origin,Destination,Description]</a:t>
-            </a:r>
-            <a:endParaRPr/>
-          </a:p>
-          <a:p>
-            <a:pPr indent="0" lvl="0" marL="0">
-              <a:spcBef>
-                <a:spcPts val="0"/>
-              </a:spcBef>
-              <a:spcAft>
-                <a:spcPts val="0"/>
-              </a:spcAft>
-              <a:buNone/>
-            </a:pPr>
-            <a:r>
-              <a:rPr lang="en"/>
-              <a:t>e</a:t>
-            </a:r>
-            <a:r>
-              <a:rPr lang="en"/>
-              <a:t>ntries, I had to read (quite literally) between the lines to populate the entries.</a:t>
-            </a:r>
-            <a:endParaRPr/>
-          </a:p>
-          <a:p>
-            <a:pPr indent="0" lvl="0" marL="0">
-              <a:spcBef>
-                <a:spcPts val="0"/>
-              </a:spcBef>
-              <a:spcAft>
-                <a:spcPts val="0"/>
-              </a:spcAft>
-              <a:buNone/>
-            </a:pPr>
-            <a:r>
-              <a:t/>
-            </a:r>
-            <a:endParaRPr/>
-          </a:p>
-          <a:p>
-            <a:pPr indent="0" lvl="0" marL="0">
-              <a:spcBef>
-                <a:spcPts val="0"/>
-              </a:spcBef>
-              <a:spcAft>
-                <a:spcPts val="0"/>
-              </a:spcAft>
-              <a:buNone/>
-            </a:pPr>
-            <a:r>
-              <a:rPr lang="en"/>
-              <a:t>If there was more time to analyse the data, I would have like to find out:</a:t>
-            </a:r>
-            <a:endParaRPr/>
-          </a:p>
-          <a:p>
-            <a:pPr indent="0" lvl="0" marL="0">
-              <a:spcBef>
-                <a:spcPts val="0"/>
-              </a:spcBef>
-              <a:spcAft>
-                <a:spcPts val="0"/>
-              </a:spcAft>
-              <a:buNone/>
-            </a:pPr>
-            <a:r>
-              <a:rPr lang="en"/>
-              <a:t>Which characters sent the most ravens and for what purpose?</a:t>
-            </a:r>
-            <a:endParaRPr/>
-          </a:p>
-          <a:p>
-            <a:pPr indent="0" lvl="0" marL="0">
-              <a:spcBef>
-                <a:spcPts val="0"/>
-              </a:spcBef>
-              <a:spcAft>
-                <a:spcPts val="0"/>
-              </a:spcAft>
-              <a:buNone/>
-            </a:pPr>
-            <a:r>
-              <a:rPr lang="en"/>
-              <a:t>How do characters die in GoT; what is the leading cause of death?</a:t>
-            </a:r>
-            <a:endParaRPr/>
-          </a:p>
-          <a:p>
-            <a:pPr indent="0" lvl="0" marL="0" rtl="0">
-              <a:spcBef>
-                <a:spcPts val="0"/>
-              </a:spcBef>
-              <a:spcAft>
-                <a:spcPts val="0"/>
-              </a:spcAft>
-              <a:buNone/>
-            </a:pPr>
-            <a:r>
-              <a:rPr lang="en"/>
-              <a:t>Is there an API for the novels? Can I do the analysis on that data to find the differences between the book and the tv drama?</a:t>
-            </a:r>
-            <a:endParaRPr/>
-          </a:p>
-          <a:p>
-            <a:pPr indent="0" lvl="0" marL="0" rtl="0">
-              <a:spcBef>
-                <a:spcPts val="0"/>
-              </a:spcBef>
-              <a:spcAft>
-                <a:spcPts val="0"/>
-              </a:spcAft>
-              <a:buNone/>
-            </a:pPr>
-            <a:r>
-              <a:t/>
-            </a:r>
-            <a:endParaRPr/>
-          </a:p>
-          <a:p>
-            <a:pPr indent="0" lvl="0" marL="0" rtl="0">
-              <a:spcBef>
-                <a:spcPts val="0"/>
-              </a:spcBef>
-              <a:spcAft>
-                <a:spcPts val="0"/>
-              </a:spcAft>
-              <a:buNone/>
-            </a:pPr>
-            <a:r>
-              <a:t/>
+              <a:t>Q&amp;A: Open Floor </a:t>
             </a:r>
             <a:endParaRPr/>
           </a:p>
@@ -27666,1373 +26466,6 @@
           </a:ln>
         </p:spPr>
       </p:pic>
-    </p:spTree>
-  </p:cSld>
-  <p:clrMapOvr>
-    <a:masterClrMapping/>
-  </p:clrMapOvr>
-</p:sld>
-</file>
-
-<file path=ppt/slides/slide40.xml><?xml version="1.0" encoding="utf-8"?>
-<p:sld xmlns:a="http://schemas.openxmlformats.org/drawingml/2006/main" xmlns:r="http://schemas.openxmlformats.org/officeDocument/2006/relationships" xmlns:mc="http://schemas.openxmlformats.org/markup-compatibility/2006" xmlns:mv="urn:schemas-microsoft-com:mac:vml" xmlns:p="http://schemas.openxmlformats.org/presentationml/2006/main" xmlns:c="http://schemas.openxmlformats.org/drawingml/2006/chart" xmlns:dgm="http://schemas.openxmlformats.org/drawingml/2006/diagram" xmlns:o="urn:schemas-microsoft-com:office:office" xmlns:v="urn:schemas-microsoft-com:vml" xmlns:pvml="urn:schemas-microsoft-com:office:powerpoint" xmlns:com="http://schemas.openxmlformats.org/drawingml/2006/compatibility" xmlns:p14="http://schemas.microsoft.com/office/powerpoint/2010/main" xmlns:p15="http://schemas.microsoft.com/office/powerpoint/2012/main">
-  <p:cSld>
-    <p:spTree>
-      <p:nvGrpSpPr>
-        <p:cNvPr id="536" name="Shape 536"/>
-        <p:cNvGrpSpPr/>
-        <p:nvPr/>
-      </p:nvGrpSpPr>
-      <p:grpSpPr>
-        <a:xfrm>
-          <a:off x="0" y="0"/>
-          <a:ext cx="0" cy="0"/>
-          <a:chOff x="0" y="0"/>
-          <a:chExt cx="0" cy="0"/>
-        </a:xfrm>
-      </p:grpSpPr>
-      <p:sp>
-        <p:nvSpPr>
-          <p:cNvPr id="537" name="Shape 537"/>
-          <p:cNvSpPr txBox="1"/>
-          <p:nvPr>
-            <p:ph type="title"/>
-          </p:nvPr>
-        </p:nvSpPr>
-        <p:spPr>
-          <a:xfrm>
-            <a:off x="1303800" y="598575"/>
-            <a:ext cx="7030500" cy="999300"/>
-          </a:xfrm>
-          <a:prstGeom prst="rect">
-            <a:avLst/>
-          </a:prstGeom>
-        </p:spPr>
-        <p:txBody>
-          <a:bodyPr anchorCtr="0" anchor="t" bIns="91425" lIns="91425" spcFirstLastPara="1" rIns="91425" wrap="square" tIns="91425">
-            <a:noAutofit/>
-          </a:bodyPr>
-          <a:lstStyle/>
-          <a:p>
-            <a:pPr indent="0" lvl="0" marL="0">
-              <a:spcBef>
-                <a:spcPts val="0"/>
-              </a:spcBef>
-              <a:spcAft>
-                <a:spcPts val="0"/>
-              </a:spcAft>
-              <a:buNone/>
-            </a:pPr>
-            <a:r>
-              <a:rPr lang="en"/>
-              <a:t>Q&amp;A: Open Floor </a:t>
-            </a:r>
-            <a:endParaRPr/>
-          </a:p>
-        </p:txBody>
-      </p:sp>
-    </p:spTree>
-  </p:cSld>
-  <p:clrMapOvr>
-    <a:masterClrMapping/>
-  </p:clrMapOvr>
-</p:sld>
-</file>
-
-<file path=ppt/slides/slide41.xml><?xml version="1.0" encoding="utf-8"?>
-<p:sld xmlns:a="http://schemas.openxmlformats.org/drawingml/2006/main" xmlns:r="http://schemas.openxmlformats.org/officeDocument/2006/relationships" xmlns:mc="http://schemas.openxmlformats.org/markup-compatibility/2006" xmlns:mv="urn:schemas-microsoft-com:mac:vml" xmlns:p="http://schemas.openxmlformats.org/presentationml/2006/main" xmlns:c="http://schemas.openxmlformats.org/drawingml/2006/chart" xmlns:dgm="http://schemas.openxmlformats.org/drawingml/2006/diagram" xmlns:o="urn:schemas-microsoft-com:office:office" xmlns:v="urn:schemas-microsoft-com:vml" xmlns:pvml="urn:schemas-microsoft-com:office:powerpoint" xmlns:com="http://schemas.openxmlformats.org/drawingml/2006/compatibility" xmlns:p14="http://schemas.microsoft.com/office/powerpoint/2010/main" xmlns:p15="http://schemas.microsoft.com/office/powerpoint/2012/main">
-  <p:cSld>
-    <p:spTree>
-      <p:nvGrpSpPr>
-        <p:cNvPr id="541" name="Shape 541"/>
-        <p:cNvGrpSpPr/>
-        <p:nvPr/>
-      </p:nvGrpSpPr>
-      <p:grpSpPr>
-        <a:xfrm>
-          <a:off x="0" y="0"/>
-          <a:ext cx="0" cy="0"/>
-          <a:chOff x="0" y="0"/>
-          <a:chExt cx="0" cy="0"/>
-        </a:xfrm>
-      </p:grpSpPr>
-      <p:sp>
-        <p:nvSpPr>
-          <p:cNvPr id="542" name="Shape 542"/>
-          <p:cNvSpPr txBox="1"/>
-          <p:nvPr>
-            <p:ph type="title"/>
-          </p:nvPr>
-        </p:nvSpPr>
-        <p:spPr>
-          <a:xfrm>
-            <a:off x="1303800" y="598575"/>
-            <a:ext cx="7030500" cy="999300"/>
-          </a:xfrm>
-          <a:prstGeom prst="rect">
-            <a:avLst/>
-          </a:prstGeom>
-        </p:spPr>
-        <p:txBody>
-          <a:bodyPr anchorCtr="0" anchor="t" bIns="91425" lIns="91425" spcFirstLastPara="1" rIns="91425" wrap="square" tIns="91425">
-            <a:noAutofit/>
-          </a:bodyPr>
-          <a:lstStyle/>
-          <a:p>
-            <a:pPr indent="0" lvl="0" marL="0">
-              <a:spcBef>
-                <a:spcPts val="0"/>
-              </a:spcBef>
-              <a:spcAft>
-                <a:spcPts val="0"/>
-              </a:spcAft>
-              <a:buNone/>
-            </a:pPr>
-            <a:r>
-              <a:rPr lang="en"/>
-              <a:t>Questions and Data</a:t>
-            </a:r>
-            <a:endParaRPr/>
-          </a:p>
-        </p:txBody>
-      </p:sp>
-      <p:sp>
-        <p:nvSpPr>
-          <p:cNvPr id="543" name="Shape 543"/>
-          <p:cNvSpPr txBox="1"/>
-          <p:nvPr>
-            <p:ph idx="1" type="body"/>
-          </p:nvPr>
-        </p:nvSpPr>
-        <p:spPr>
-          <a:xfrm>
-            <a:off x="1303800" y="1990050"/>
-            <a:ext cx="7030500" cy="2541600"/>
-          </a:xfrm>
-          <a:prstGeom prst="rect">
-            <a:avLst/>
-          </a:prstGeom>
-        </p:spPr>
-        <p:txBody>
-          <a:bodyPr anchorCtr="0" anchor="t" bIns="91425" lIns="91425" spcFirstLastPara="1" rIns="91425" wrap="square" tIns="91425">
-            <a:noAutofit/>
-          </a:bodyPr>
-          <a:lstStyle/>
-          <a:p>
-            <a:pPr indent="-311150" lvl="0" marL="457200" rtl="0">
-              <a:lnSpc>
-                <a:spcPct val="150000"/>
-              </a:lnSpc>
-              <a:spcBef>
-                <a:spcPts val="0"/>
-              </a:spcBef>
-              <a:spcAft>
-                <a:spcPts val="0"/>
-              </a:spcAft>
-              <a:buClr>
-                <a:srgbClr val="454545"/>
-              </a:buClr>
-              <a:buSzPts val="1300"/>
-              <a:buChar char="●"/>
-            </a:pPr>
-            <a:r>
-              <a:t/>
-            </a:r>
-            <a:endParaRPr b="1">
-              <a:solidFill>
-                <a:srgbClr val="454545"/>
-              </a:solidFill>
-            </a:endParaRPr>
-          </a:p>
-          <a:p>
-            <a:pPr indent="-311150" lvl="0" marL="457200" rtl="0">
-              <a:lnSpc>
-                <a:spcPct val="150000"/>
-              </a:lnSpc>
-              <a:spcBef>
-                <a:spcPts val="0"/>
-              </a:spcBef>
-              <a:spcAft>
-                <a:spcPts val="0"/>
-              </a:spcAft>
-              <a:buClr>
-                <a:srgbClr val="454545"/>
-              </a:buClr>
-              <a:buSzPts val="1300"/>
-              <a:buChar char="●"/>
-            </a:pPr>
-            <a:r>
-              <a:rPr b="1" lang="en">
-                <a:solidFill>
-                  <a:srgbClr val="454545"/>
-                </a:solidFill>
-              </a:rPr>
-              <a:t>Describe the questions you asked, and _why_ you asked them…</a:t>
-            </a:r>
-            <a:endParaRPr b="1">
-              <a:solidFill>
-                <a:srgbClr val="454545"/>
-              </a:solidFill>
-            </a:endParaRPr>
-          </a:p>
-          <a:p>
-            <a:pPr indent="0" lvl="0" marL="0" rtl="0">
-              <a:lnSpc>
-                <a:spcPct val="150000"/>
-              </a:lnSpc>
-              <a:spcBef>
-                <a:spcPts val="0"/>
-              </a:spcBef>
-              <a:spcAft>
-                <a:spcPts val="0"/>
-              </a:spcAft>
-              <a:buClr>
-                <a:schemeClr val="dk1"/>
-              </a:buClr>
-              <a:buSzPts val="1100"/>
-              <a:buFont typeface="Arial"/>
-              <a:buNone/>
-            </a:pPr>
-            <a:r>
-              <a:rPr lang="en">
-                <a:solidFill>
-                  <a:srgbClr val="000000"/>
-                </a:solidFill>
-              </a:rPr>
-              <a:t>Elaborate on the questions you asked, describing what kinds of data you needed to answer them, and where you found it</a:t>
-            </a:r>
-            <a:endParaRPr>
-              <a:solidFill>
-                <a:srgbClr val="000000"/>
-              </a:solidFill>
-            </a:endParaRPr>
-          </a:p>
-          <a:p>
-            <a:pPr indent="0" lvl="0" marL="0" rtl="0">
-              <a:lnSpc>
-                <a:spcPct val="150000"/>
-              </a:lnSpc>
-              <a:spcBef>
-                <a:spcPts val="0"/>
-              </a:spcBef>
-              <a:spcAft>
-                <a:spcPts val="0"/>
-              </a:spcAft>
-              <a:buClr>
-                <a:schemeClr val="dk1"/>
-              </a:buClr>
-              <a:buSzPts val="1100"/>
-              <a:buFont typeface="Arial"/>
-              <a:buNone/>
-            </a:pPr>
-            <a:r>
-              <a:t/>
-            </a:r>
-            <a:endParaRPr>
-              <a:solidFill>
-                <a:srgbClr val="000000"/>
-              </a:solidFill>
-            </a:endParaRPr>
-          </a:p>
-          <a:p>
-            <a:pPr indent="0" lvl="0" marL="0" rtl="0">
-              <a:lnSpc>
-                <a:spcPct val="150000"/>
-              </a:lnSpc>
-              <a:spcBef>
-                <a:spcPts val="0"/>
-              </a:spcBef>
-              <a:spcAft>
-                <a:spcPts val="0"/>
-              </a:spcAft>
-              <a:buClr>
-                <a:schemeClr val="dk1"/>
-              </a:buClr>
-              <a:buSzPts val="1100"/>
-              <a:buFont typeface="Arial"/>
-              <a:buNone/>
-            </a:pPr>
-            <a:r>
-              <a:rPr b="1" lang="en">
-                <a:solidFill>
-                  <a:srgbClr val="000000"/>
-                </a:solidFill>
-              </a:rPr>
-              <a:t>Data</a:t>
-            </a:r>
-            <a:endParaRPr b="1">
-              <a:solidFill>
-                <a:srgbClr val="000000"/>
-              </a:solidFill>
-            </a:endParaRPr>
-          </a:p>
-          <a:p>
-            <a:pPr indent="0" lvl="0" marL="0" rtl="0">
-              <a:spcBef>
-                <a:spcPts val="0"/>
-              </a:spcBef>
-              <a:spcAft>
-                <a:spcPts val="0"/>
-              </a:spcAft>
-              <a:buClr>
-                <a:srgbClr val="000000"/>
-              </a:buClr>
-              <a:buSzPts val="1100"/>
-              <a:buFont typeface="Arial"/>
-              <a:buNone/>
-            </a:pPr>
-            <a:r>
-              <a:rPr lang="en" sz="1100" u="sng">
-                <a:solidFill>
-                  <a:srgbClr val="1155CC"/>
-                </a:solidFill>
-                <a:latin typeface="Arial"/>
-                <a:ea typeface="Arial"/>
-                <a:cs typeface="Arial"/>
-                <a:sym typeface="Arial"/>
-                <a:hlinkClick r:id="rId3"/>
-              </a:rPr>
-              <a:t>https://www.kaggle.com/gunnvant/game-of-thrones-srt</a:t>
-            </a:r>
-            <a:endParaRPr sz="1100">
-              <a:solidFill>
-                <a:srgbClr val="000000"/>
-              </a:solidFill>
-              <a:latin typeface="Arial"/>
-              <a:ea typeface="Arial"/>
-              <a:cs typeface="Arial"/>
-              <a:sym typeface="Arial"/>
-            </a:endParaRPr>
-          </a:p>
-          <a:p>
-            <a:pPr indent="0" lvl="0" marL="0" rtl="0">
-              <a:spcBef>
-                <a:spcPts val="0"/>
-              </a:spcBef>
-              <a:spcAft>
-                <a:spcPts val="0"/>
-              </a:spcAft>
-              <a:buClr>
-                <a:srgbClr val="000000"/>
-              </a:buClr>
-              <a:buSzPts val="1100"/>
-              <a:buFont typeface="Arial"/>
-              <a:buNone/>
-            </a:pPr>
-            <a:r>
-              <a:rPr lang="en" sz="1100">
-                <a:solidFill>
-                  <a:srgbClr val="000000"/>
-                </a:solidFill>
-                <a:latin typeface="Arial"/>
-                <a:ea typeface="Arial"/>
-                <a:cs typeface="Arial"/>
-                <a:sym typeface="Arial"/>
-              </a:rPr>
-              <a:t>Tweepy</a:t>
-            </a:r>
-            <a:endParaRPr sz="1100">
-              <a:solidFill>
-                <a:srgbClr val="000000"/>
-              </a:solidFill>
-              <a:latin typeface="Arial"/>
-              <a:ea typeface="Arial"/>
-              <a:cs typeface="Arial"/>
-              <a:sym typeface="Arial"/>
-            </a:endParaRPr>
-          </a:p>
-          <a:p>
-            <a:pPr indent="0" lvl="0" marL="0" rtl="0">
-              <a:spcBef>
-                <a:spcPts val="0"/>
-              </a:spcBef>
-              <a:spcAft>
-                <a:spcPts val="0"/>
-              </a:spcAft>
-              <a:buClr>
-                <a:srgbClr val="000000"/>
-              </a:buClr>
-              <a:buSzPts val="1100"/>
-              <a:buFont typeface="Arial"/>
-              <a:buNone/>
-            </a:pPr>
-            <a:r>
-              <a:rPr lang="en" sz="1100">
-                <a:solidFill>
-                  <a:srgbClr val="000000"/>
-                </a:solidFill>
-                <a:latin typeface="Arial"/>
-                <a:ea typeface="Arial"/>
-                <a:cs typeface="Arial"/>
-                <a:sym typeface="Arial"/>
-              </a:rPr>
-              <a:t>Imdb</a:t>
-            </a:r>
-            <a:endParaRPr>
-              <a:solidFill>
-                <a:srgbClr val="000000"/>
-              </a:solidFill>
-            </a:endParaRPr>
-          </a:p>
-          <a:p>
-            <a:pPr indent="0" lvl="0" marL="0">
-              <a:spcBef>
-                <a:spcPts val="0"/>
-              </a:spcBef>
-              <a:spcAft>
-                <a:spcPts val="1600"/>
-              </a:spcAft>
-              <a:buNone/>
-            </a:pPr>
-            <a:r>
-              <a:t/>
-            </a:r>
-            <a:endParaRPr>
-              <a:solidFill>
-                <a:srgbClr val="000000"/>
-              </a:solidFill>
-            </a:endParaRPr>
-          </a:p>
-        </p:txBody>
-      </p:sp>
-    </p:spTree>
-  </p:cSld>
-  <p:clrMapOvr>
-    <a:masterClrMapping/>
-  </p:clrMapOvr>
-</p:sld>
-</file>
-
-<file path=ppt/slides/slide42.xml><?xml version="1.0" encoding="utf-8"?>
-<p:sld xmlns:a="http://schemas.openxmlformats.org/drawingml/2006/main" xmlns:r="http://schemas.openxmlformats.org/officeDocument/2006/relationships" xmlns:mc="http://schemas.openxmlformats.org/markup-compatibility/2006" xmlns:mv="urn:schemas-microsoft-com:mac:vml" xmlns:p="http://schemas.openxmlformats.org/presentationml/2006/main" xmlns:c="http://schemas.openxmlformats.org/drawingml/2006/chart" xmlns:dgm="http://schemas.openxmlformats.org/drawingml/2006/diagram" xmlns:o="urn:schemas-microsoft-com:office:office" xmlns:v="urn:schemas-microsoft-com:vml" xmlns:pvml="urn:schemas-microsoft-com:office:powerpoint" xmlns:com="http://schemas.openxmlformats.org/drawingml/2006/compatibility" xmlns:p14="http://schemas.microsoft.com/office/powerpoint/2010/main" xmlns:p15="http://schemas.microsoft.com/office/powerpoint/2012/main">
-  <p:cSld>
-    <p:spTree>
-      <p:nvGrpSpPr>
-        <p:cNvPr id="547" name="Shape 547"/>
-        <p:cNvGrpSpPr/>
-        <p:nvPr/>
-      </p:nvGrpSpPr>
-      <p:grpSpPr>
-        <a:xfrm>
-          <a:off x="0" y="0"/>
-          <a:ext cx="0" cy="0"/>
-          <a:chOff x="0" y="0"/>
-          <a:chExt cx="0" cy="0"/>
-        </a:xfrm>
-      </p:grpSpPr>
-      <p:sp>
-        <p:nvSpPr>
-          <p:cNvPr id="548" name="Shape 548"/>
-          <p:cNvSpPr txBox="1"/>
-          <p:nvPr>
-            <p:ph type="title"/>
-          </p:nvPr>
-        </p:nvSpPr>
-        <p:spPr>
-          <a:xfrm>
-            <a:off x="1303800" y="598575"/>
-            <a:ext cx="7030500" cy="999300"/>
-          </a:xfrm>
-          <a:prstGeom prst="rect">
-            <a:avLst/>
-          </a:prstGeom>
-        </p:spPr>
-        <p:txBody>
-          <a:bodyPr anchorCtr="0" anchor="t" bIns="91425" lIns="91425" spcFirstLastPara="1" rIns="91425" wrap="square" tIns="91425">
-            <a:noAutofit/>
-          </a:bodyPr>
-          <a:lstStyle/>
-          <a:p>
-            <a:pPr indent="0" lvl="0" marL="0">
-              <a:spcBef>
-                <a:spcPts val="0"/>
-              </a:spcBef>
-              <a:spcAft>
-                <a:spcPts val="0"/>
-              </a:spcAft>
-              <a:buNone/>
-            </a:pPr>
-            <a:r>
-              <a:rPr lang="en"/>
-              <a:t>Data Cleanup Exploration</a:t>
-            </a:r>
-            <a:endParaRPr/>
-          </a:p>
-        </p:txBody>
-      </p:sp>
-      <p:sp>
-        <p:nvSpPr>
-          <p:cNvPr id="549" name="Shape 549"/>
-          <p:cNvSpPr txBox="1"/>
-          <p:nvPr>
-            <p:ph idx="1" type="body"/>
-          </p:nvPr>
-        </p:nvSpPr>
-        <p:spPr>
-          <a:xfrm>
-            <a:off x="1303800" y="1990050"/>
-            <a:ext cx="7030500" cy="2541600"/>
-          </a:xfrm>
-          <a:prstGeom prst="rect">
-            <a:avLst/>
-          </a:prstGeom>
-        </p:spPr>
-        <p:txBody>
-          <a:bodyPr anchorCtr="0" anchor="t" bIns="91425" lIns="91425" spcFirstLastPara="1" rIns="91425" wrap="square" tIns="91425">
-            <a:noAutofit/>
-          </a:bodyPr>
-          <a:lstStyle/>
-          <a:p>
-            <a:pPr indent="0" lvl="0" marL="0" rtl="0">
-              <a:lnSpc>
-                <a:spcPct val="150000"/>
-              </a:lnSpc>
-              <a:spcBef>
-                <a:spcPts val="0"/>
-              </a:spcBef>
-              <a:spcAft>
-                <a:spcPts val="0"/>
-              </a:spcAft>
-              <a:buClr>
-                <a:schemeClr val="dk1"/>
-              </a:buClr>
-              <a:buSzPts val="1100"/>
-              <a:buFont typeface="Arial"/>
-              <a:buNone/>
-            </a:pPr>
-            <a:r>
-              <a:rPr lang="en">
-                <a:solidFill>
-                  <a:srgbClr val="000000"/>
-                </a:solidFill>
-              </a:rPr>
-              <a:t>* Describe the exploration and cleanup process</a:t>
-            </a:r>
-            <a:endParaRPr>
-              <a:solidFill>
-                <a:srgbClr val="000000"/>
-              </a:solidFill>
-            </a:endParaRPr>
-          </a:p>
-          <a:p>
-            <a:pPr indent="0" lvl="0" marL="0" rtl="0">
-              <a:lnSpc>
-                <a:spcPct val="150000"/>
-              </a:lnSpc>
-              <a:spcBef>
-                <a:spcPts val="0"/>
-              </a:spcBef>
-              <a:spcAft>
-                <a:spcPts val="0"/>
-              </a:spcAft>
-              <a:buClr>
-                <a:schemeClr val="dk1"/>
-              </a:buClr>
-              <a:buSzPts val="1100"/>
-              <a:buFont typeface="Arial"/>
-              <a:buNone/>
-            </a:pPr>
-            <a:r>
-              <a:rPr lang="en">
-                <a:solidFill>
-                  <a:srgbClr val="000000"/>
-                </a:solidFill>
-              </a:rPr>
-              <a:t> * Discuss insights you had while exploring the data that you didn't anticipate</a:t>
-            </a:r>
-            <a:endParaRPr>
-              <a:solidFill>
-                <a:srgbClr val="000000"/>
-              </a:solidFill>
-            </a:endParaRPr>
-          </a:p>
-          <a:p>
-            <a:pPr indent="0" lvl="0" marL="0" rtl="0">
-              <a:lnSpc>
-                <a:spcPct val="150000"/>
-              </a:lnSpc>
-              <a:spcBef>
-                <a:spcPts val="0"/>
-              </a:spcBef>
-              <a:spcAft>
-                <a:spcPts val="0"/>
-              </a:spcAft>
-              <a:buClr>
-                <a:schemeClr val="dk1"/>
-              </a:buClr>
-              <a:buSzPts val="1100"/>
-              <a:buFont typeface="Arial"/>
-              <a:buNone/>
-            </a:pPr>
-            <a:r>
-              <a:rPr lang="en">
-                <a:solidFill>
-                  <a:srgbClr val="000000"/>
-                </a:solidFill>
-              </a:rPr>
-              <a:t> * Discuss any problems that arose after exploring the data, and how you resolved them</a:t>
-            </a:r>
-            <a:endParaRPr>
-              <a:solidFill>
-                <a:srgbClr val="000000"/>
-              </a:solidFill>
-            </a:endParaRPr>
-          </a:p>
-          <a:p>
-            <a:pPr indent="0" lvl="0" marL="0" rtl="0">
-              <a:lnSpc>
-                <a:spcPct val="150000"/>
-              </a:lnSpc>
-              <a:spcBef>
-                <a:spcPts val="0"/>
-              </a:spcBef>
-              <a:spcAft>
-                <a:spcPts val="0"/>
-              </a:spcAft>
-              <a:buClr>
-                <a:schemeClr val="dk1"/>
-              </a:buClr>
-              <a:buSzPts val="1100"/>
-              <a:buFont typeface="Arial"/>
-              <a:buNone/>
-            </a:pPr>
-            <a:r>
-              <a:rPr lang="en">
-                <a:solidFill>
-                  <a:srgbClr val="000000"/>
-                </a:solidFill>
-              </a:rPr>
-              <a:t> * Present and discuss interesting figures developed during exploration, ideally with the help of Jupyter Notebook</a:t>
-            </a:r>
-            <a:endParaRPr>
-              <a:solidFill>
-                <a:srgbClr val="000000"/>
-              </a:solidFill>
-            </a:endParaRPr>
-          </a:p>
-          <a:p>
-            <a:pPr indent="0" lvl="0" marL="0">
-              <a:spcBef>
-                <a:spcPts val="0"/>
-              </a:spcBef>
-              <a:spcAft>
-                <a:spcPts val="1600"/>
-              </a:spcAft>
-              <a:buNone/>
-            </a:pPr>
-            <a:r>
-              <a:t/>
-            </a:r>
-            <a:endParaRPr>
-              <a:solidFill>
-                <a:srgbClr val="000000"/>
-              </a:solidFill>
-            </a:endParaRPr>
-          </a:p>
-        </p:txBody>
-      </p:sp>
-    </p:spTree>
-  </p:cSld>
-  <p:clrMapOvr>
-    <a:masterClrMapping/>
-  </p:clrMapOvr>
-</p:sld>
-</file>
-
-<file path=ppt/slides/slide43.xml><?xml version="1.0" encoding="utf-8"?>
-<p:sld xmlns:a="http://schemas.openxmlformats.org/drawingml/2006/main" xmlns:r="http://schemas.openxmlformats.org/officeDocument/2006/relationships" xmlns:mc="http://schemas.openxmlformats.org/markup-compatibility/2006" xmlns:mv="urn:schemas-microsoft-com:mac:vml" xmlns:p="http://schemas.openxmlformats.org/presentationml/2006/main" xmlns:c="http://schemas.openxmlformats.org/drawingml/2006/chart" xmlns:dgm="http://schemas.openxmlformats.org/drawingml/2006/diagram" xmlns:o="urn:schemas-microsoft-com:office:office" xmlns:v="urn:schemas-microsoft-com:vml" xmlns:pvml="urn:schemas-microsoft-com:office:powerpoint" xmlns:com="http://schemas.openxmlformats.org/drawingml/2006/compatibility" xmlns:p14="http://schemas.microsoft.com/office/powerpoint/2010/main" xmlns:p15="http://schemas.microsoft.com/office/powerpoint/2012/main">
-  <p:cSld>
-    <p:spTree>
-      <p:nvGrpSpPr>
-        <p:cNvPr id="553" name="Shape 553"/>
-        <p:cNvGrpSpPr/>
-        <p:nvPr/>
-      </p:nvGrpSpPr>
-      <p:grpSpPr>
-        <a:xfrm>
-          <a:off x="0" y="0"/>
-          <a:ext cx="0" cy="0"/>
-          <a:chOff x="0" y="0"/>
-          <a:chExt cx="0" cy="0"/>
-        </a:xfrm>
-      </p:grpSpPr>
-      <p:sp>
-        <p:nvSpPr>
-          <p:cNvPr id="554" name="Shape 554"/>
-          <p:cNvSpPr txBox="1"/>
-          <p:nvPr>
-            <p:ph type="title"/>
-          </p:nvPr>
-        </p:nvSpPr>
-        <p:spPr>
-          <a:xfrm>
-            <a:off x="1303800" y="598575"/>
-            <a:ext cx="7030500" cy="999300"/>
-          </a:xfrm>
-          <a:prstGeom prst="rect">
-            <a:avLst/>
-          </a:prstGeom>
-        </p:spPr>
-        <p:txBody>
-          <a:bodyPr anchorCtr="0" anchor="t" bIns="91425" lIns="91425" spcFirstLastPara="1" rIns="91425" wrap="square" tIns="91425">
-            <a:noAutofit/>
-          </a:bodyPr>
-          <a:lstStyle/>
-          <a:p>
-            <a:pPr indent="0" lvl="0" marL="0">
-              <a:spcBef>
-                <a:spcPts val="0"/>
-              </a:spcBef>
-              <a:spcAft>
-                <a:spcPts val="0"/>
-              </a:spcAft>
-              <a:buNone/>
-            </a:pPr>
-            <a:r>
-              <a:rPr lang="en"/>
-              <a:t>Data Analysis</a:t>
-            </a:r>
-            <a:endParaRPr/>
-          </a:p>
-        </p:txBody>
-      </p:sp>
-      <p:sp>
-        <p:nvSpPr>
-          <p:cNvPr id="555" name="Shape 555"/>
-          <p:cNvSpPr txBox="1"/>
-          <p:nvPr>
-            <p:ph idx="1" type="body"/>
-          </p:nvPr>
-        </p:nvSpPr>
-        <p:spPr>
-          <a:xfrm>
-            <a:off x="1303800" y="1990050"/>
-            <a:ext cx="7030500" cy="2541600"/>
-          </a:xfrm>
-          <a:prstGeom prst="rect">
-            <a:avLst/>
-          </a:prstGeom>
-        </p:spPr>
-        <p:txBody>
-          <a:bodyPr anchorCtr="0" anchor="t" bIns="91425" lIns="91425" spcFirstLastPara="1" rIns="91425" wrap="square" tIns="91425">
-            <a:noAutofit/>
-          </a:bodyPr>
-          <a:lstStyle/>
-          <a:p>
-            <a:pPr indent="0" lvl="0" marL="0" rtl="0">
-              <a:lnSpc>
-                <a:spcPct val="150000"/>
-              </a:lnSpc>
-              <a:spcBef>
-                <a:spcPts val="0"/>
-              </a:spcBef>
-              <a:spcAft>
-                <a:spcPts val="0"/>
-              </a:spcAft>
-              <a:buClr>
-                <a:schemeClr val="dk1"/>
-              </a:buClr>
-              <a:buSzPts val="1100"/>
-              <a:buFont typeface="Arial"/>
-              <a:buNone/>
-            </a:pPr>
-            <a:r>
-              <a:rPr lang="en">
-                <a:solidFill>
-                  <a:srgbClr val="000000"/>
-                </a:solidFill>
-              </a:rPr>
-              <a:t>* Discuss the steps you took to analyze the data and answer each question you asked in your proposal</a:t>
-            </a:r>
-            <a:endParaRPr>
-              <a:solidFill>
-                <a:srgbClr val="000000"/>
-              </a:solidFill>
-            </a:endParaRPr>
-          </a:p>
-          <a:p>
-            <a:pPr indent="0" lvl="0" marL="0" rtl="0">
-              <a:lnSpc>
-                <a:spcPct val="150000"/>
-              </a:lnSpc>
-              <a:spcBef>
-                <a:spcPts val="0"/>
-              </a:spcBef>
-              <a:spcAft>
-                <a:spcPts val="0"/>
-              </a:spcAft>
-              <a:buClr>
-                <a:schemeClr val="dk1"/>
-              </a:buClr>
-              <a:buSzPts val="1100"/>
-              <a:buFont typeface="Arial"/>
-              <a:buNone/>
-            </a:pPr>
-            <a:r>
-              <a:rPr lang="en">
-                <a:solidFill>
-                  <a:srgbClr val="000000"/>
-                </a:solidFill>
-              </a:rPr>
-              <a:t> * Present and discuss interesting figures developed during analysis, ideally with the help of Jupyter Notebook</a:t>
-            </a:r>
-            <a:endParaRPr>
-              <a:solidFill>
-                <a:srgbClr val="000000"/>
-              </a:solidFill>
-            </a:endParaRPr>
-          </a:p>
-          <a:p>
-            <a:pPr indent="0" lvl="0" marL="0" rtl="0">
-              <a:lnSpc>
-                <a:spcPct val="150000"/>
-              </a:lnSpc>
-              <a:spcBef>
-                <a:spcPts val="0"/>
-              </a:spcBef>
-              <a:spcAft>
-                <a:spcPts val="0"/>
-              </a:spcAft>
-              <a:buClr>
-                <a:schemeClr val="dk1"/>
-              </a:buClr>
-              <a:buSzPts val="1100"/>
-              <a:buFont typeface="Arial"/>
-              <a:buNone/>
-            </a:pPr>
-            <a:r>
-              <a:t/>
-            </a:r>
-            <a:endParaRPr>
-              <a:solidFill>
-                <a:srgbClr val="000000"/>
-              </a:solidFill>
-            </a:endParaRPr>
-          </a:p>
-          <a:p>
-            <a:pPr indent="0" lvl="0" marL="0" rtl="0">
-              <a:lnSpc>
-                <a:spcPct val="150000"/>
-              </a:lnSpc>
-              <a:spcBef>
-                <a:spcPts val="0"/>
-              </a:spcBef>
-              <a:spcAft>
-                <a:spcPts val="0"/>
-              </a:spcAft>
-              <a:buClr>
-                <a:schemeClr val="dk1"/>
-              </a:buClr>
-              <a:buSzPts val="1100"/>
-              <a:buFont typeface="Arial"/>
-              <a:buNone/>
-            </a:pPr>
-            <a:r>
-              <a:rPr lang="en">
-                <a:solidFill>
-                  <a:srgbClr val="000000"/>
-                </a:solidFill>
-              </a:rPr>
-              <a:t>Do we want to have a slide each and maybe explain what we did individually? </a:t>
-            </a:r>
-            <a:endParaRPr>
-              <a:solidFill>
-                <a:srgbClr val="000000"/>
-              </a:solidFill>
-            </a:endParaRPr>
-          </a:p>
-          <a:p>
-            <a:pPr indent="0" lvl="0" marL="0">
-              <a:spcBef>
-                <a:spcPts val="0"/>
-              </a:spcBef>
-              <a:spcAft>
-                <a:spcPts val="1600"/>
-              </a:spcAft>
-              <a:buNone/>
-            </a:pPr>
-            <a:r>
-              <a:t/>
-            </a:r>
-            <a:endParaRPr>
-              <a:solidFill>
-                <a:srgbClr val="000000"/>
-              </a:solidFill>
-            </a:endParaRPr>
-          </a:p>
-        </p:txBody>
-      </p:sp>
-    </p:spTree>
-  </p:cSld>
-  <p:clrMapOvr>
-    <a:masterClrMapping/>
-  </p:clrMapOvr>
-</p:sld>
-</file>
-
-<file path=ppt/slides/slide44.xml><?xml version="1.0" encoding="utf-8"?>
-<p:sld xmlns:a="http://schemas.openxmlformats.org/drawingml/2006/main" xmlns:r="http://schemas.openxmlformats.org/officeDocument/2006/relationships" xmlns:mc="http://schemas.openxmlformats.org/markup-compatibility/2006" xmlns:mv="urn:schemas-microsoft-com:mac:vml" xmlns:p="http://schemas.openxmlformats.org/presentationml/2006/main" xmlns:c="http://schemas.openxmlformats.org/drawingml/2006/chart" xmlns:dgm="http://schemas.openxmlformats.org/drawingml/2006/diagram" xmlns:o="urn:schemas-microsoft-com:office:office" xmlns:v="urn:schemas-microsoft-com:vml" xmlns:pvml="urn:schemas-microsoft-com:office:powerpoint" xmlns:com="http://schemas.openxmlformats.org/drawingml/2006/compatibility" xmlns:p14="http://schemas.microsoft.com/office/powerpoint/2010/main" xmlns:p15="http://schemas.microsoft.com/office/powerpoint/2012/main">
-  <p:cSld>
-    <p:spTree>
-      <p:nvGrpSpPr>
-        <p:cNvPr id="559" name="Shape 559"/>
-        <p:cNvGrpSpPr/>
-        <p:nvPr/>
-      </p:nvGrpSpPr>
-      <p:grpSpPr>
-        <a:xfrm>
-          <a:off x="0" y="0"/>
-          <a:ext cx="0" cy="0"/>
-          <a:chOff x="0" y="0"/>
-          <a:chExt cx="0" cy="0"/>
-        </a:xfrm>
-      </p:grpSpPr>
-      <p:sp>
-        <p:nvSpPr>
-          <p:cNvPr id="560" name="Shape 560"/>
-          <p:cNvSpPr txBox="1"/>
-          <p:nvPr>
-            <p:ph type="title"/>
-          </p:nvPr>
-        </p:nvSpPr>
-        <p:spPr>
-          <a:xfrm>
-            <a:off x="1303800" y="598575"/>
-            <a:ext cx="7030500" cy="999300"/>
-          </a:xfrm>
-          <a:prstGeom prst="rect">
-            <a:avLst/>
-          </a:prstGeom>
-        </p:spPr>
-        <p:txBody>
-          <a:bodyPr anchorCtr="0" anchor="t" bIns="91425" lIns="91425" spcFirstLastPara="1" rIns="91425" wrap="square" tIns="91425">
-            <a:noAutofit/>
-          </a:bodyPr>
-          <a:lstStyle/>
-          <a:p>
-            <a:pPr indent="0" lvl="0" marL="0">
-              <a:spcBef>
-                <a:spcPts val="0"/>
-              </a:spcBef>
-              <a:spcAft>
-                <a:spcPts val="0"/>
-              </a:spcAft>
-              <a:buNone/>
-            </a:pPr>
-            <a:r>
-              <a:rPr lang="en"/>
-              <a:t>Discussion</a:t>
-            </a:r>
-            <a:endParaRPr/>
-          </a:p>
-        </p:txBody>
-      </p:sp>
-      <p:sp>
-        <p:nvSpPr>
-          <p:cNvPr id="561" name="Shape 561"/>
-          <p:cNvSpPr txBox="1"/>
-          <p:nvPr>
-            <p:ph idx="1" type="body"/>
-          </p:nvPr>
-        </p:nvSpPr>
-        <p:spPr>
-          <a:xfrm>
-            <a:off x="1303800" y="1990050"/>
-            <a:ext cx="7030500" cy="2541600"/>
-          </a:xfrm>
-          <a:prstGeom prst="rect">
-            <a:avLst/>
-          </a:prstGeom>
-        </p:spPr>
-        <p:txBody>
-          <a:bodyPr anchorCtr="0" anchor="t" bIns="91425" lIns="91425" spcFirstLastPara="1" rIns="91425" wrap="square" tIns="91425">
-            <a:noAutofit/>
-          </a:bodyPr>
-          <a:lstStyle/>
-          <a:p>
-            <a:pPr indent="-311150" lvl="0" marL="457200" rtl="0">
-              <a:lnSpc>
-                <a:spcPct val="150000"/>
-              </a:lnSpc>
-              <a:spcBef>
-                <a:spcPts val="0"/>
-              </a:spcBef>
-              <a:spcAft>
-                <a:spcPts val="0"/>
-              </a:spcAft>
-              <a:buClr>
-                <a:srgbClr val="000000"/>
-              </a:buClr>
-              <a:buSzPts val="1300"/>
-              <a:buChar char="●"/>
-            </a:pPr>
-            <a:r>
-              <a:rPr lang="en">
-                <a:solidFill>
-                  <a:srgbClr val="000000"/>
-                </a:solidFill>
-              </a:rPr>
-              <a:t> Discuss your findings. Did you find what you expected to find? </a:t>
-            </a:r>
-            <a:endParaRPr>
-              <a:solidFill>
-                <a:srgbClr val="000000"/>
-              </a:solidFill>
-            </a:endParaRPr>
-          </a:p>
-          <a:p>
-            <a:pPr indent="-311150" lvl="0" marL="457200" rtl="0">
-              <a:lnSpc>
-                <a:spcPct val="150000"/>
-              </a:lnSpc>
-              <a:spcBef>
-                <a:spcPts val="0"/>
-              </a:spcBef>
-              <a:spcAft>
-                <a:spcPts val="0"/>
-              </a:spcAft>
-              <a:buClr>
-                <a:srgbClr val="000000"/>
-              </a:buClr>
-              <a:buSzPts val="1300"/>
-              <a:buChar char="●"/>
-            </a:pPr>
-            <a:r>
-              <a:rPr lang="en">
-                <a:solidFill>
-                  <a:srgbClr val="000000"/>
-                </a:solidFill>
-              </a:rPr>
-              <a:t>If not, why not? </a:t>
-            </a:r>
-            <a:endParaRPr>
-              <a:solidFill>
-                <a:srgbClr val="000000"/>
-              </a:solidFill>
-            </a:endParaRPr>
-          </a:p>
-          <a:p>
-            <a:pPr indent="-311150" lvl="0" marL="457200" rtl="0">
-              <a:lnSpc>
-                <a:spcPct val="150000"/>
-              </a:lnSpc>
-              <a:spcBef>
-                <a:spcPts val="0"/>
-              </a:spcBef>
-              <a:spcAft>
-                <a:spcPts val="0"/>
-              </a:spcAft>
-              <a:buClr>
-                <a:srgbClr val="000000"/>
-              </a:buClr>
-              <a:buSzPts val="1300"/>
-              <a:buChar char="●"/>
-            </a:pPr>
-            <a:r>
-              <a:rPr lang="en">
-                <a:solidFill>
-                  <a:srgbClr val="000000"/>
-                </a:solidFill>
-              </a:rPr>
-              <a:t>What inferences or general conclusions can you draw from your analysis? </a:t>
-            </a:r>
-            <a:endParaRPr>
-              <a:solidFill>
-                <a:srgbClr val="000000"/>
-              </a:solidFill>
-            </a:endParaRPr>
-          </a:p>
-          <a:p>
-            <a:pPr indent="-311150" lvl="0" marL="457200" rtl="0">
-              <a:lnSpc>
-                <a:spcPct val="150000"/>
-              </a:lnSpc>
-              <a:spcBef>
-                <a:spcPts val="0"/>
-              </a:spcBef>
-              <a:spcAft>
-                <a:spcPts val="0"/>
-              </a:spcAft>
-              <a:buClr>
-                <a:srgbClr val="000000"/>
-              </a:buClr>
-              <a:buSzPts val="1300"/>
-              <a:buChar char="●"/>
-            </a:pPr>
-            <a:r>
-              <a:rPr lang="en">
-                <a:solidFill>
-                  <a:srgbClr val="000000"/>
-                </a:solidFill>
-              </a:rPr>
-              <a:t>Summarize your conclusions. This should include a numerical summary (i.e., what data did your analysis yield), as well as visualizations of that summary (plots of the final analysis data) </a:t>
-            </a:r>
-            <a:endParaRPr>
-              <a:solidFill>
-                <a:srgbClr val="000000"/>
-              </a:solidFill>
-            </a:endParaRPr>
-          </a:p>
-          <a:p>
-            <a:pPr indent="-311150" lvl="0" marL="457200" rtl="0">
-              <a:lnSpc>
-                <a:spcPct val="150000"/>
-              </a:lnSpc>
-              <a:spcBef>
-                <a:spcPts val="0"/>
-              </a:spcBef>
-              <a:spcAft>
-                <a:spcPts val="0"/>
-              </a:spcAft>
-              <a:buClr>
-                <a:srgbClr val="000000"/>
-              </a:buClr>
-              <a:buSzPts val="1300"/>
-              <a:buChar char="●"/>
-            </a:pPr>
-            <a:r>
-              <a:rPr lang="en">
-                <a:solidFill>
-                  <a:srgbClr val="000000"/>
-                </a:solidFill>
-              </a:rPr>
-              <a:t>Discuss the implications of your findings. This is where you get to have an open-ended discussion about what your findings "mean".</a:t>
-            </a:r>
-            <a:endParaRPr>
-              <a:solidFill>
-                <a:srgbClr val="000000"/>
-              </a:solidFill>
-            </a:endParaRPr>
-          </a:p>
-        </p:txBody>
-      </p:sp>
-    </p:spTree>
-  </p:cSld>
-  <p:clrMapOvr>
-    <a:masterClrMapping/>
-  </p:clrMapOvr>
-</p:sld>
-</file>
-
-<file path=ppt/slides/slide45.xml><?xml version="1.0" encoding="utf-8"?>
-<p:sld xmlns:a="http://schemas.openxmlformats.org/drawingml/2006/main" xmlns:r="http://schemas.openxmlformats.org/officeDocument/2006/relationships" xmlns:mc="http://schemas.openxmlformats.org/markup-compatibility/2006" xmlns:mv="urn:schemas-microsoft-com:mac:vml" xmlns:p="http://schemas.openxmlformats.org/presentationml/2006/main" xmlns:c="http://schemas.openxmlformats.org/drawingml/2006/chart" xmlns:dgm="http://schemas.openxmlformats.org/drawingml/2006/diagram" xmlns:o="urn:schemas-microsoft-com:office:office" xmlns:v="urn:schemas-microsoft-com:vml" xmlns:pvml="urn:schemas-microsoft-com:office:powerpoint" xmlns:com="http://schemas.openxmlformats.org/drawingml/2006/compatibility" xmlns:p14="http://schemas.microsoft.com/office/powerpoint/2010/main" xmlns:p15="http://schemas.microsoft.com/office/powerpoint/2012/main">
-  <p:cSld>
-    <p:spTree>
-      <p:nvGrpSpPr>
-        <p:cNvPr id="565" name="Shape 565"/>
-        <p:cNvGrpSpPr/>
-        <p:nvPr/>
-      </p:nvGrpSpPr>
-      <p:grpSpPr>
-        <a:xfrm>
-          <a:off x="0" y="0"/>
-          <a:ext cx="0" cy="0"/>
-          <a:chOff x="0" y="0"/>
-          <a:chExt cx="0" cy="0"/>
-        </a:xfrm>
-      </p:grpSpPr>
-      <p:sp>
-        <p:nvSpPr>
-          <p:cNvPr id="566" name="Shape 566"/>
-          <p:cNvSpPr txBox="1"/>
-          <p:nvPr>
-            <p:ph type="title"/>
-          </p:nvPr>
-        </p:nvSpPr>
-        <p:spPr>
-          <a:xfrm>
-            <a:off x="1303800" y="598575"/>
-            <a:ext cx="7030500" cy="999300"/>
-          </a:xfrm>
-          <a:prstGeom prst="rect">
-            <a:avLst/>
-          </a:prstGeom>
-        </p:spPr>
-        <p:txBody>
-          <a:bodyPr anchorCtr="0" anchor="t" bIns="91425" lIns="91425" spcFirstLastPara="1" rIns="91425" wrap="square" tIns="91425">
-            <a:noAutofit/>
-          </a:bodyPr>
-          <a:lstStyle/>
-          <a:p>
-            <a:pPr indent="0" lvl="0" marL="0" rtl="0">
-              <a:spcBef>
-                <a:spcPts val="0"/>
-              </a:spcBef>
-              <a:spcAft>
-                <a:spcPts val="0"/>
-              </a:spcAft>
-              <a:buNone/>
-            </a:pPr>
-            <a:r>
-              <a:rPr lang="en"/>
-              <a:t>Post Mortem</a:t>
-            </a:r>
-            <a:endParaRPr/>
-          </a:p>
-        </p:txBody>
-      </p:sp>
-      <p:sp>
-        <p:nvSpPr>
-          <p:cNvPr id="567" name="Shape 567"/>
-          <p:cNvSpPr txBox="1"/>
-          <p:nvPr>
-            <p:ph idx="1" type="body"/>
-          </p:nvPr>
-        </p:nvSpPr>
-        <p:spPr>
-          <a:xfrm>
-            <a:off x="1303800" y="1990050"/>
-            <a:ext cx="7030500" cy="2541600"/>
-          </a:xfrm>
-          <a:prstGeom prst="rect">
-            <a:avLst/>
-          </a:prstGeom>
-        </p:spPr>
-        <p:txBody>
-          <a:bodyPr anchorCtr="0" anchor="t" bIns="91425" lIns="91425" spcFirstLastPara="1" rIns="91425" wrap="square" tIns="91425">
-            <a:noAutofit/>
-          </a:bodyPr>
-          <a:lstStyle/>
-          <a:p>
-            <a:pPr indent="-311150" lvl="0" marL="457200" rtl="0">
-              <a:lnSpc>
-                <a:spcPct val="150000"/>
-              </a:lnSpc>
-              <a:spcBef>
-                <a:spcPts val="0"/>
-              </a:spcBef>
-              <a:spcAft>
-                <a:spcPts val="0"/>
-              </a:spcAft>
-              <a:buClr>
-                <a:srgbClr val="000000"/>
-              </a:buClr>
-              <a:buSzPts val="1300"/>
-              <a:buChar char="●"/>
-            </a:pPr>
-            <a:r>
-              <a:rPr lang="en">
-                <a:solidFill>
-                  <a:srgbClr val="000000"/>
-                </a:solidFill>
-              </a:rPr>
-              <a:t> * Discuss any difficulties that arose, and how you dealt with them</a:t>
-            </a:r>
-            <a:endParaRPr>
-              <a:solidFill>
-                <a:srgbClr val="000000"/>
-              </a:solidFill>
-            </a:endParaRPr>
-          </a:p>
-          <a:p>
-            <a:pPr indent="-311150" lvl="0" marL="457200" rtl="0">
-              <a:lnSpc>
-                <a:spcPct val="150000"/>
-              </a:lnSpc>
-              <a:spcBef>
-                <a:spcPts val="0"/>
-              </a:spcBef>
-              <a:spcAft>
-                <a:spcPts val="0"/>
-              </a:spcAft>
-              <a:buClr>
-                <a:srgbClr val="000000"/>
-              </a:buClr>
-              <a:buSzPts val="1300"/>
-              <a:buChar char="●"/>
-            </a:pPr>
-            <a:r>
-              <a:rPr lang="en">
-                <a:solidFill>
-                  <a:srgbClr val="000000"/>
-                </a:solidFill>
-              </a:rPr>
-              <a:t> * Discuss any additional questions that came up, but which you didn't have time to answer: </a:t>
-            </a:r>
-            <a:endParaRPr>
-              <a:solidFill>
-                <a:srgbClr val="000000"/>
-              </a:solidFill>
-            </a:endParaRPr>
-          </a:p>
-          <a:p>
-            <a:pPr indent="-311150" lvl="0" marL="457200" rtl="0">
-              <a:lnSpc>
-                <a:spcPct val="150000"/>
-              </a:lnSpc>
-              <a:spcBef>
-                <a:spcPts val="0"/>
-              </a:spcBef>
-              <a:spcAft>
-                <a:spcPts val="0"/>
-              </a:spcAft>
-              <a:buClr>
-                <a:srgbClr val="000000"/>
-              </a:buClr>
-              <a:buSzPts val="1300"/>
-              <a:buChar char="●"/>
-            </a:pPr>
-            <a:r>
-              <a:rPr lang="en">
-                <a:solidFill>
-                  <a:srgbClr val="000000"/>
-                </a:solidFill>
-              </a:rPr>
-              <a:t>What would you research next, if you had two more weeks?</a:t>
-            </a:r>
-            <a:endParaRPr>
-              <a:solidFill>
-                <a:srgbClr val="000000"/>
-              </a:solidFill>
-            </a:endParaRPr>
-          </a:p>
-          <a:p>
-            <a:pPr indent="-298450" lvl="1" marL="914400" rtl="0">
-              <a:lnSpc>
-                <a:spcPct val="150000"/>
-              </a:lnSpc>
-              <a:spcBef>
-                <a:spcPts val="0"/>
-              </a:spcBef>
-              <a:spcAft>
-                <a:spcPts val="0"/>
-              </a:spcAft>
-              <a:buClr>
-                <a:srgbClr val="000000"/>
-              </a:buClr>
-              <a:buSzPts val="1100"/>
-              <a:buChar char="○"/>
-            </a:pPr>
-            <a:r>
-              <a:t/>
-            </a:r>
-            <a:endParaRPr>
-              <a:solidFill>
-                <a:srgbClr val="000000"/>
-              </a:solidFill>
-            </a:endParaRPr>
-          </a:p>
-          <a:p>
-            <a:pPr indent="0" lvl="0" marL="0" rtl="0">
-              <a:spcBef>
-                <a:spcPts val="0"/>
-              </a:spcBef>
-              <a:spcAft>
-                <a:spcPts val="1600"/>
-              </a:spcAft>
-              <a:buNone/>
-            </a:pPr>
-            <a:r>
-              <a:t/>
-            </a:r>
-            <a:endParaRPr>
-              <a:solidFill>
-                <a:srgbClr val="000000"/>
-              </a:solidFill>
-            </a:endParaRPr>
-          </a:p>
-        </p:txBody>
-      </p:sp>
     </p:spTree>
   </p:cSld>
   <p:clrMapOvr>
@@ -29904,6 +27337,285 @@
 </file>
 
 <file path=ppt/theme/theme1.xml><?xml version="1.0" encoding="utf-8"?>
+<a:theme xmlns:a="http://schemas.openxmlformats.org/drawingml/2006/main" xmlns:r="http://schemas.openxmlformats.org/officeDocument/2006/relationships" name="Momentum">
+  <a:themeElements>
+    <a:clrScheme name="Momentum">
+      <a:dk1>
+        <a:srgbClr val="C0791B"/>
+      </a:dk1>
+      <a:lt1>
+        <a:srgbClr val="FFFFFF"/>
+      </a:lt1>
+      <a:dk2>
+        <a:srgbClr val="424242"/>
+      </a:dk2>
+      <a:lt2>
+        <a:srgbClr val="8DD8D3"/>
+      </a:lt2>
+      <a:accent1>
+        <a:srgbClr val="0B6374"/>
+      </a:accent1>
+      <a:accent2>
+        <a:srgbClr val="FD5B58"/>
+      </a:accent2>
+      <a:accent3>
+        <a:srgbClr val="599191"/>
+      </a:accent3>
+      <a:accent4>
+        <a:srgbClr val="D7E6A3"/>
+      </a:accent4>
+      <a:accent5>
+        <a:srgbClr val="27278B"/>
+      </a:accent5>
+      <a:accent6>
+        <a:srgbClr val="D558AB"/>
+      </a:accent6>
+      <a:hlink>
+        <a:srgbClr val="27278B"/>
+      </a:hlink>
+      <a:folHlink>
+        <a:srgbClr val="27278B"/>
+      </a:folHlink>
+    </a:clrScheme>
+    <a:fontScheme name="Office">
+      <a:majorFont>
+        <a:latin typeface="Arial"/>
+        <a:ea typeface=""/>
+        <a:cs typeface=""/>
+        <a:font script="Jpan" typeface="ＭＳ Ｐゴシック"/>
+        <a:font script="Hang" typeface="맑은 고딕"/>
+        <a:font script="Hans" typeface="宋体"/>
+        <a:font script="Hant" typeface="新細明體"/>
+        <a:font script="Arab" typeface="Times New Roman"/>
+        <a:font script="Hebr" typeface="Times New Roman"/>
+        <a:font script="Thai" typeface="Angsana New"/>
+        <a:font script="Ethi" typeface="Nyala"/>
+        <a:font script="Beng" typeface="Vrinda"/>
+        <a:font script="Gujr" typeface="Shruti"/>
+        <a:font script="Khmr" typeface="MoolBoran"/>
+        <a:font script="Knda" typeface="Tunga"/>
+        <a:font script="Guru" typeface="Raavi"/>
+        <a:font script="Cans" typeface="Euphemia"/>
+        <a:font script="Cher" typeface="Plantagenet Cherokee"/>
+        <a:font script="Yiii" typeface="Microsoft Yi Baiti"/>
+        <a:font script="Tibt" typeface="Microsoft Himalaya"/>
+        <a:font script="Thaa" typeface="MV Boli"/>
+        <a:font script="Deva" typeface="Mangal"/>
+        <a:font script="Telu" typeface="Gautami"/>
+        <a:font script="Taml" typeface="Latha"/>
+        <a:font script="Syrc" typeface="Estrangelo Edessa"/>
+        <a:font script="Orya" typeface="Kalinga"/>
+        <a:font script="Mlym" typeface="Kartika"/>
+        <a:font script="Laoo" typeface="DokChampa"/>
+        <a:font script="Sinh" typeface="Iskoola Pota"/>
+        <a:font script="Mong" typeface="Mongolian Baiti"/>
+        <a:font script="Viet" typeface="Times New Roman"/>
+        <a:font script="Uigh" typeface="Microsoft Uighur"/>
+        <a:font script="Geor" typeface="Sylfaen"/>
+      </a:majorFont>
+      <a:minorFont>
+        <a:latin typeface="Arial"/>
+        <a:ea typeface=""/>
+        <a:cs typeface=""/>
+        <a:font script="Jpan" typeface="ＭＳ Ｐゴシック"/>
+        <a:font script="Hang" typeface="맑은 고딕"/>
+        <a:font script="Hans" typeface="宋体"/>
+        <a:font script="Hant" typeface="新細明體"/>
+        <a:font script="Arab" typeface="Arial"/>
+        <a:font script="Hebr" typeface="Arial"/>
+        <a:font script="Thai" typeface="Cordia New"/>
+        <a:font script="Ethi" typeface="Nyala"/>
+        <a:font script="Beng" typeface="Vrinda"/>
+        <a:font script="Gujr" typeface="Shruti"/>
+        <a:font script="Khmr" typeface="DaunPenh"/>
+        <a:font script="Knda" typeface="Tunga"/>
+        <a:font script="Guru" typeface="Raavi"/>
+        <a:font script="Cans" typeface="Euphemia"/>
+        <a:font script="Cher" typeface="Plantagenet Cherokee"/>
+        <a:font script="Yiii" typeface="Microsoft Yi Baiti"/>
+        <a:font script="Tibt" typeface="Microsoft Himalaya"/>
+        <a:font script="Thaa" typeface="MV Boli"/>
+        <a:font script="Deva" typeface="Mangal"/>
+        <a:font script="Telu" typeface="Gautami"/>
+        <a:font script="Taml" typeface="Latha"/>
+        <a:font script="Syrc" typeface="Estrangelo Edessa"/>
+        <a:font script="Orya" typeface="Kalinga"/>
+        <a:font script="Mlym" typeface="Kartika"/>
+        <a:font script="Laoo" typeface="DokChampa"/>
+        <a:font script="Sinh" typeface="Iskoola Pota"/>
+        <a:font script="Mong" typeface="Mongolian Baiti"/>
+        <a:font script="Viet" typeface="Arial"/>
+        <a:font script="Uigh" typeface="Microsoft Uighur"/>
+        <a:font script="Geor" typeface="Sylfaen"/>
+      </a:minorFont>
+    </a:fontScheme>
+    <a:fmtScheme name="Office">
+      <a:fillStyleLst>
+        <a:solidFill>
+          <a:schemeClr val="phClr"/>
+        </a:solidFill>
+        <a:gradFill rotWithShape="1">
+          <a:gsLst>
+            <a:gs pos="0">
+              <a:schemeClr val="phClr">
+                <a:tint val="50000"/>
+                <a:satMod val="300000"/>
+              </a:schemeClr>
+            </a:gs>
+            <a:gs pos="35000">
+              <a:schemeClr val="phClr">
+                <a:tint val="37000"/>
+                <a:satMod val="300000"/>
+              </a:schemeClr>
+            </a:gs>
+            <a:gs pos="100000">
+              <a:schemeClr val="phClr">
+                <a:tint val="15000"/>
+                <a:satMod val="350000"/>
+              </a:schemeClr>
+            </a:gs>
+          </a:gsLst>
+          <a:lin ang="16200000" scaled="1"/>
+        </a:gradFill>
+        <a:gradFill rotWithShape="1">
+          <a:gsLst>
+            <a:gs pos="0">
+              <a:schemeClr val="phClr">
+                <a:tint val="100000"/>
+                <a:shade val="100000"/>
+                <a:satMod val="130000"/>
+              </a:schemeClr>
+            </a:gs>
+            <a:gs pos="100000">
+              <a:schemeClr val="phClr">
+                <a:tint val="50000"/>
+                <a:shade val="100000"/>
+                <a:satMod val="350000"/>
+              </a:schemeClr>
+            </a:gs>
+          </a:gsLst>
+          <a:lin ang="16200000" scaled="0"/>
+        </a:gradFill>
+      </a:fillStyleLst>
+      <a:lnStyleLst>
+        <a:ln w="9525" cap="flat" cmpd="sng" algn="ctr">
+          <a:solidFill>
+            <a:schemeClr val="phClr">
+              <a:shade val="95000"/>
+              <a:satMod val="105000"/>
+            </a:schemeClr>
+          </a:solidFill>
+          <a:prstDash val="solid"/>
+        </a:ln>
+        <a:ln w="25400" cap="flat" cmpd="sng" algn="ctr">
+          <a:solidFill>
+            <a:schemeClr val="phClr"/>
+          </a:solidFill>
+          <a:prstDash val="solid"/>
+        </a:ln>
+        <a:ln w="38100" cap="flat" cmpd="sng" algn="ctr">
+          <a:solidFill>
+            <a:schemeClr val="phClr"/>
+          </a:solidFill>
+          <a:prstDash val="solid"/>
+        </a:ln>
+      </a:lnStyleLst>
+      <a:effectStyleLst>
+        <a:effectStyle>
+          <a:effectLst>
+            <a:outerShdw blurRad="40000" dist="20000" dir="5400000" rotWithShape="0">
+              <a:srgbClr val="000000">
+                <a:alpha val="38000"/>
+              </a:srgbClr>
+            </a:outerShdw>
+          </a:effectLst>
+        </a:effectStyle>
+        <a:effectStyle>
+          <a:effectLst>
+            <a:outerShdw blurRad="40000" dist="23000" dir="5400000" rotWithShape="0">
+              <a:srgbClr val="000000">
+                <a:alpha val="35000"/>
+              </a:srgbClr>
+            </a:outerShdw>
+          </a:effectLst>
+        </a:effectStyle>
+        <a:effectStyle>
+          <a:effectLst>
+            <a:outerShdw blurRad="40000" dist="23000" dir="5400000" rotWithShape="0">
+              <a:srgbClr val="000000">
+                <a:alpha val="35000"/>
+              </a:srgbClr>
+            </a:outerShdw>
+          </a:effectLst>
+          <a:scene3d>
+            <a:camera prst="orthographicFront">
+              <a:rot lat="0" lon="0" rev="0"/>
+            </a:camera>
+            <a:lightRig rig="threePt" dir="t">
+              <a:rot lat="0" lon="0" rev="1200000"/>
+            </a:lightRig>
+          </a:scene3d>
+          <a:sp3d>
+            <a:bevelT w="63500" h="25400"/>
+          </a:sp3d>
+        </a:effectStyle>
+      </a:effectStyleLst>
+      <a:bgFillStyleLst>
+        <a:solidFill>
+          <a:schemeClr val="phClr"/>
+        </a:solidFill>
+        <a:gradFill rotWithShape="1">
+          <a:gsLst>
+            <a:gs pos="0">
+              <a:schemeClr val="phClr">
+                <a:tint val="40000"/>
+                <a:satMod val="350000"/>
+              </a:schemeClr>
+            </a:gs>
+            <a:gs pos="40000">
+              <a:schemeClr val="phClr">
+                <a:tint val="45000"/>
+                <a:shade val="99000"/>
+                <a:satMod val="350000"/>
+              </a:schemeClr>
+            </a:gs>
+            <a:gs pos="100000">
+              <a:schemeClr val="phClr">
+                <a:shade val="20000"/>
+                <a:satMod val="255000"/>
+              </a:schemeClr>
+            </a:gs>
+          </a:gsLst>
+          <a:path path="circle">
+            <a:fillToRect l="50000" t="-80000" r="50000" b="180000"/>
+          </a:path>
+        </a:gradFill>
+        <a:gradFill rotWithShape="1">
+          <a:gsLst>
+            <a:gs pos="0">
+              <a:schemeClr val="phClr">
+                <a:tint val="80000"/>
+                <a:satMod val="300000"/>
+              </a:schemeClr>
+            </a:gs>
+            <a:gs pos="100000">
+              <a:schemeClr val="phClr">
+                <a:shade val="30000"/>
+                <a:satMod val="200000"/>
+              </a:schemeClr>
+            </a:gs>
+          </a:gsLst>
+          <a:path path="circle">
+            <a:fillToRect l="50000" t="50000" r="50000" b="50000"/>
+          </a:path>
+        </a:gradFill>
+      </a:bgFillStyleLst>
+    </a:fmtScheme>
+  </a:themeElements>
+</a:theme>
+</file>
+
+<file path=ppt/theme/theme2.xml><?xml version="1.0" encoding="utf-8"?>
 <a:theme xmlns:a="http://schemas.openxmlformats.org/drawingml/2006/main" xmlns:r="http://schemas.openxmlformats.org/officeDocument/2006/relationships">
   <a:themeElements>
     <a:clrScheme name="Default">
@@ -30180,283 +27892,4 @@
     </a:fmtScheme>
   </a:themeElements>
 </a:theme>
-</file>
-
-<file path=ppt/theme/theme2.xml><?xml version="1.0" encoding="utf-8"?>
-<a:theme xmlns:a="http://schemas.openxmlformats.org/drawingml/2006/main" xmlns:r="http://schemas.openxmlformats.org/officeDocument/2006/relationships" name="Momentum">
-  <a:themeElements>
-    <a:clrScheme name="Momentum">
-      <a:dk1>
-        <a:srgbClr val="C0791B"/>
-      </a:dk1>
-      <a:lt1>
-        <a:srgbClr val="FFFFFF"/>
-      </a:lt1>
-      <a:dk2>
-        <a:srgbClr val="424242"/>
-      </a:dk2>
-      <a:lt2>
-        <a:srgbClr val="8DD8D3"/>
-      </a:lt2>
-      <a:accent1>
-        <a:srgbClr val="0B6374"/>
-      </a:accent1>
-      <a:accent2>
-        <a:srgbClr val="FD5B58"/>
-      </a:accent2>
-      <a:accent3>
-        <a:srgbClr val="599191"/>
-      </a:accent3>
-      <a:accent4>
-        <a:srgbClr val="D7E6A3"/>
-      </a:accent4>
-      <a:accent5>
-        <a:srgbClr val="27278B"/>
-      </a:accent5>
-      <a:accent6>
-        <a:srgbClr val="D558AB"/>
-      </a:accent6>
-      <a:hlink>
-        <a:srgbClr val="27278B"/>
-      </a:hlink>
-      <a:folHlink>
-        <a:srgbClr val="27278B"/>
-      </a:folHlink>
-    </a:clrScheme>
-    <a:fontScheme name="Office">
-      <a:majorFont>
-        <a:latin typeface="Arial"/>
-        <a:ea typeface=""/>
-        <a:cs typeface=""/>
-        <a:font script="Jpan" typeface="ＭＳ Ｐゴシック"/>
-        <a:font script="Hang" typeface="맑은 고딕"/>
-        <a:font script="Hans" typeface="宋体"/>
-        <a:font script="Hant" typeface="新細明體"/>
-        <a:font script="Arab" typeface="Times New Roman"/>
-        <a:font script="Hebr" typeface="Times New Roman"/>
-        <a:font script="Thai" typeface="Angsana New"/>
-        <a:font script="Ethi" typeface="Nyala"/>
-        <a:font script="Beng" typeface="Vrinda"/>
-        <a:font script="Gujr" typeface="Shruti"/>
-        <a:font script="Khmr" typeface="MoolBoran"/>
-        <a:font script="Knda" typeface="Tunga"/>
-        <a:font script="Guru" typeface="Raavi"/>
-        <a:font script="Cans" typeface="Euphemia"/>
-        <a:font script="Cher" typeface="Plantagenet Cherokee"/>
-        <a:font script="Yiii" typeface="Microsoft Yi Baiti"/>
-        <a:font script="Tibt" typeface="Microsoft Himalaya"/>
-        <a:font script="Thaa" typeface="MV Boli"/>
-        <a:font script="Deva" typeface="Mangal"/>
-        <a:font script="Telu" typeface="Gautami"/>
-        <a:font script="Taml" typeface="Latha"/>
-        <a:font script="Syrc" typeface="Estrangelo Edessa"/>
-        <a:font script="Orya" typeface="Kalinga"/>
-        <a:font script="Mlym" typeface="Kartika"/>
-        <a:font script="Laoo" typeface="DokChampa"/>
-        <a:font script="Sinh" typeface="Iskoola Pota"/>
-        <a:font script="Mong" typeface="Mongolian Baiti"/>
-        <a:font script="Viet" typeface="Times New Roman"/>
-        <a:font script="Uigh" typeface="Microsoft Uighur"/>
-        <a:font script="Geor" typeface="Sylfaen"/>
-      </a:majorFont>
-      <a:minorFont>
-        <a:latin typeface="Arial"/>
-        <a:ea typeface=""/>
-        <a:cs typeface=""/>
-        <a:font script="Jpan" typeface="ＭＳ Ｐゴシック"/>
-        <a:font script="Hang" typeface="맑은 고딕"/>
-        <a:font script="Hans" typeface="宋体"/>
-        <a:font script="Hant" typeface="新細明體"/>
-        <a:font script="Arab" typeface="Arial"/>
-        <a:font script="Hebr" typeface="Arial"/>
-        <a:font script="Thai" typeface="Cordia New"/>
-        <a:font script="Ethi" typeface="Nyala"/>
-        <a:font script="Beng" typeface="Vrinda"/>
-        <a:font script="Gujr" typeface="Shruti"/>
-        <a:font script="Khmr" typeface="DaunPenh"/>
-        <a:font script="Knda" typeface="Tunga"/>
-        <a:font script="Guru" typeface="Raavi"/>
-        <a:font script="Cans" typeface="Euphemia"/>
-        <a:font script="Cher" typeface="Plantagenet Cherokee"/>
-        <a:font script="Yiii" typeface="Microsoft Yi Baiti"/>
-        <a:font script="Tibt" typeface="Microsoft Himalaya"/>
-        <a:font script="Thaa" typeface="MV Boli"/>
-        <a:font script="Deva" typeface="Mangal"/>
-        <a:font script="Telu" typeface="Gautami"/>
-        <a:font script="Taml" typeface="Latha"/>
-        <a:font script="Syrc" typeface="Estrangelo Edessa"/>
-        <a:font script="Orya" typeface="Kalinga"/>
-        <a:font script="Mlym" typeface="Kartika"/>
-        <a:font script="Laoo" typeface="DokChampa"/>
-        <a:font script="Sinh" typeface="Iskoola Pota"/>
-        <a:font script="Mong" typeface="Mongolian Baiti"/>
-        <a:font script="Viet" typeface="Arial"/>
-        <a:font script="Uigh" typeface="Microsoft Uighur"/>
-        <a:font script="Geor" typeface="Sylfaen"/>
-      </a:minorFont>
-    </a:fontScheme>
-    <a:fmtScheme name="Office">
-      <a:fillStyleLst>
-        <a:solidFill>
-          <a:schemeClr val="phClr"/>
-        </a:solidFill>
-        <a:gradFill rotWithShape="1">
-          <a:gsLst>
-            <a:gs pos="0">
-              <a:schemeClr val="phClr">
-                <a:tint val="50000"/>
-                <a:satMod val="300000"/>
-              </a:schemeClr>
-            </a:gs>
-            <a:gs pos="35000">
-              <a:schemeClr val="phClr">
-                <a:tint val="37000"/>
-                <a:satMod val="300000"/>
-              </a:schemeClr>
-            </a:gs>
-            <a:gs pos="100000">
-              <a:schemeClr val="phClr">
-                <a:tint val="15000"/>
-                <a:satMod val="350000"/>
-              </a:schemeClr>
-            </a:gs>
-          </a:gsLst>
-          <a:lin ang="16200000" scaled="1"/>
-        </a:gradFill>
-        <a:gradFill rotWithShape="1">
-          <a:gsLst>
-            <a:gs pos="0">
-              <a:schemeClr val="phClr">
-                <a:tint val="100000"/>
-                <a:shade val="100000"/>
-                <a:satMod val="130000"/>
-              </a:schemeClr>
-            </a:gs>
-            <a:gs pos="100000">
-              <a:schemeClr val="phClr">
-                <a:tint val="50000"/>
-                <a:shade val="100000"/>
-                <a:satMod val="350000"/>
-              </a:schemeClr>
-            </a:gs>
-          </a:gsLst>
-          <a:lin ang="16200000" scaled="0"/>
-        </a:gradFill>
-      </a:fillStyleLst>
-      <a:lnStyleLst>
-        <a:ln w="9525" cap="flat" cmpd="sng" algn="ctr">
-          <a:solidFill>
-            <a:schemeClr val="phClr">
-              <a:shade val="95000"/>
-              <a:satMod val="105000"/>
-            </a:schemeClr>
-          </a:solidFill>
-          <a:prstDash val="solid"/>
-        </a:ln>
-        <a:ln w="25400" cap="flat" cmpd="sng" algn="ctr">
-          <a:solidFill>
-            <a:schemeClr val="phClr"/>
-          </a:solidFill>
-          <a:prstDash val="solid"/>
-        </a:ln>
-        <a:ln w="38100" cap="flat" cmpd="sng" algn="ctr">
-          <a:solidFill>
-            <a:schemeClr val="phClr"/>
-          </a:solidFill>
-          <a:prstDash val="solid"/>
-        </a:ln>
-      </a:lnStyleLst>
-      <a:effectStyleLst>
-        <a:effectStyle>
-          <a:effectLst>
-            <a:outerShdw blurRad="40000" dist="20000" dir="5400000" rotWithShape="0">
-              <a:srgbClr val="000000">
-                <a:alpha val="38000"/>
-              </a:srgbClr>
-            </a:outerShdw>
-          </a:effectLst>
-        </a:effectStyle>
-        <a:effectStyle>
-          <a:effectLst>
-            <a:outerShdw blurRad="40000" dist="23000" dir="5400000" rotWithShape="0">
-              <a:srgbClr val="000000">
-                <a:alpha val="35000"/>
-              </a:srgbClr>
-            </a:outerShdw>
-          </a:effectLst>
-        </a:effectStyle>
-        <a:effectStyle>
-          <a:effectLst>
-            <a:outerShdw blurRad="40000" dist="23000" dir="5400000" rotWithShape="0">
-              <a:srgbClr val="000000">
-                <a:alpha val="35000"/>
-              </a:srgbClr>
-            </a:outerShdw>
-          </a:effectLst>
-          <a:scene3d>
-            <a:camera prst="orthographicFront">
-              <a:rot lat="0" lon="0" rev="0"/>
-            </a:camera>
-            <a:lightRig rig="threePt" dir="t">
-              <a:rot lat="0" lon="0" rev="1200000"/>
-            </a:lightRig>
-          </a:scene3d>
-          <a:sp3d>
-            <a:bevelT w="63500" h="25400"/>
-          </a:sp3d>
-        </a:effectStyle>
-      </a:effectStyleLst>
-      <a:bgFillStyleLst>
-        <a:solidFill>
-          <a:schemeClr val="phClr"/>
-        </a:solidFill>
-        <a:gradFill rotWithShape="1">
-          <a:gsLst>
-            <a:gs pos="0">
-              <a:schemeClr val="phClr">
-                <a:tint val="40000"/>
-                <a:satMod val="350000"/>
-              </a:schemeClr>
-            </a:gs>
-            <a:gs pos="40000">
-              <a:schemeClr val="phClr">
-                <a:tint val="45000"/>
-                <a:shade val="99000"/>
-                <a:satMod val="350000"/>
-              </a:schemeClr>
-            </a:gs>
-            <a:gs pos="100000">
-              <a:schemeClr val="phClr">
-                <a:shade val="20000"/>
-                <a:satMod val="255000"/>
-              </a:schemeClr>
-            </a:gs>
-          </a:gsLst>
-          <a:path path="circle">
-            <a:fillToRect l="50000" t="-80000" r="50000" b="180000"/>
-          </a:path>
-        </a:gradFill>
-        <a:gradFill rotWithShape="1">
-          <a:gsLst>
-            <a:gs pos="0">
-              <a:schemeClr val="phClr">
-                <a:tint val="80000"/>
-                <a:satMod val="300000"/>
-              </a:schemeClr>
-            </a:gs>
-            <a:gs pos="100000">
-              <a:schemeClr val="phClr">
-                <a:shade val="30000"/>
-                <a:satMod val="200000"/>
-              </a:schemeClr>
-            </a:gs>
-          </a:gsLst>
-          <a:path path="circle">
-            <a:fillToRect l="50000" t="50000" r="50000" b="50000"/>
-          </a:path>
-        </a:gradFill>
-      </a:bgFillStyleLst>
-    </a:fmtScheme>
-  </a:themeElements>
-</a:theme>
 </file>